--- a/labs requirements.pptx
+++ b/labs requirements.pptx
@@ -265,7 +265,7 @@
           <a:p>
             <a:fld id="{FCD1B0E7-7A14-43A7-8971-2F83AC4B4961}" type="datetimeFigureOut">
               <a:rPr lang="zh-CN" altLang="en-US" smtClean="0"/>
-              <a:t>2021/9/28</a:t>
+              <a:t>2021/9/30</a:t>
             </a:fld>
             <a:endParaRPr lang="zh-CN" altLang="en-US"/>
           </a:p>
@@ -463,7 +463,7 @@
           <a:p>
             <a:fld id="{FCD1B0E7-7A14-43A7-8971-2F83AC4B4961}" type="datetimeFigureOut">
               <a:rPr lang="zh-CN" altLang="en-US" smtClean="0"/>
-              <a:t>2021/9/28</a:t>
+              <a:t>2021/9/30</a:t>
             </a:fld>
             <a:endParaRPr lang="zh-CN" altLang="en-US"/>
           </a:p>
@@ -671,7 +671,7 @@
           <a:p>
             <a:fld id="{FCD1B0E7-7A14-43A7-8971-2F83AC4B4961}" type="datetimeFigureOut">
               <a:rPr lang="zh-CN" altLang="en-US" smtClean="0"/>
-              <a:t>2021/9/28</a:t>
+              <a:t>2021/9/30</a:t>
             </a:fld>
             <a:endParaRPr lang="zh-CN" altLang="en-US"/>
           </a:p>
@@ -869,7 +869,7 @@
           <a:p>
             <a:fld id="{FCD1B0E7-7A14-43A7-8971-2F83AC4B4961}" type="datetimeFigureOut">
               <a:rPr lang="zh-CN" altLang="en-US" smtClean="0"/>
-              <a:t>2021/9/28</a:t>
+              <a:t>2021/9/30</a:t>
             </a:fld>
             <a:endParaRPr lang="zh-CN" altLang="en-US"/>
           </a:p>
@@ -1144,7 +1144,7 @@
           <a:p>
             <a:fld id="{FCD1B0E7-7A14-43A7-8971-2F83AC4B4961}" type="datetimeFigureOut">
               <a:rPr lang="zh-CN" altLang="en-US" smtClean="0"/>
-              <a:t>2021/9/28</a:t>
+              <a:t>2021/9/30</a:t>
             </a:fld>
             <a:endParaRPr lang="zh-CN" altLang="en-US"/>
           </a:p>
@@ -1409,7 +1409,7 @@
           <a:p>
             <a:fld id="{FCD1B0E7-7A14-43A7-8971-2F83AC4B4961}" type="datetimeFigureOut">
               <a:rPr lang="zh-CN" altLang="en-US" smtClean="0"/>
-              <a:t>2021/9/28</a:t>
+              <a:t>2021/9/30</a:t>
             </a:fld>
             <a:endParaRPr lang="zh-CN" altLang="en-US"/>
           </a:p>
@@ -1821,7 +1821,7 @@
           <a:p>
             <a:fld id="{FCD1B0E7-7A14-43A7-8971-2F83AC4B4961}" type="datetimeFigureOut">
               <a:rPr lang="zh-CN" altLang="en-US" smtClean="0"/>
-              <a:t>2021/9/28</a:t>
+              <a:t>2021/9/30</a:t>
             </a:fld>
             <a:endParaRPr lang="zh-CN" altLang="en-US"/>
           </a:p>
@@ -1962,7 +1962,7 @@
           <a:p>
             <a:fld id="{FCD1B0E7-7A14-43A7-8971-2F83AC4B4961}" type="datetimeFigureOut">
               <a:rPr lang="zh-CN" altLang="en-US" smtClean="0"/>
-              <a:t>2021/9/28</a:t>
+              <a:t>2021/9/30</a:t>
             </a:fld>
             <a:endParaRPr lang="zh-CN" altLang="en-US"/>
           </a:p>
@@ -2075,7 +2075,7 @@
           <a:p>
             <a:fld id="{FCD1B0E7-7A14-43A7-8971-2F83AC4B4961}" type="datetimeFigureOut">
               <a:rPr lang="zh-CN" altLang="en-US" smtClean="0"/>
-              <a:t>2021/9/28</a:t>
+              <a:t>2021/9/30</a:t>
             </a:fld>
             <a:endParaRPr lang="zh-CN" altLang="en-US"/>
           </a:p>
@@ -2386,7 +2386,7 @@
           <a:p>
             <a:fld id="{FCD1B0E7-7A14-43A7-8971-2F83AC4B4961}" type="datetimeFigureOut">
               <a:rPr lang="zh-CN" altLang="en-US" smtClean="0"/>
-              <a:t>2021/9/28</a:t>
+              <a:t>2021/9/30</a:t>
             </a:fld>
             <a:endParaRPr lang="zh-CN" altLang="en-US"/>
           </a:p>
@@ -2674,7 +2674,7 @@
           <a:p>
             <a:fld id="{FCD1B0E7-7A14-43A7-8971-2F83AC4B4961}" type="datetimeFigureOut">
               <a:rPr lang="zh-CN" altLang="en-US" smtClean="0"/>
-              <a:t>2021/9/28</a:t>
+              <a:t>2021/9/30</a:t>
             </a:fld>
             <a:endParaRPr lang="zh-CN" altLang="en-US"/>
           </a:p>
@@ -2915,7 +2915,7 @@
           <a:p>
             <a:fld id="{FCD1B0E7-7A14-43A7-8971-2F83AC4B4961}" type="datetimeFigureOut">
               <a:rPr lang="zh-CN" altLang="en-US" smtClean="0"/>
-              <a:t>2021/9/28</a:t>
+              <a:t>2021/9/30</a:t>
             </a:fld>
             <a:endParaRPr lang="zh-CN" altLang="en-US"/>
           </a:p>
@@ -6168,8 +6168,8 @@
         </p:nvSpPr>
         <p:spPr>
           <a:xfrm>
-            <a:off x="8573610" y="5869904"/>
-            <a:ext cx="3376964" cy="369332"/>
+            <a:off x="8238478" y="5869904"/>
+            <a:ext cx="3712096" cy="369332"/>
           </a:xfrm>
           <a:prstGeom prst="rect">
             <a:avLst/>
@@ -6221,7 +6221,7 @@
                 </a:solidFill>
                 <a:latin typeface="微软雅黑" panose="020B0503020204020204" pitchFamily="34" charset="-122"/>
               </a:rPr>
-              <a:t>3</a:t>
+              <a:t>10</a:t>
             </a:r>
             <a:r>
               <a:rPr lang="zh-CN" altLang="en-US" b="1" dirty="0">
@@ -7554,7 +7554,7 @@
                 </a:solidFill>
                 <a:latin typeface="微软雅黑" panose="020B0503020204020204" pitchFamily="34" charset="-122"/>
               </a:rPr>
-              <a:t>10</a:t>
+              <a:t>30</a:t>
             </a:r>
             <a:r>
               <a:rPr lang="zh-CN" altLang="en-US" b="1" dirty="0">

--- a/labs requirements.pptx
+++ b/labs requirements.pptx
@@ -12,6 +12,9 @@
     <p:sldId id="260" r:id="rId6"/>
     <p:sldId id="262" r:id="rId7"/>
     <p:sldId id="261" r:id="rId8"/>
+    <p:sldId id="265" r:id="rId9"/>
+    <p:sldId id="266" r:id="rId10"/>
+    <p:sldId id="264" r:id="rId11"/>
   </p:sldIdLst>
   <p:sldSz cx="12192000" cy="6858000"/>
   <p:notesSz cx="6858000" cy="9144000"/>
@@ -265,7 +268,7 @@
           <a:p>
             <a:fld id="{FCD1B0E7-7A14-43A7-8971-2F83AC4B4961}" type="datetimeFigureOut">
               <a:rPr lang="zh-CN" altLang="en-US" smtClean="0"/>
-              <a:t>2021/9/30</a:t>
+              <a:t>2021/11/8</a:t>
             </a:fld>
             <a:endParaRPr lang="zh-CN" altLang="en-US"/>
           </a:p>
@@ -463,7 +466,7 @@
           <a:p>
             <a:fld id="{FCD1B0E7-7A14-43A7-8971-2F83AC4B4961}" type="datetimeFigureOut">
               <a:rPr lang="zh-CN" altLang="en-US" smtClean="0"/>
-              <a:t>2021/9/30</a:t>
+              <a:t>2021/11/8</a:t>
             </a:fld>
             <a:endParaRPr lang="zh-CN" altLang="en-US"/>
           </a:p>
@@ -671,7 +674,7 @@
           <a:p>
             <a:fld id="{FCD1B0E7-7A14-43A7-8971-2F83AC4B4961}" type="datetimeFigureOut">
               <a:rPr lang="zh-CN" altLang="en-US" smtClean="0"/>
-              <a:t>2021/9/30</a:t>
+              <a:t>2021/11/8</a:t>
             </a:fld>
             <a:endParaRPr lang="zh-CN" altLang="en-US"/>
           </a:p>
@@ -869,7 +872,7 @@
           <a:p>
             <a:fld id="{FCD1B0E7-7A14-43A7-8971-2F83AC4B4961}" type="datetimeFigureOut">
               <a:rPr lang="zh-CN" altLang="en-US" smtClean="0"/>
-              <a:t>2021/9/30</a:t>
+              <a:t>2021/11/8</a:t>
             </a:fld>
             <a:endParaRPr lang="zh-CN" altLang="en-US"/>
           </a:p>
@@ -1144,7 +1147,7 @@
           <a:p>
             <a:fld id="{FCD1B0E7-7A14-43A7-8971-2F83AC4B4961}" type="datetimeFigureOut">
               <a:rPr lang="zh-CN" altLang="en-US" smtClean="0"/>
-              <a:t>2021/9/30</a:t>
+              <a:t>2021/11/8</a:t>
             </a:fld>
             <a:endParaRPr lang="zh-CN" altLang="en-US"/>
           </a:p>
@@ -1409,7 +1412,7 @@
           <a:p>
             <a:fld id="{FCD1B0E7-7A14-43A7-8971-2F83AC4B4961}" type="datetimeFigureOut">
               <a:rPr lang="zh-CN" altLang="en-US" smtClean="0"/>
-              <a:t>2021/9/30</a:t>
+              <a:t>2021/11/8</a:t>
             </a:fld>
             <a:endParaRPr lang="zh-CN" altLang="en-US"/>
           </a:p>
@@ -1821,7 +1824,7 @@
           <a:p>
             <a:fld id="{FCD1B0E7-7A14-43A7-8971-2F83AC4B4961}" type="datetimeFigureOut">
               <a:rPr lang="zh-CN" altLang="en-US" smtClean="0"/>
-              <a:t>2021/9/30</a:t>
+              <a:t>2021/11/8</a:t>
             </a:fld>
             <a:endParaRPr lang="zh-CN" altLang="en-US"/>
           </a:p>
@@ -1962,7 +1965,7 @@
           <a:p>
             <a:fld id="{FCD1B0E7-7A14-43A7-8971-2F83AC4B4961}" type="datetimeFigureOut">
               <a:rPr lang="zh-CN" altLang="en-US" smtClean="0"/>
-              <a:t>2021/9/30</a:t>
+              <a:t>2021/11/8</a:t>
             </a:fld>
             <a:endParaRPr lang="zh-CN" altLang="en-US"/>
           </a:p>
@@ -2075,7 +2078,7 @@
           <a:p>
             <a:fld id="{FCD1B0E7-7A14-43A7-8971-2F83AC4B4961}" type="datetimeFigureOut">
               <a:rPr lang="zh-CN" altLang="en-US" smtClean="0"/>
-              <a:t>2021/9/30</a:t>
+              <a:t>2021/11/8</a:t>
             </a:fld>
             <a:endParaRPr lang="zh-CN" altLang="en-US"/>
           </a:p>
@@ -2386,7 +2389,7 @@
           <a:p>
             <a:fld id="{FCD1B0E7-7A14-43A7-8971-2F83AC4B4961}" type="datetimeFigureOut">
               <a:rPr lang="zh-CN" altLang="en-US" smtClean="0"/>
-              <a:t>2021/9/30</a:t>
+              <a:t>2021/11/8</a:t>
             </a:fld>
             <a:endParaRPr lang="zh-CN" altLang="en-US"/>
           </a:p>
@@ -2674,7 +2677,7 @@
           <a:p>
             <a:fld id="{FCD1B0E7-7A14-43A7-8971-2F83AC4B4961}" type="datetimeFigureOut">
               <a:rPr lang="zh-CN" altLang="en-US" smtClean="0"/>
-              <a:t>2021/9/30</a:t>
+              <a:t>2021/11/8</a:t>
             </a:fld>
             <a:endParaRPr lang="zh-CN" altLang="en-US"/>
           </a:p>
@@ -2915,7 +2918,7 @@
           <a:p>
             <a:fld id="{FCD1B0E7-7A14-43A7-8971-2F83AC4B4961}" type="datetimeFigureOut">
               <a:rPr lang="zh-CN" altLang="en-US" smtClean="0"/>
-              <a:t>2021/9/30</a:t>
+              <a:t>2021/11/8</a:t>
             </a:fld>
             <a:endParaRPr lang="zh-CN" altLang="en-US"/>
           </a:p>
@@ -4204,6 +4207,502 @@
 </p:sld>
 </file>
 
+<file path=ppt/slides/slide10.xml><?xml version="1.0" encoding="utf-8"?>
+<p:sld xmlns:a="http://schemas.openxmlformats.org/drawingml/2006/main" xmlns:r="http://schemas.openxmlformats.org/officeDocument/2006/relationships" xmlns:p="http://schemas.openxmlformats.org/presentationml/2006/main">
+  <p:cSld>
+    <p:spTree>
+      <p:nvGrpSpPr>
+        <p:cNvPr id="1" name=""/>
+        <p:cNvGrpSpPr/>
+        <p:nvPr/>
+      </p:nvGrpSpPr>
+      <p:grpSpPr>
+        <a:xfrm>
+          <a:off x="0" y="0"/>
+          <a:ext cx="0" cy="0"/>
+          <a:chOff x="0" y="0"/>
+          <a:chExt cx="0" cy="0"/>
+        </a:xfrm>
+      </p:grpSpPr>
+      <p:sp>
+        <p:nvSpPr>
+          <p:cNvPr id="6" name="矩形 5">
+            <a:extLst>
+              <a:ext uri="{FF2B5EF4-FFF2-40B4-BE49-F238E27FC236}">
+                <a16:creationId xmlns:a16="http://schemas.microsoft.com/office/drawing/2014/main" id="{A6C00D61-029B-4EBC-B6D9-27C530CEE011}"/>
+              </a:ext>
+            </a:extLst>
+          </p:cNvPr>
+          <p:cNvSpPr/>
+          <p:nvPr/>
+        </p:nvSpPr>
+        <p:spPr>
+          <a:xfrm>
+            <a:off x="673593" y="151782"/>
+            <a:ext cx="10844814" cy="2631490"/>
+          </a:xfrm>
+          <a:prstGeom prst="rect">
+            <a:avLst/>
+          </a:prstGeom>
+        </p:spPr>
+        <p:txBody>
+          <a:bodyPr wrap="square">
+            <a:spAutoFit/>
+          </a:bodyPr>
+          <a:lstStyle/>
+          <a:p>
+            <a:pPr>
+              <a:lnSpc>
+                <a:spcPct val="150000"/>
+              </a:lnSpc>
+              <a:buFont typeface="Wingdings" pitchFamily="2" charset="2"/>
+              <a:buChar char="Ø"/>
+            </a:pPr>
+            <a:r>
+              <a:rPr lang="zh-CN" altLang="en-US" sz="2400" b="1" dirty="0">
+                <a:solidFill>
+                  <a:srgbClr val="C00000"/>
+                </a:solidFill>
+                <a:latin typeface="微软雅黑" panose="020B0503020204020204" pitchFamily="34" charset="-122"/>
+              </a:rPr>
+              <a:t>作业提交方式：</a:t>
+            </a:r>
+            <a:br>
+              <a:rPr lang="zh-CN" altLang="en-US" sz="2400" dirty="0">
+                <a:latin typeface="微软雅黑" panose="020B0503020204020204" pitchFamily="34" charset="-122"/>
+              </a:rPr>
+            </a:br>
+            <a:r>
+              <a:rPr lang="zh-CN" altLang="en-US" dirty="0">
+                <a:latin typeface="微软雅黑" panose="020B0503020204020204" pitchFamily="34" charset="-122"/>
+              </a:rPr>
+              <a:t>每个实验（</a:t>
+            </a:r>
+            <a:r>
+              <a:rPr lang="en-US" altLang="zh-CN" dirty="0">
+                <a:latin typeface="微软雅黑" panose="020B0503020204020204" pitchFamily="34" charset="-122"/>
+              </a:rPr>
+              <a:t>EX</a:t>
+            </a:r>
+            <a:r>
+              <a:rPr lang="zh-CN" altLang="en-US" dirty="0">
+                <a:latin typeface="微软雅黑" panose="020B0503020204020204" pitchFamily="34" charset="-122"/>
+              </a:rPr>
+              <a:t>）的全部</a:t>
+            </a:r>
+            <a:r>
+              <a:rPr lang="en-US" altLang="zh-CN" dirty="0">
+                <a:latin typeface="微软雅黑" panose="020B0503020204020204" pitchFamily="34" charset="-122"/>
+              </a:rPr>
+              <a:t>CPP</a:t>
+            </a:r>
+            <a:r>
+              <a:rPr lang="zh-CN" altLang="en-US" dirty="0">
+                <a:latin typeface="微软雅黑" panose="020B0503020204020204" pitchFamily="34" charset="-122"/>
+              </a:rPr>
+              <a:t>文件以及运行成功的结果截图放在一个文件夹。</a:t>
+            </a:r>
+            <a:r>
+              <a:rPr lang="en-US" altLang="zh-CN" dirty="0">
+                <a:latin typeface="微软雅黑" panose="020B0503020204020204" pitchFamily="34" charset="-122"/>
+              </a:rPr>
+              <a:t>CPP</a:t>
+            </a:r>
+            <a:r>
+              <a:rPr lang="zh-CN" altLang="en-US" dirty="0">
+                <a:latin typeface="微软雅黑" panose="020B0503020204020204" pitchFamily="34" charset="-122"/>
+              </a:rPr>
+              <a:t>及结果文件的命名自行决定但应尽可能减轻审阅人的负担，文件夹按小实验的序号命名如</a:t>
+            </a:r>
+            <a:r>
+              <a:rPr lang="en-US" altLang="zh-CN" dirty="0">
+                <a:latin typeface="微软雅黑" panose="020B0503020204020204" pitchFamily="34" charset="-122"/>
+              </a:rPr>
+              <a:t>EX1</a:t>
+            </a:r>
+            <a:r>
+              <a:rPr lang="zh-CN" altLang="en-US" dirty="0">
+                <a:latin typeface="微软雅黑" panose="020B0503020204020204" pitchFamily="34" charset="-122"/>
+              </a:rPr>
+              <a:t>，将所有文件夹压缩为一个压缩包 </a:t>
+            </a:r>
+            <a:r>
+              <a:rPr lang="en-US" altLang="zh-CN" dirty="0">
+                <a:latin typeface="微软雅黑" panose="020B0503020204020204" pitchFamily="34" charset="-122"/>
+              </a:rPr>
+              <a:t>(</a:t>
+            </a:r>
+            <a:r>
+              <a:rPr lang="en-US" altLang="zh-CN" dirty="0" err="1">
+                <a:latin typeface="微软雅黑" panose="020B0503020204020204" pitchFamily="34" charset="-122"/>
+              </a:rPr>
+              <a:t>rar</a:t>
+            </a:r>
+            <a:r>
+              <a:rPr lang="en-US" altLang="zh-CN" dirty="0">
+                <a:latin typeface="微软雅黑" panose="020B0503020204020204" pitchFamily="34" charset="-122"/>
+              </a:rPr>
+              <a:t>/zip) </a:t>
+            </a:r>
+            <a:r>
+              <a:rPr lang="zh-CN" altLang="en-US" dirty="0">
+                <a:latin typeface="微软雅黑" panose="020B0503020204020204" pitchFamily="34" charset="-122"/>
+              </a:rPr>
+              <a:t>提交到我的邮箱 </a:t>
+            </a:r>
+            <a:r>
+              <a:rPr lang="en-US" altLang="zh-CN" b="1" u="sng" dirty="0">
+                <a:solidFill>
+                  <a:schemeClr val="accent5">
+                    <a:lumMod val="50000"/>
+                  </a:schemeClr>
+                </a:solidFill>
+                <a:latin typeface="微软雅黑" panose="020B0503020204020204" pitchFamily="34" charset="-122"/>
+                <a:hlinkClick r:id="rId2"/>
+              </a:rPr>
+              <a:t>myliu@seu.edu.cn</a:t>
+            </a:r>
+            <a:endParaRPr lang="en-US" altLang="zh-CN" b="1" dirty="0">
+              <a:solidFill>
+                <a:srgbClr val="C00000"/>
+              </a:solidFill>
+              <a:latin typeface="微软雅黑" panose="020B0503020204020204" pitchFamily="34" charset="-122"/>
+            </a:endParaRPr>
+          </a:p>
+          <a:p>
+            <a:pPr>
+              <a:buFont typeface="Wingdings" pitchFamily="2" charset="2"/>
+              <a:buChar char="Ø"/>
+            </a:pPr>
+            <a:r>
+              <a:rPr lang="zh-CN" altLang="en-US" sz="2400" b="1" dirty="0">
+                <a:latin typeface="微软雅黑" panose="020B0503020204020204" pitchFamily="34" charset="-122"/>
+              </a:rPr>
+              <a:t>压缩包</a:t>
+            </a:r>
+            <a:r>
+              <a:rPr lang="zh-CN" altLang="en-US" sz="2400" dirty="0">
+                <a:latin typeface="微软雅黑" panose="020B0503020204020204" pitchFamily="34" charset="-122"/>
+              </a:rPr>
+              <a:t>与</a:t>
+            </a:r>
+            <a:r>
+              <a:rPr lang="zh-CN" altLang="en-US" sz="2400" b="1" dirty="0">
+                <a:latin typeface="微软雅黑" panose="020B0503020204020204" pitchFamily="34" charset="-122"/>
+              </a:rPr>
+              <a:t>邮件主题</a:t>
+            </a:r>
+            <a:r>
+              <a:rPr lang="zh-CN" altLang="en-US" sz="2400" dirty="0">
+                <a:latin typeface="微软雅黑" panose="020B0503020204020204" pitchFamily="34" charset="-122"/>
+              </a:rPr>
+              <a:t>的命名要求</a:t>
+            </a:r>
+            <a:r>
+              <a:rPr lang="zh-CN" altLang="en-US" sz="2400" dirty="0">
+                <a:solidFill>
+                  <a:srgbClr val="C00000"/>
+                </a:solidFill>
+                <a:latin typeface="微软雅黑" panose="020B0503020204020204" pitchFamily="34" charset="-122"/>
+              </a:rPr>
+              <a:t>（非常重要！）</a:t>
+            </a:r>
+            <a:endParaRPr lang="en-US" altLang="zh-CN" sz="2400" dirty="0">
+              <a:solidFill>
+                <a:srgbClr val="C00000"/>
+              </a:solidFill>
+              <a:latin typeface="微软雅黑" panose="020B0503020204020204" pitchFamily="34" charset="-122"/>
+            </a:endParaRPr>
+          </a:p>
+          <a:p>
+            <a:r>
+              <a:rPr lang="zh-CN" altLang="en-US" sz="2400" b="1" dirty="0">
+                <a:solidFill>
+                  <a:srgbClr val="C00000"/>
+                </a:solidFill>
+                <a:latin typeface="微软雅黑" panose="020B0503020204020204" pitchFamily="34" charset="-122"/>
+              </a:rPr>
+              <a:t>实验序次</a:t>
+            </a:r>
+            <a:r>
+              <a:rPr lang="en-US" altLang="zh-CN" sz="2400" b="1" dirty="0">
+                <a:solidFill>
+                  <a:srgbClr val="C00000"/>
+                </a:solidFill>
+                <a:latin typeface="微软雅黑" panose="020B0503020204020204" pitchFamily="34" charset="-122"/>
+              </a:rPr>
+              <a:t>_</a:t>
+            </a:r>
+            <a:r>
+              <a:rPr lang="zh-CN" altLang="en-US" sz="2400" b="1" dirty="0">
+                <a:solidFill>
+                  <a:srgbClr val="C00000"/>
+                </a:solidFill>
+                <a:latin typeface="微软雅黑" panose="020B0503020204020204" pitchFamily="34" charset="-122"/>
+              </a:rPr>
+              <a:t>姓名</a:t>
+            </a:r>
+            <a:r>
+              <a:rPr lang="en-US" altLang="zh-CN" sz="2400" b="1" dirty="0">
+                <a:solidFill>
+                  <a:srgbClr val="C00000"/>
+                </a:solidFill>
+                <a:latin typeface="微软雅黑" panose="020B0503020204020204" pitchFamily="34" charset="-122"/>
+              </a:rPr>
+              <a:t>_</a:t>
+            </a:r>
+            <a:r>
+              <a:rPr lang="zh-CN" altLang="en-US" sz="2400" b="1" dirty="0">
+                <a:solidFill>
+                  <a:srgbClr val="C00000"/>
+                </a:solidFill>
+                <a:latin typeface="微软雅黑" panose="020B0503020204020204" pitchFamily="34" charset="-122"/>
+              </a:rPr>
+              <a:t>学号</a:t>
+            </a:r>
+            <a:r>
+              <a:rPr lang="en-US" altLang="zh-CN" sz="2400" b="1" dirty="0">
+                <a:solidFill>
+                  <a:srgbClr val="C00000"/>
+                </a:solidFill>
+                <a:latin typeface="微软雅黑" panose="020B0503020204020204" pitchFamily="34" charset="-122"/>
+              </a:rPr>
+              <a:t>    </a:t>
+            </a:r>
+            <a:r>
+              <a:rPr lang="zh-CN" altLang="en-US" sz="2400" dirty="0">
+                <a:latin typeface="微软雅黑" panose="020B0503020204020204" pitchFamily="34" charset="-122"/>
+              </a:rPr>
+              <a:t>举例：</a:t>
+            </a:r>
+            <a:r>
+              <a:rPr lang="en-US" altLang="zh-CN" sz="2400" b="1" dirty="0">
+                <a:solidFill>
+                  <a:srgbClr val="C00000"/>
+                </a:solidFill>
+                <a:latin typeface="微软雅黑" panose="020B0503020204020204" pitchFamily="34" charset="-122"/>
+              </a:rPr>
+              <a:t>lab4_</a:t>
+            </a:r>
+            <a:r>
+              <a:rPr lang="zh-CN" altLang="en-US" sz="2400" b="1" dirty="0">
+                <a:solidFill>
+                  <a:srgbClr val="C00000"/>
+                </a:solidFill>
+                <a:latin typeface="微软雅黑" panose="020B0503020204020204" pitchFamily="34" charset="-122"/>
+              </a:rPr>
+              <a:t>王东南</a:t>
+            </a:r>
+            <a:r>
+              <a:rPr lang="en-US" altLang="zh-CN" sz="2400" b="1" dirty="0">
+                <a:solidFill>
+                  <a:srgbClr val="C00000"/>
+                </a:solidFill>
+                <a:latin typeface="微软雅黑" panose="020B0503020204020204" pitchFamily="34" charset="-122"/>
+              </a:rPr>
+              <a:t>_JS221001.rar</a:t>
+            </a:r>
+          </a:p>
+        </p:txBody>
+      </p:sp>
+      <p:sp>
+        <p:nvSpPr>
+          <p:cNvPr id="16" name="文本框 15">
+            <a:extLst>
+              <a:ext uri="{FF2B5EF4-FFF2-40B4-BE49-F238E27FC236}">
+                <a16:creationId xmlns:a16="http://schemas.microsoft.com/office/drawing/2014/main" id="{CC643C38-D0C8-4881-BF83-59EE0890528C}"/>
+              </a:ext>
+            </a:extLst>
+          </p:cNvPr>
+          <p:cNvSpPr txBox="1"/>
+          <p:nvPr/>
+        </p:nvSpPr>
+        <p:spPr>
+          <a:xfrm>
+            <a:off x="8238478" y="5869904"/>
+            <a:ext cx="3712096" cy="369332"/>
+          </a:xfrm>
+          <a:prstGeom prst="rect">
+            <a:avLst/>
+          </a:prstGeom>
+          <a:noFill/>
+          <a:ln>
+            <a:solidFill>
+              <a:srgbClr val="C00000"/>
+            </a:solidFill>
+          </a:ln>
+        </p:spPr>
+        <p:txBody>
+          <a:bodyPr wrap="square">
+            <a:spAutoFit/>
+          </a:bodyPr>
+          <a:lstStyle/>
+          <a:p>
+            <a:r>
+              <a:rPr lang="zh-CN" altLang="en-US" b="1" dirty="0">
+                <a:solidFill>
+                  <a:srgbClr val="C00000"/>
+                </a:solidFill>
+                <a:latin typeface="微软雅黑" panose="020B0503020204020204" pitchFamily="34" charset="-122"/>
+              </a:rPr>
+              <a:t>提交截止日期：</a:t>
+            </a:r>
+            <a:r>
+              <a:rPr lang="en-US" altLang="zh-CN" b="1" dirty="0">
+                <a:solidFill>
+                  <a:srgbClr val="C00000"/>
+                </a:solidFill>
+                <a:latin typeface="微软雅黑" panose="020B0503020204020204" pitchFamily="34" charset="-122"/>
+              </a:rPr>
+              <a:t>11</a:t>
+            </a:r>
+            <a:r>
+              <a:rPr lang="zh-CN" altLang="en-US" b="1" dirty="0">
+                <a:solidFill>
+                  <a:srgbClr val="C00000"/>
+                </a:solidFill>
+                <a:latin typeface="微软雅黑" panose="020B0503020204020204" pitchFamily="34" charset="-122"/>
+              </a:rPr>
+              <a:t>月</a:t>
+            </a:r>
+            <a:r>
+              <a:rPr lang="en-US" altLang="zh-CN" b="1" dirty="0">
+                <a:solidFill>
+                  <a:srgbClr val="C00000"/>
+                </a:solidFill>
+                <a:latin typeface="微软雅黑" panose="020B0503020204020204" pitchFamily="34" charset="-122"/>
+              </a:rPr>
+              <a:t>21</a:t>
+            </a:r>
+            <a:r>
+              <a:rPr lang="zh-CN" altLang="en-US" b="1" dirty="0">
+                <a:solidFill>
+                  <a:srgbClr val="C00000"/>
+                </a:solidFill>
+                <a:latin typeface="微软雅黑" panose="020B0503020204020204" pitchFamily="34" charset="-122"/>
+              </a:rPr>
+              <a:t>日</a:t>
+            </a:r>
+            <a:r>
+              <a:rPr lang="en-US" altLang="zh-CN" b="1" dirty="0">
+                <a:solidFill>
+                  <a:srgbClr val="C00000"/>
+                </a:solidFill>
+                <a:latin typeface="微软雅黑" panose="020B0503020204020204" pitchFamily="34" charset="-122"/>
+              </a:rPr>
+              <a:t>24:00</a:t>
+            </a:r>
+            <a:endParaRPr lang="zh-CN" altLang="en-US" dirty="0"/>
+          </a:p>
+        </p:txBody>
+      </p:sp>
+    </p:spTree>
+    <p:extLst>
+      <p:ext uri="{BB962C8B-B14F-4D97-AF65-F5344CB8AC3E}">
+        <p14:creationId xmlns:p14="http://schemas.microsoft.com/office/powerpoint/2010/main" val="610595939"/>
+      </p:ext>
+    </p:extLst>
+  </p:cSld>
+  <p:clrMapOvr>
+    <a:masterClrMapping/>
+  </p:clrMapOvr>
+  <p:timing>
+    <p:tnLst>
+      <p:par>
+        <p:cTn id="1" dur="indefinite" restart="never" nodeType="tmRoot">
+          <p:childTnLst>
+            <p:seq concurrent="1" nextAc="seek">
+              <p:cTn id="2" dur="indefinite" nodeType="mainSeq">
+                <p:childTnLst>
+                  <p:par>
+                    <p:cTn id="3" fill="hold">
+                      <p:stCondLst>
+                        <p:cond delay="indefinite"/>
+                        <p:cond evt="onBegin" delay="0">
+                          <p:tn val="2"/>
+                        </p:cond>
+                      </p:stCondLst>
+                      <p:childTnLst>
+                        <p:par>
+                          <p:cTn id="4" fill="hold">
+                            <p:stCondLst>
+                              <p:cond delay="0"/>
+                            </p:stCondLst>
+                            <p:childTnLst>
+                              <p:par>
+                                <p:cTn id="5" presetID="22" presetClass="entr" presetSubtype="8" fill="hold" nodeType="afterEffect">
+                                  <p:stCondLst>
+                                    <p:cond delay="0"/>
+                                  </p:stCondLst>
+                                  <p:childTnLst>
+                                    <p:set>
+                                      <p:cBhvr>
+                                        <p:cTn id="6" dur="1" fill="hold">
+                                          <p:stCondLst>
+                                            <p:cond delay="0"/>
+                                          </p:stCondLst>
+                                        </p:cTn>
+                                        <p:tgtEl>
+                                          <p:spTgt spid="6">
+                                            <p:txEl>
+                                              <p:pRg st="2" end="2"/>
+                                            </p:txEl>
+                                          </p:spTgt>
+                                        </p:tgtEl>
+                                        <p:attrNameLst>
+                                          <p:attrName>style.visibility</p:attrName>
+                                        </p:attrNameLst>
+                                      </p:cBhvr>
+                                      <p:to>
+                                        <p:strVal val="visible"/>
+                                      </p:to>
+                                    </p:set>
+                                    <p:animEffect transition="in" filter="wipe(left)">
+                                      <p:cBhvr>
+                                        <p:cTn id="7" dur="500"/>
+                                        <p:tgtEl>
+                                          <p:spTgt spid="6">
+                                            <p:txEl>
+                                              <p:pRg st="2" end="2"/>
+                                            </p:txEl>
+                                          </p:spTgt>
+                                        </p:tgtEl>
+                                      </p:cBhvr>
+                                    </p:animEffect>
+                                  </p:childTnLst>
+                                </p:cTn>
+                              </p:par>
+                            </p:childTnLst>
+                          </p:cTn>
+                        </p:par>
+                      </p:childTnLst>
+                    </p:cTn>
+                  </p:par>
+                </p:childTnLst>
+              </p:cTn>
+              <p:prevCondLst>
+                <p:cond evt="onPrev" delay="0">
+                  <p:tgtEl>
+                    <p:sldTgt/>
+                  </p:tgtEl>
+                </p:cond>
+              </p:prevCondLst>
+              <p:nextCondLst>
+                <p:cond evt="onNext" delay="0">
+                  <p:tgtEl>
+                    <p:sldTgt/>
+                  </p:tgtEl>
+                </p:cond>
+              </p:nextCondLst>
+            </p:seq>
+          </p:childTnLst>
+        </p:cTn>
+      </p:par>
+    </p:tnLst>
+  </p:timing>
+</p:sld>
+</file>
+
 <file path=ppt/slides/slide2.xml><?xml version="1.0" encoding="utf-8"?>
 <p:sld xmlns:a="http://schemas.openxmlformats.org/drawingml/2006/main" xmlns:r="http://schemas.openxmlformats.org/officeDocument/2006/relationships" xmlns:p="http://schemas.openxmlformats.org/presentationml/2006/main">
   <p:cSld>
@@ -7536,7 +8035,7 @@
                 </a:solidFill>
                 <a:latin typeface="微软雅黑" panose="020B0503020204020204" pitchFamily="34" charset="-122"/>
               </a:rPr>
-              <a:t>10</a:t>
+              <a:t>11</a:t>
             </a:r>
             <a:r>
               <a:rPr lang="zh-CN" altLang="en-US" b="1" dirty="0">
@@ -7554,7 +8053,7 @@
                 </a:solidFill>
                 <a:latin typeface="微软雅黑" panose="020B0503020204020204" pitchFamily="34" charset="-122"/>
               </a:rPr>
-              <a:t>30</a:t>
+              <a:t>7</a:t>
             </a:r>
             <a:r>
               <a:rPr lang="zh-CN" altLang="en-US" b="1" dirty="0">
@@ -8229,6 +8728,927 @@
                                           <p:spTgt spid="6">
                                             <p:txEl>
                                               <p:pRg st="2" end="2"/>
+                                            </p:txEl>
+                                          </p:spTgt>
+                                        </p:tgtEl>
+                                      </p:cBhvr>
+                                    </p:animEffect>
+                                  </p:childTnLst>
+                                </p:cTn>
+                              </p:par>
+                            </p:childTnLst>
+                          </p:cTn>
+                        </p:par>
+                      </p:childTnLst>
+                    </p:cTn>
+                  </p:par>
+                </p:childTnLst>
+              </p:cTn>
+              <p:prevCondLst>
+                <p:cond evt="onPrev" delay="0">
+                  <p:tgtEl>
+                    <p:sldTgt/>
+                  </p:tgtEl>
+                </p:cond>
+              </p:prevCondLst>
+              <p:nextCondLst>
+                <p:cond evt="onNext" delay="0">
+                  <p:tgtEl>
+                    <p:sldTgt/>
+                  </p:tgtEl>
+                </p:cond>
+              </p:nextCondLst>
+            </p:seq>
+          </p:childTnLst>
+        </p:cTn>
+      </p:par>
+    </p:tnLst>
+  </p:timing>
+</p:sld>
+</file>
+
+<file path=ppt/slides/slide8.xml><?xml version="1.0" encoding="utf-8"?>
+<p:sld xmlns:a="http://schemas.openxmlformats.org/drawingml/2006/main" xmlns:r="http://schemas.openxmlformats.org/officeDocument/2006/relationships" xmlns:p="http://schemas.openxmlformats.org/presentationml/2006/main">
+  <p:cSld>
+    <p:spTree>
+      <p:nvGrpSpPr>
+        <p:cNvPr id="1" name=""/>
+        <p:cNvGrpSpPr/>
+        <p:nvPr/>
+      </p:nvGrpSpPr>
+      <p:grpSpPr>
+        <a:xfrm>
+          <a:off x="0" y="0"/>
+          <a:ext cx="0" cy="0"/>
+          <a:chOff x="0" y="0"/>
+          <a:chExt cx="0" cy="0"/>
+        </a:xfrm>
+      </p:grpSpPr>
+      <p:sp>
+        <p:nvSpPr>
+          <p:cNvPr id="4" name="标题 1">
+            <a:extLst>
+              <a:ext uri="{FF2B5EF4-FFF2-40B4-BE49-F238E27FC236}">
+                <a16:creationId xmlns:a16="http://schemas.microsoft.com/office/drawing/2014/main" id="{9643B484-6D14-4189-9538-FE4A24934581}"/>
+              </a:ext>
+            </a:extLst>
+          </p:cNvPr>
+          <p:cNvSpPr txBox="1">
+            <a:spLocks/>
+          </p:cNvSpPr>
+          <p:nvPr/>
+        </p:nvSpPr>
+        <p:spPr>
+          <a:xfrm>
+            <a:off x="838200" y="327530"/>
+            <a:ext cx="10515600" cy="894622"/>
+          </a:xfrm>
+          <a:prstGeom prst="rect">
+            <a:avLst/>
+          </a:prstGeom>
+        </p:spPr>
+        <p:txBody>
+          <a:bodyPr vert="horz" lIns="91440" tIns="45720" rIns="91440" bIns="45720" rtlCol="0" anchor="b">
+            <a:normAutofit/>
+          </a:bodyPr>
+          <a:lstStyle>
+            <a:lvl1pPr algn="ctr" defTabSz="914400" rtl="0" eaLnBrk="1" latinLnBrk="0" hangingPunct="1">
+              <a:lnSpc>
+                <a:spcPct val="90000"/>
+              </a:lnSpc>
+              <a:spcBef>
+                <a:spcPct val="0"/>
+              </a:spcBef>
+              <a:buNone/>
+              <a:defRPr sz="6000" kern="1200">
+                <a:solidFill>
+                  <a:schemeClr val="tx1"/>
+                </a:solidFill>
+                <a:latin typeface="+mj-lt"/>
+                <a:ea typeface="+mj-ea"/>
+                <a:cs typeface="+mj-cs"/>
+              </a:defRPr>
+            </a:lvl1pPr>
+          </a:lstStyle>
+          <a:p>
+            <a:r>
+              <a:rPr lang="en-US" altLang="zh-CN" sz="4800" dirty="0">
+                <a:solidFill>
+                  <a:srgbClr val="002060"/>
+                </a:solidFill>
+              </a:rPr>
+              <a:t>Lab4 Requirements </a:t>
+            </a:r>
+            <a:endParaRPr lang="zh-CN" altLang="en-US" sz="4800" dirty="0">
+              <a:solidFill>
+                <a:srgbClr val="002060"/>
+              </a:solidFill>
+            </a:endParaRPr>
+          </a:p>
+        </p:txBody>
+      </p:sp>
+      <p:sp>
+        <p:nvSpPr>
+          <p:cNvPr id="6" name="矩形 5">
+            <a:extLst>
+              <a:ext uri="{FF2B5EF4-FFF2-40B4-BE49-F238E27FC236}">
+                <a16:creationId xmlns:a16="http://schemas.microsoft.com/office/drawing/2014/main" id="{A6C00D61-029B-4EBC-B6D9-27C530CEE011}"/>
+              </a:ext>
+            </a:extLst>
+          </p:cNvPr>
+          <p:cNvSpPr/>
+          <p:nvPr/>
+        </p:nvSpPr>
+        <p:spPr>
+          <a:xfrm>
+            <a:off x="776056" y="1286899"/>
+            <a:ext cx="10844814" cy="3905043"/>
+          </a:xfrm>
+          <a:prstGeom prst="rect">
+            <a:avLst/>
+          </a:prstGeom>
+        </p:spPr>
+        <p:txBody>
+          <a:bodyPr wrap="square">
+            <a:spAutoFit/>
+          </a:bodyPr>
+          <a:lstStyle/>
+          <a:p>
+            <a:pPr>
+              <a:buFont typeface="Wingdings" pitchFamily="2" charset="2"/>
+              <a:buChar char="Ø"/>
+            </a:pPr>
+            <a:r>
+              <a:rPr lang="zh-CN" altLang="en-US" sz="2400" dirty="0">
+                <a:latin typeface="微软雅黑" panose="020B0503020204020204" pitchFamily="34" charset="-122"/>
+              </a:rPr>
+              <a:t>完成实验指导书上实验作业</a:t>
+            </a:r>
+            <a:r>
+              <a:rPr lang="en-US" altLang="zh-CN" sz="2400" dirty="0">
+                <a:latin typeface="微软雅黑" panose="020B0503020204020204" pitchFamily="34" charset="-122"/>
+              </a:rPr>
+              <a:t>Lab4</a:t>
+            </a:r>
+            <a:r>
+              <a:rPr lang="zh-CN" altLang="en-US" sz="2400" dirty="0">
+                <a:latin typeface="微软雅黑" panose="020B0503020204020204" pitchFamily="34" charset="-122"/>
+              </a:rPr>
+              <a:t>规定的</a:t>
+            </a:r>
+            <a:r>
+              <a:rPr lang="en-US" altLang="zh-CN" sz="2400" dirty="0">
+                <a:latin typeface="微软雅黑" panose="020B0503020204020204" pitchFamily="34" charset="-122"/>
+              </a:rPr>
+              <a:t>Ex1~Ex4</a:t>
+            </a:r>
+          </a:p>
+          <a:p>
+            <a:pPr>
+              <a:buFont typeface="Wingdings" pitchFamily="2" charset="2"/>
+              <a:buChar char="Ø"/>
+            </a:pPr>
+            <a:r>
+              <a:rPr lang="zh-CN" altLang="en-US" sz="2400" dirty="0">
+                <a:latin typeface="微软雅黑" panose="020B0503020204020204" pitchFamily="34" charset="-122"/>
+              </a:rPr>
+              <a:t>其中</a:t>
+            </a:r>
+            <a:r>
+              <a:rPr lang="en-US" altLang="zh-CN" sz="2400" dirty="0">
+                <a:latin typeface="微软雅黑" panose="020B0503020204020204" pitchFamily="34" charset="-122"/>
+              </a:rPr>
+              <a:t>Ex3</a:t>
+            </a:r>
+            <a:r>
+              <a:rPr lang="zh-CN" altLang="en-US" sz="2400" dirty="0">
+                <a:latin typeface="微软雅黑" panose="020B0503020204020204" pitchFamily="34" charset="-122"/>
+              </a:rPr>
+              <a:t>的题目为</a:t>
+            </a:r>
+            <a:endParaRPr lang="en-US" altLang="zh-CN" sz="2400" dirty="0">
+              <a:latin typeface="微软雅黑" panose="020B0503020204020204" pitchFamily="34" charset="-122"/>
+            </a:endParaRPr>
+          </a:p>
+          <a:p>
+            <a:endParaRPr lang="en-US" altLang="zh-CN" sz="2400" dirty="0">
+              <a:latin typeface="微软雅黑" panose="020B0503020204020204" pitchFamily="34" charset="-122"/>
+            </a:endParaRPr>
+          </a:p>
+          <a:p>
+            <a:endParaRPr lang="en-US" altLang="zh-CN" sz="2400" dirty="0">
+              <a:latin typeface="微软雅黑" panose="020B0503020204020204" pitchFamily="34" charset="-122"/>
+            </a:endParaRPr>
+          </a:p>
+          <a:p>
+            <a:pPr>
+              <a:buFont typeface="Wingdings" pitchFamily="2" charset="2"/>
+              <a:buChar char="Ø"/>
+            </a:pPr>
+            <a:endParaRPr lang="en-US" altLang="zh-CN" sz="2400" dirty="0">
+              <a:latin typeface="微软雅黑" panose="020B0503020204020204" pitchFamily="34" charset="-122"/>
+            </a:endParaRPr>
+          </a:p>
+          <a:p>
+            <a:pPr>
+              <a:buFont typeface="Wingdings" pitchFamily="2" charset="2"/>
+              <a:buChar char="Ø"/>
+            </a:pPr>
+            <a:endParaRPr lang="en-US" altLang="zh-CN" sz="2400" dirty="0">
+              <a:latin typeface="微软雅黑" panose="020B0503020204020204" pitchFamily="34" charset="-122"/>
+            </a:endParaRPr>
+          </a:p>
+          <a:p>
+            <a:pPr>
+              <a:buFont typeface="Wingdings" pitchFamily="2" charset="2"/>
+              <a:buChar char="Ø"/>
+            </a:pPr>
+            <a:endParaRPr lang="en-US" altLang="zh-CN" sz="2400" dirty="0">
+              <a:latin typeface="微软雅黑" panose="020B0503020204020204" pitchFamily="34" charset="-122"/>
+            </a:endParaRPr>
+          </a:p>
+          <a:p>
+            <a:pPr>
+              <a:buFont typeface="Wingdings" pitchFamily="2" charset="2"/>
+              <a:buChar char="Ø"/>
+            </a:pPr>
+            <a:endParaRPr lang="en-US" altLang="zh-CN" sz="2400" dirty="0">
+              <a:latin typeface="微软雅黑" panose="020B0503020204020204" pitchFamily="34" charset="-122"/>
+            </a:endParaRPr>
+          </a:p>
+          <a:p>
+            <a:pPr>
+              <a:buFont typeface="Wingdings" pitchFamily="2" charset="2"/>
+              <a:buChar char="Ø"/>
+            </a:pPr>
+            <a:endParaRPr lang="en-US" altLang="zh-CN" sz="2400" dirty="0">
+              <a:latin typeface="微软雅黑" panose="020B0503020204020204" pitchFamily="34" charset="-122"/>
+            </a:endParaRPr>
+          </a:p>
+          <a:p>
+            <a:pPr>
+              <a:lnSpc>
+                <a:spcPct val="150000"/>
+              </a:lnSpc>
+              <a:buFont typeface="Wingdings" pitchFamily="2" charset="2"/>
+              <a:buChar char="Ø"/>
+            </a:pPr>
+            <a:endParaRPr lang="en-US" altLang="zh-CN" sz="2400" b="1" dirty="0">
+              <a:solidFill>
+                <a:srgbClr val="C00000"/>
+              </a:solidFill>
+              <a:latin typeface="微软雅黑" panose="020B0503020204020204" pitchFamily="34" charset="-122"/>
+            </a:endParaRPr>
+          </a:p>
+        </p:txBody>
+      </p:sp>
+      <p:sp>
+        <p:nvSpPr>
+          <p:cNvPr id="12" name="文本框 11">
+            <a:extLst>
+              <a:ext uri="{FF2B5EF4-FFF2-40B4-BE49-F238E27FC236}">
+                <a16:creationId xmlns:a16="http://schemas.microsoft.com/office/drawing/2014/main" id="{E81D22B3-062F-4FA6-9738-17BF16CBDB3B}"/>
+              </a:ext>
+            </a:extLst>
+          </p:cNvPr>
+          <p:cNvSpPr txBox="1"/>
+          <p:nvPr/>
+        </p:nvSpPr>
+        <p:spPr>
+          <a:xfrm>
+            <a:off x="969185" y="2046446"/>
+            <a:ext cx="4712954" cy="369332"/>
+          </a:xfrm>
+          <a:prstGeom prst="rect">
+            <a:avLst/>
+          </a:prstGeom>
+          <a:noFill/>
+        </p:spPr>
+        <p:txBody>
+          <a:bodyPr wrap="square">
+            <a:spAutoFit/>
+          </a:bodyPr>
+          <a:lstStyle/>
+          <a:p>
+            <a:r>
+              <a:rPr lang="zh-CN" altLang="en-US" dirty="0">
+                <a:solidFill>
+                  <a:srgbClr val="0070C0"/>
+                </a:solidFill>
+              </a:rPr>
+              <a:t>英文版教材</a:t>
+            </a:r>
+            <a:r>
+              <a:rPr lang="en-US" altLang="zh-CN" dirty="0">
+                <a:solidFill>
+                  <a:srgbClr val="0070C0"/>
+                </a:solidFill>
+              </a:rPr>
+              <a:t>198</a:t>
+            </a:r>
+            <a:r>
+              <a:rPr lang="zh-CN" altLang="en-US" dirty="0">
+                <a:solidFill>
+                  <a:srgbClr val="0070C0"/>
+                </a:solidFill>
+              </a:rPr>
+              <a:t>页的</a:t>
+            </a:r>
+            <a:r>
+              <a:rPr lang="en-US" altLang="zh-CN" dirty="0">
+                <a:solidFill>
+                  <a:srgbClr val="0070C0"/>
+                </a:solidFill>
+              </a:rPr>
+              <a:t>Exercise 5.23</a:t>
+            </a:r>
+            <a:r>
+              <a:rPr lang="zh-CN" altLang="en-US" dirty="0">
+                <a:solidFill>
+                  <a:srgbClr val="0070C0"/>
+                </a:solidFill>
+              </a:rPr>
+              <a:t>、</a:t>
+            </a:r>
+            <a:r>
+              <a:rPr lang="en-US" altLang="zh-CN" dirty="0">
+                <a:solidFill>
+                  <a:srgbClr val="0070C0"/>
+                </a:solidFill>
+              </a:rPr>
+              <a:t>5.24</a:t>
+            </a:r>
+            <a:endParaRPr lang="zh-CN" altLang="en-US" dirty="0">
+              <a:solidFill>
+                <a:srgbClr val="0070C0"/>
+              </a:solidFill>
+            </a:endParaRPr>
+          </a:p>
+        </p:txBody>
+      </p:sp>
+      <p:pic>
+        <p:nvPicPr>
+          <p:cNvPr id="3" name="图片 2">
+            <a:extLst>
+              <a:ext uri="{FF2B5EF4-FFF2-40B4-BE49-F238E27FC236}">
+                <a16:creationId xmlns:a16="http://schemas.microsoft.com/office/drawing/2014/main" id="{68191AE2-74D0-47B0-93D0-EA1EBA73BC61}"/>
+              </a:ext>
+            </a:extLst>
+          </p:cNvPr>
+          <p:cNvPicPr>
+            <a:picLocks noChangeAspect="1"/>
+          </p:cNvPicPr>
+          <p:nvPr/>
+        </p:nvPicPr>
+        <p:blipFill>
+          <a:blip r:embed="rId2"/>
+          <a:stretch>
+            <a:fillRect/>
+          </a:stretch>
+        </p:blipFill>
+        <p:spPr>
+          <a:xfrm>
+            <a:off x="1433617" y="2481094"/>
+            <a:ext cx="8497043" cy="3922258"/>
+          </a:xfrm>
+          <a:prstGeom prst="rect">
+            <a:avLst/>
+          </a:prstGeom>
+        </p:spPr>
+      </p:pic>
+    </p:spTree>
+    <p:extLst>
+      <p:ext uri="{BB962C8B-B14F-4D97-AF65-F5344CB8AC3E}">
+        <p14:creationId xmlns:p14="http://schemas.microsoft.com/office/powerpoint/2010/main" val="2195737143"/>
+      </p:ext>
+    </p:extLst>
+  </p:cSld>
+  <p:clrMapOvr>
+    <a:masterClrMapping/>
+  </p:clrMapOvr>
+  <p:timing>
+    <p:tnLst>
+      <p:par>
+        <p:cTn id="1" dur="indefinite" restart="never" nodeType="tmRoot">
+          <p:childTnLst>
+            <p:seq concurrent="1" nextAc="seek">
+              <p:cTn id="2" dur="indefinite" nodeType="mainSeq">
+                <p:childTnLst>
+                  <p:par>
+                    <p:cTn id="3" fill="hold">
+                      <p:stCondLst>
+                        <p:cond delay="indefinite"/>
+                      </p:stCondLst>
+                      <p:childTnLst>
+                        <p:par>
+                          <p:cTn id="4" fill="hold">
+                            <p:stCondLst>
+                              <p:cond delay="0"/>
+                            </p:stCondLst>
+                            <p:childTnLst>
+                              <p:par>
+                                <p:cTn id="5" presetID="22" presetClass="entr" presetSubtype="8" fill="hold" nodeType="clickEffect">
+                                  <p:stCondLst>
+                                    <p:cond delay="0"/>
+                                  </p:stCondLst>
+                                  <p:childTnLst>
+                                    <p:set>
+                                      <p:cBhvr>
+                                        <p:cTn id="6" dur="1" fill="hold">
+                                          <p:stCondLst>
+                                            <p:cond delay="0"/>
+                                          </p:stCondLst>
+                                        </p:cTn>
+                                        <p:tgtEl>
+                                          <p:spTgt spid="6">
+                                            <p:txEl>
+                                              <p:pRg st="0" end="0"/>
+                                            </p:txEl>
+                                          </p:spTgt>
+                                        </p:tgtEl>
+                                        <p:attrNameLst>
+                                          <p:attrName>style.visibility</p:attrName>
+                                        </p:attrNameLst>
+                                      </p:cBhvr>
+                                      <p:to>
+                                        <p:strVal val="visible"/>
+                                      </p:to>
+                                    </p:set>
+                                    <p:animEffect transition="in" filter="wipe(left)">
+                                      <p:cBhvr>
+                                        <p:cTn id="7" dur="500"/>
+                                        <p:tgtEl>
+                                          <p:spTgt spid="6">
+                                            <p:txEl>
+                                              <p:pRg st="0" end="0"/>
+                                            </p:txEl>
+                                          </p:spTgt>
+                                        </p:tgtEl>
+                                      </p:cBhvr>
+                                    </p:animEffect>
+                                  </p:childTnLst>
+                                </p:cTn>
+                              </p:par>
+                            </p:childTnLst>
+                          </p:cTn>
+                        </p:par>
+                      </p:childTnLst>
+                    </p:cTn>
+                  </p:par>
+                  <p:par>
+                    <p:cTn id="8" fill="hold">
+                      <p:stCondLst>
+                        <p:cond delay="indefinite"/>
+                      </p:stCondLst>
+                      <p:childTnLst>
+                        <p:par>
+                          <p:cTn id="9" fill="hold">
+                            <p:stCondLst>
+                              <p:cond delay="0"/>
+                            </p:stCondLst>
+                            <p:childTnLst>
+                              <p:par>
+                                <p:cTn id="10" presetID="22" presetClass="entr" presetSubtype="8" fill="hold" nodeType="clickEffect">
+                                  <p:stCondLst>
+                                    <p:cond delay="0"/>
+                                  </p:stCondLst>
+                                  <p:childTnLst>
+                                    <p:set>
+                                      <p:cBhvr>
+                                        <p:cTn id="11" dur="1" fill="hold">
+                                          <p:stCondLst>
+                                            <p:cond delay="0"/>
+                                          </p:stCondLst>
+                                        </p:cTn>
+                                        <p:tgtEl>
+                                          <p:spTgt spid="6">
+                                            <p:txEl>
+                                              <p:pRg st="1" end="1"/>
+                                            </p:txEl>
+                                          </p:spTgt>
+                                        </p:tgtEl>
+                                        <p:attrNameLst>
+                                          <p:attrName>style.visibility</p:attrName>
+                                        </p:attrNameLst>
+                                      </p:cBhvr>
+                                      <p:to>
+                                        <p:strVal val="visible"/>
+                                      </p:to>
+                                    </p:set>
+                                    <p:animEffect transition="in" filter="wipe(left)">
+                                      <p:cBhvr>
+                                        <p:cTn id="12" dur="500"/>
+                                        <p:tgtEl>
+                                          <p:spTgt spid="6">
+                                            <p:txEl>
+                                              <p:pRg st="1" end="1"/>
+                                            </p:txEl>
+                                          </p:spTgt>
+                                        </p:tgtEl>
+                                      </p:cBhvr>
+                                    </p:animEffect>
+                                  </p:childTnLst>
+                                </p:cTn>
+                              </p:par>
+                            </p:childTnLst>
+                          </p:cTn>
+                        </p:par>
+                      </p:childTnLst>
+                    </p:cTn>
+                  </p:par>
+                </p:childTnLst>
+              </p:cTn>
+              <p:prevCondLst>
+                <p:cond evt="onPrev" delay="0">
+                  <p:tgtEl>
+                    <p:sldTgt/>
+                  </p:tgtEl>
+                </p:cond>
+              </p:prevCondLst>
+              <p:nextCondLst>
+                <p:cond evt="onNext" delay="0">
+                  <p:tgtEl>
+                    <p:sldTgt/>
+                  </p:tgtEl>
+                </p:cond>
+              </p:nextCondLst>
+            </p:seq>
+          </p:childTnLst>
+        </p:cTn>
+      </p:par>
+    </p:tnLst>
+  </p:timing>
+</p:sld>
+</file>
+
+<file path=ppt/slides/slide9.xml><?xml version="1.0" encoding="utf-8"?>
+<p:sld xmlns:a="http://schemas.openxmlformats.org/drawingml/2006/main" xmlns:r="http://schemas.openxmlformats.org/officeDocument/2006/relationships" xmlns:p="http://schemas.openxmlformats.org/presentationml/2006/main">
+  <p:cSld>
+    <p:spTree>
+      <p:nvGrpSpPr>
+        <p:cNvPr id="1" name=""/>
+        <p:cNvGrpSpPr/>
+        <p:nvPr/>
+      </p:nvGrpSpPr>
+      <p:grpSpPr>
+        <a:xfrm>
+          <a:off x="0" y="0"/>
+          <a:ext cx="0" cy="0"/>
+          <a:chOff x="0" y="0"/>
+          <a:chExt cx="0" cy="0"/>
+        </a:xfrm>
+      </p:grpSpPr>
+      <p:sp>
+        <p:nvSpPr>
+          <p:cNvPr id="6" name="矩形 5">
+            <a:extLst>
+              <a:ext uri="{FF2B5EF4-FFF2-40B4-BE49-F238E27FC236}">
+                <a16:creationId xmlns:a16="http://schemas.microsoft.com/office/drawing/2014/main" id="{A6C00D61-029B-4EBC-B6D9-27C530CEE011}"/>
+              </a:ext>
+            </a:extLst>
+          </p:cNvPr>
+          <p:cNvSpPr/>
+          <p:nvPr/>
+        </p:nvSpPr>
+        <p:spPr>
+          <a:xfrm>
+            <a:off x="776056" y="277902"/>
+            <a:ext cx="10844814" cy="3166380"/>
+          </a:xfrm>
+          <a:prstGeom prst="rect">
+            <a:avLst/>
+          </a:prstGeom>
+        </p:spPr>
+        <p:txBody>
+          <a:bodyPr wrap="square">
+            <a:spAutoFit/>
+          </a:bodyPr>
+          <a:lstStyle/>
+          <a:p>
+            <a:pPr>
+              <a:buFont typeface="Wingdings" pitchFamily="2" charset="2"/>
+              <a:buChar char="Ø"/>
+            </a:pPr>
+            <a:r>
+              <a:rPr lang="zh-CN" altLang="en-US" sz="2400" dirty="0">
+                <a:latin typeface="微软雅黑" panose="020B0503020204020204" pitchFamily="34" charset="-122"/>
+              </a:rPr>
+              <a:t>其中</a:t>
+            </a:r>
+            <a:r>
+              <a:rPr lang="en-US" altLang="zh-CN" sz="2400" dirty="0">
+                <a:latin typeface="微软雅黑" panose="020B0503020204020204" pitchFamily="34" charset="-122"/>
+              </a:rPr>
+              <a:t>Ex4</a:t>
+            </a:r>
+            <a:r>
+              <a:rPr lang="zh-CN" altLang="en-US" sz="2400" dirty="0">
+                <a:latin typeface="微软雅黑" panose="020B0503020204020204" pitchFamily="34" charset="-122"/>
+              </a:rPr>
+              <a:t>的题目为</a:t>
+            </a:r>
+            <a:endParaRPr lang="en-US" altLang="zh-CN" sz="2400" dirty="0">
+              <a:latin typeface="微软雅黑" panose="020B0503020204020204" pitchFamily="34" charset="-122"/>
+            </a:endParaRPr>
+          </a:p>
+          <a:p>
+            <a:endParaRPr lang="en-US" altLang="zh-CN" sz="2400" dirty="0">
+              <a:latin typeface="微软雅黑" panose="020B0503020204020204" pitchFamily="34" charset="-122"/>
+            </a:endParaRPr>
+          </a:p>
+          <a:p>
+            <a:pPr>
+              <a:buFont typeface="Wingdings" pitchFamily="2" charset="2"/>
+              <a:buChar char="Ø"/>
+            </a:pPr>
+            <a:endParaRPr lang="en-US" altLang="zh-CN" sz="2400" dirty="0">
+              <a:latin typeface="微软雅黑" panose="020B0503020204020204" pitchFamily="34" charset="-122"/>
+            </a:endParaRPr>
+          </a:p>
+          <a:p>
+            <a:pPr>
+              <a:buFont typeface="Wingdings" pitchFamily="2" charset="2"/>
+              <a:buChar char="Ø"/>
+            </a:pPr>
+            <a:endParaRPr lang="en-US" altLang="zh-CN" sz="2400" dirty="0">
+              <a:latin typeface="微软雅黑" panose="020B0503020204020204" pitchFamily="34" charset="-122"/>
+            </a:endParaRPr>
+          </a:p>
+          <a:p>
+            <a:pPr>
+              <a:buFont typeface="Wingdings" pitchFamily="2" charset="2"/>
+              <a:buChar char="Ø"/>
+            </a:pPr>
+            <a:endParaRPr lang="en-US" altLang="zh-CN" sz="2400" dirty="0">
+              <a:latin typeface="微软雅黑" panose="020B0503020204020204" pitchFamily="34" charset="-122"/>
+            </a:endParaRPr>
+          </a:p>
+          <a:p>
+            <a:pPr>
+              <a:buFont typeface="Wingdings" pitchFamily="2" charset="2"/>
+              <a:buChar char="Ø"/>
+            </a:pPr>
+            <a:endParaRPr lang="en-US" altLang="zh-CN" sz="2400" dirty="0">
+              <a:latin typeface="微软雅黑" panose="020B0503020204020204" pitchFamily="34" charset="-122"/>
+            </a:endParaRPr>
+          </a:p>
+          <a:p>
+            <a:pPr>
+              <a:buFont typeface="Wingdings" pitchFamily="2" charset="2"/>
+              <a:buChar char="Ø"/>
+            </a:pPr>
+            <a:endParaRPr lang="en-US" altLang="zh-CN" sz="2400" dirty="0">
+              <a:latin typeface="微软雅黑" panose="020B0503020204020204" pitchFamily="34" charset="-122"/>
+            </a:endParaRPr>
+          </a:p>
+          <a:p>
+            <a:pPr>
+              <a:lnSpc>
+                <a:spcPct val="150000"/>
+              </a:lnSpc>
+              <a:buFont typeface="Wingdings" pitchFamily="2" charset="2"/>
+              <a:buChar char="Ø"/>
+            </a:pPr>
+            <a:endParaRPr lang="en-US" altLang="zh-CN" sz="2400" b="1" dirty="0">
+              <a:solidFill>
+                <a:srgbClr val="C00000"/>
+              </a:solidFill>
+              <a:latin typeface="微软雅黑" panose="020B0503020204020204" pitchFamily="34" charset="-122"/>
+            </a:endParaRPr>
+          </a:p>
+        </p:txBody>
+      </p:sp>
+      <p:sp>
+        <p:nvSpPr>
+          <p:cNvPr id="14" name="文本框 13">
+            <a:extLst>
+              <a:ext uri="{FF2B5EF4-FFF2-40B4-BE49-F238E27FC236}">
+                <a16:creationId xmlns:a16="http://schemas.microsoft.com/office/drawing/2014/main" id="{4B937E65-E902-4F05-B66E-3782374272CF}"/>
+              </a:ext>
+            </a:extLst>
+          </p:cNvPr>
+          <p:cNvSpPr txBox="1"/>
+          <p:nvPr/>
+        </p:nvSpPr>
+        <p:spPr>
+          <a:xfrm>
+            <a:off x="1162314" y="774694"/>
+            <a:ext cx="4712954" cy="369332"/>
+          </a:xfrm>
+          <a:prstGeom prst="rect">
+            <a:avLst/>
+          </a:prstGeom>
+          <a:noFill/>
+        </p:spPr>
+        <p:txBody>
+          <a:bodyPr wrap="square">
+            <a:spAutoFit/>
+          </a:bodyPr>
+          <a:lstStyle/>
+          <a:p>
+            <a:r>
+              <a:rPr lang="zh-CN" altLang="en-US" dirty="0">
+                <a:solidFill>
+                  <a:srgbClr val="0070C0"/>
+                </a:solidFill>
+              </a:rPr>
+              <a:t>英文版教材</a:t>
+            </a:r>
+            <a:r>
+              <a:rPr lang="en-US" altLang="zh-CN" dirty="0">
+                <a:solidFill>
+                  <a:srgbClr val="0070C0"/>
+                </a:solidFill>
+              </a:rPr>
+              <a:t>199</a:t>
+            </a:r>
+            <a:r>
+              <a:rPr lang="zh-CN" altLang="en-US" dirty="0">
+                <a:solidFill>
+                  <a:srgbClr val="0070C0"/>
+                </a:solidFill>
+              </a:rPr>
+              <a:t>页的</a:t>
+            </a:r>
+            <a:r>
+              <a:rPr lang="en-US" altLang="zh-CN" dirty="0">
+                <a:solidFill>
+                  <a:srgbClr val="0070C0"/>
+                </a:solidFill>
+              </a:rPr>
+              <a:t>Exercise 5.28</a:t>
+            </a:r>
+            <a:endParaRPr lang="zh-CN" altLang="en-US" dirty="0">
+              <a:solidFill>
+                <a:srgbClr val="0070C0"/>
+              </a:solidFill>
+            </a:endParaRPr>
+          </a:p>
+        </p:txBody>
+      </p:sp>
+      <p:pic>
+        <p:nvPicPr>
+          <p:cNvPr id="3" name="图片 2">
+            <a:extLst>
+              <a:ext uri="{FF2B5EF4-FFF2-40B4-BE49-F238E27FC236}">
+                <a16:creationId xmlns:a16="http://schemas.microsoft.com/office/drawing/2014/main" id="{C3BA05DE-3402-4B04-903B-4ABB668C9A7F}"/>
+              </a:ext>
+            </a:extLst>
+          </p:cNvPr>
+          <p:cNvPicPr>
+            <a:picLocks noChangeAspect="1"/>
+          </p:cNvPicPr>
+          <p:nvPr/>
+        </p:nvPicPr>
+        <p:blipFill>
+          <a:blip r:embed="rId2"/>
+          <a:stretch>
+            <a:fillRect/>
+          </a:stretch>
+        </p:blipFill>
+        <p:spPr>
+          <a:xfrm>
+            <a:off x="1106660" y="1245751"/>
+            <a:ext cx="10309284" cy="1655372"/>
+          </a:xfrm>
+          <a:prstGeom prst="rect">
+            <a:avLst/>
+          </a:prstGeom>
+        </p:spPr>
+      </p:pic>
+      <p:sp>
+        <p:nvSpPr>
+          <p:cNvPr id="8" name="文本框 7">
+            <a:extLst>
+              <a:ext uri="{FF2B5EF4-FFF2-40B4-BE49-F238E27FC236}">
+                <a16:creationId xmlns:a16="http://schemas.microsoft.com/office/drawing/2014/main" id="{873B2850-BB63-44B3-A80F-26C506BF64C7}"/>
+              </a:ext>
+            </a:extLst>
+          </p:cNvPr>
+          <p:cNvSpPr txBox="1"/>
+          <p:nvPr/>
+        </p:nvSpPr>
+        <p:spPr>
+          <a:xfrm>
+            <a:off x="3932390" y="6210766"/>
+            <a:ext cx="7231752" cy="369332"/>
+          </a:xfrm>
+          <a:prstGeom prst="rect">
+            <a:avLst/>
+          </a:prstGeom>
+          <a:noFill/>
+        </p:spPr>
+        <p:txBody>
+          <a:bodyPr wrap="square">
+            <a:spAutoFit/>
+          </a:bodyPr>
+          <a:lstStyle/>
+          <a:p>
+            <a:r>
+              <a:rPr lang="en-US" altLang="zh-CN" dirty="0">
+                <a:hlinkClick r:id="rId3"/>
+              </a:rPr>
+              <a:t>The Twelve Days of Christmas - Christmas Carol Collection (12days.com)</a:t>
+            </a:r>
+            <a:endParaRPr lang="zh-CN" altLang="en-US" dirty="0"/>
+          </a:p>
+        </p:txBody>
+      </p:sp>
+      <p:pic>
+        <p:nvPicPr>
+          <p:cNvPr id="11" name="图片 10">
+            <a:extLst>
+              <a:ext uri="{FF2B5EF4-FFF2-40B4-BE49-F238E27FC236}">
+                <a16:creationId xmlns:a16="http://schemas.microsoft.com/office/drawing/2014/main" id="{80D167C7-C0CC-4B38-AFDA-007B10AC694F}"/>
+              </a:ext>
+            </a:extLst>
+          </p:cNvPr>
+          <p:cNvPicPr>
+            <a:picLocks noChangeAspect="1"/>
+          </p:cNvPicPr>
+          <p:nvPr/>
+        </p:nvPicPr>
+        <p:blipFill>
+          <a:blip r:embed="rId4"/>
+          <a:stretch>
+            <a:fillRect/>
+          </a:stretch>
+        </p:blipFill>
+        <p:spPr>
+          <a:xfrm>
+            <a:off x="1027858" y="2889782"/>
+            <a:ext cx="2729426" cy="3968218"/>
+          </a:xfrm>
+          <a:prstGeom prst="rect">
+            <a:avLst/>
+          </a:prstGeom>
+        </p:spPr>
+      </p:pic>
+    </p:spTree>
+    <p:extLst>
+      <p:ext uri="{BB962C8B-B14F-4D97-AF65-F5344CB8AC3E}">
+        <p14:creationId xmlns:p14="http://schemas.microsoft.com/office/powerpoint/2010/main" val="471789749"/>
+      </p:ext>
+    </p:extLst>
+  </p:cSld>
+  <p:clrMapOvr>
+    <a:masterClrMapping/>
+  </p:clrMapOvr>
+  <p:timing>
+    <p:tnLst>
+      <p:par>
+        <p:cTn id="1" dur="indefinite" restart="never" nodeType="tmRoot">
+          <p:childTnLst>
+            <p:seq concurrent="1" nextAc="seek">
+              <p:cTn id="2" dur="indefinite" nodeType="mainSeq">
+                <p:childTnLst>
+                  <p:par>
+                    <p:cTn id="3" fill="hold">
+                      <p:stCondLst>
+                        <p:cond delay="indefinite"/>
+                      </p:stCondLst>
+                      <p:childTnLst>
+                        <p:par>
+                          <p:cTn id="4" fill="hold">
+                            <p:stCondLst>
+                              <p:cond delay="0"/>
+                            </p:stCondLst>
+                            <p:childTnLst>
+                              <p:par>
+                                <p:cTn id="5" presetID="22" presetClass="entr" presetSubtype="8" fill="hold" nodeType="clickEffect">
+                                  <p:stCondLst>
+                                    <p:cond delay="0"/>
+                                  </p:stCondLst>
+                                  <p:childTnLst>
+                                    <p:set>
+                                      <p:cBhvr>
+                                        <p:cTn id="6" dur="1" fill="hold">
+                                          <p:stCondLst>
+                                            <p:cond delay="0"/>
+                                          </p:stCondLst>
+                                        </p:cTn>
+                                        <p:tgtEl>
+                                          <p:spTgt spid="6">
+                                            <p:txEl>
+                                              <p:pRg st="0" end="0"/>
+                                            </p:txEl>
+                                          </p:spTgt>
+                                        </p:tgtEl>
+                                        <p:attrNameLst>
+                                          <p:attrName>style.visibility</p:attrName>
+                                        </p:attrNameLst>
+                                      </p:cBhvr>
+                                      <p:to>
+                                        <p:strVal val="visible"/>
+                                      </p:to>
+                                    </p:set>
+                                    <p:animEffect transition="in" filter="wipe(left)">
+                                      <p:cBhvr>
+                                        <p:cTn id="7" dur="500"/>
+                                        <p:tgtEl>
+                                          <p:spTgt spid="6">
+                                            <p:txEl>
+                                              <p:pRg st="0" end="0"/>
                                             </p:txEl>
                                           </p:spTgt>
                                         </p:tgtEl>

--- a/labs requirements.pptx
+++ b/labs requirements.pptx
@@ -15,6 +15,7 @@
     <p:sldId id="265" r:id="rId9"/>
     <p:sldId id="266" r:id="rId10"/>
     <p:sldId id="264" r:id="rId11"/>
+    <p:sldId id="267" r:id="rId12"/>
   </p:sldIdLst>
   <p:sldSz cx="12192000" cy="6858000"/>
   <p:notesSz cx="6858000" cy="9144000"/>
@@ -268,7 +269,7 @@
           <a:p>
             <a:fld id="{FCD1B0E7-7A14-43A7-8971-2F83AC4B4961}" type="datetimeFigureOut">
               <a:rPr lang="zh-CN" altLang="en-US" smtClean="0"/>
-              <a:t>2021/11/8</a:t>
+              <a:t>2021/11/23</a:t>
             </a:fld>
             <a:endParaRPr lang="zh-CN" altLang="en-US"/>
           </a:p>
@@ -466,7 +467,7 @@
           <a:p>
             <a:fld id="{FCD1B0E7-7A14-43A7-8971-2F83AC4B4961}" type="datetimeFigureOut">
               <a:rPr lang="zh-CN" altLang="en-US" smtClean="0"/>
-              <a:t>2021/11/8</a:t>
+              <a:t>2021/11/23</a:t>
             </a:fld>
             <a:endParaRPr lang="zh-CN" altLang="en-US"/>
           </a:p>
@@ -674,7 +675,7 @@
           <a:p>
             <a:fld id="{FCD1B0E7-7A14-43A7-8971-2F83AC4B4961}" type="datetimeFigureOut">
               <a:rPr lang="zh-CN" altLang="en-US" smtClean="0"/>
-              <a:t>2021/11/8</a:t>
+              <a:t>2021/11/23</a:t>
             </a:fld>
             <a:endParaRPr lang="zh-CN" altLang="en-US"/>
           </a:p>
@@ -872,7 +873,7 @@
           <a:p>
             <a:fld id="{FCD1B0E7-7A14-43A7-8971-2F83AC4B4961}" type="datetimeFigureOut">
               <a:rPr lang="zh-CN" altLang="en-US" smtClean="0"/>
-              <a:t>2021/11/8</a:t>
+              <a:t>2021/11/23</a:t>
             </a:fld>
             <a:endParaRPr lang="zh-CN" altLang="en-US"/>
           </a:p>
@@ -1147,7 +1148,7 @@
           <a:p>
             <a:fld id="{FCD1B0E7-7A14-43A7-8971-2F83AC4B4961}" type="datetimeFigureOut">
               <a:rPr lang="zh-CN" altLang="en-US" smtClean="0"/>
-              <a:t>2021/11/8</a:t>
+              <a:t>2021/11/23</a:t>
             </a:fld>
             <a:endParaRPr lang="zh-CN" altLang="en-US"/>
           </a:p>
@@ -1412,7 +1413,7 @@
           <a:p>
             <a:fld id="{FCD1B0E7-7A14-43A7-8971-2F83AC4B4961}" type="datetimeFigureOut">
               <a:rPr lang="zh-CN" altLang="en-US" smtClean="0"/>
-              <a:t>2021/11/8</a:t>
+              <a:t>2021/11/23</a:t>
             </a:fld>
             <a:endParaRPr lang="zh-CN" altLang="en-US"/>
           </a:p>
@@ -1824,7 +1825,7 @@
           <a:p>
             <a:fld id="{FCD1B0E7-7A14-43A7-8971-2F83AC4B4961}" type="datetimeFigureOut">
               <a:rPr lang="zh-CN" altLang="en-US" smtClean="0"/>
-              <a:t>2021/11/8</a:t>
+              <a:t>2021/11/23</a:t>
             </a:fld>
             <a:endParaRPr lang="zh-CN" altLang="en-US"/>
           </a:p>
@@ -1965,7 +1966,7 @@
           <a:p>
             <a:fld id="{FCD1B0E7-7A14-43A7-8971-2F83AC4B4961}" type="datetimeFigureOut">
               <a:rPr lang="zh-CN" altLang="en-US" smtClean="0"/>
-              <a:t>2021/11/8</a:t>
+              <a:t>2021/11/23</a:t>
             </a:fld>
             <a:endParaRPr lang="zh-CN" altLang="en-US"/>
           </a:p>
@@ -2078,7 +2079,7 @@
           <a:p>
             <a:fld id="{FCD1B0E7-7A14-43A7-8971-2F83AC4B4961}" type="datetimeFigureOut">
               <a:rPr lang="zh-CN" altLang="en-US" smtClean="0"/>
-              <a:t>2021/11/8</a:t>
+              <a:t>2021/11/23</a:t>
             </a:fld>
             <a:endParaRPr lang="zh-CN" altLang="en-US"/>
           </a:p>
@@ -2389,7 +2390,7 @@
           <a:p>
             <a:fld id="{FCD1B0E7-7A14-43A7-8971-2F83AC4B4961}" type="datetimeFigureOut">
               <a:rPr lang="zh-CN" altLang="en-US" smtClean="0"/>
-              <a:t>2021/11/8</a:t>
+              <a:t>2021/11/23</a:t>
             </a:fld>
             <a:endParaRPr lang="zh-CN" altLang="en-US"/>
           </a:p>
@@ -2677,7 +2678,7 @@
           <a:p>
             <a:fld id="{FCD1B0E7-7A14-43A7-8971-2F83AC4B4961}" type="datetimeFigureOut">
               <a:rPr lang="zh-CN" altLang="en-US" smtClean="0"/>
-              <a:t>2021/11/8</a:t>
+              <a:t>2021/11/23</a:t>
             </a:fld>
             <a:endParaRPr lang="zh-CN" altLang="en-US"/>
           </a:p>
@@ -2918,7 +2919,7 @@
           <a:p>
             <a:fld id="{FCD1B0E7-7A14-43A7-8971-2F83AC4B4961}" type="datetimeFigureOut">
               <a:rPr lang="zh-CN" altLang="en-US" smtClean="0"/>
-              <a:t>2021/11/8</a:t>
+              <a:t>2021/11/23</a:t>
             </a:fld>
             <a:endParaRPr lang="zh-CN" altLang="en-US"/>
           </a:p>
@@ -4662,6 +4663,808 @@
                                         <p:cTn id="7" dur="500"/>
                                         <p:tgtEl>
                                           <p:spTgt spid="6">
+                                            <p:txEl>
+                                              <p:pRg st="2" end="2"/>
+                                            </p:txEl>
+                                          </p:spTgt>
+                                        </p:tgtEl>
+                                      </p:cBhvr>
+                                    </p:animEffect>
+                                  </p:childTnLst>
+                                </p:cTn>
+                              </p:par>
+                            </p:childTnLst>
+                          </p:cTn>
+                        </p:par>
+                      </p:childTnLst>
+                    </p:cTn>
+                  </p:par>
+                </p:childTnLst>
+              </p:cTn>
+              <p:prevCondLst>
+                <p:cond evt="onPrev" delay="0">
+                  <p:tgtEl>
+                    <p:sldTgt/>
+                  </p:tgtEl>
+                </p:cond>
+              </p:prevCondLst>
+              <p:nextCondLst>
+                <p:cond evt="onNext" delay="0">
+                  <p:tgtEl>
+                    <p:sldTgt/>
+                  </p:tgtEl>
+                </p:cond>
+              </p:nextCondLst>
+            </p:seq>
+          </p:childTnLst>
+        </p:cTn>
+      </p:par>
+    </p:tnLst>
+  </p:timing>
+</p:sld>
+</file>
+
+<file path=ppt/slides/slide11.xml><?xml version="1.0" encoding="utf-8"?>
+<p:sld xmlns:a="http://schemas.openxmlformats.org/drawingml/2006/main" xmlns:r="http://schemas.openxmlformats.org/officeDocument/2006/relationships" xmlns:p="http://schemas.openxmlformats.org/presentationml/2006/main">
+  <p:cSld>
+    <p:spTree>
+      <p:nvGrpSpPr>
+        <p:cNvPr id="1" name=""/>
+        <p:cNvGrpSpPr/>
+        <p:nvPr/>
+      </p:nvGrpSpPr>
+      <p:grpSpPr>
+        <a:xfrm>
+          <a:off x="0" y="0"/>
+          <a:ext cx="0" cy="0"/>
+          <a:chOff x="0" y="0"/>
+          <a:chExt cx="0" cy="0"/>
+        </a:xfrm>
+      </p:grpSpPr>
+      <p:sp>
+        <p:nvSpPr>
+          <p:cNvPr id="4" name="标题 1">
+            <a:extLst>
+              <a:ext uri="{FF2B5EF4-FFF2-40B4-BE49-F238E27FC236}">
+                <a16:creationId xmlns:a16="http://schemas.microsoft.com/office/drawing/2014/main" id="{9643B484-6D14-4189-9538-FE4A24934581}"/>
+              </a:ext>
+            </a:extLst>
+          </p:cNvPr>
+          <p:cNvSpPr txBox="1">
+            <a:spLocks/>
+          </p:cNvSpPr>
+          <p:nvPr/>
+        </p:nvSpPr>
+        <p:spPr>
+          <a:xfrm>
+            <a:off x="838200" y="327530"/>
+            <a:ext cx="10515600" cy="894622"/>
+          </a:xfrm>
+          <a:prstGeom prst="rect">
+            <a:avLst/>
+          </a:prstGeom>
+        </p:spPr>
+        <p:txBody>
+          <a:bodyPr vert="horz" lIns="91440" tIns="45720" rIns="91440" bIns="45720" rtlCol="0" anchor="b">
+            <a:normAutofit/>
+          </a:bodyPr>
+          <a:lstStyle>
+            <a:lvl1pPr algn="ctr" defTabSz="914400" rtl="0" eaLnBrk="1" latinLnBrk="0" hangingPunct="1">
+              <a:lnSpc>
+                <a:spcPct val="90000"/>
+              </a:lnSpc>
+              <a:spcBef>
+                <a:spcPct val="0"/>
+              </a:spcBef>
+              <a:buNone/>
+              <a:defRPr sz="6000" kern="1200">
+                <a:solidFill>
+                  <a:schemeClr val="tx1"/>
+                </a:solidFill>
+                <a:latin typeface="+mj-lt"/>
+                <a:ea typeface="+mj-ea"/>
+                <a:cs typeface="+mj-cs"/>
+              </a:defRPr>
+            </a:lvl1pPr>
+          </a:lstStyle>
+          <a:p>
+            <a:r>
+              <a:rPr lang="en-US" altLang="zh-CN" sz="4800" dirty="0">
+                <a:solidFill>
+                  <a:srgbClr val="002060"/>
+                </a:solidFill>
+              </a:rPr>
+              <a:t>Lab5 Requirements </a:t>
+            </a:r>
+            <a:endParaRPr lang="zh-CN" altLang="en-US" sz="4800" dirty="0">
+              <a:solidFill>
+                <a:srgbClr val="002060"/>
+              </a:solidFill>
+            </a:endParaRPr>
+          </a:p>
+        </p:txBody>
+      </p:sp>
+      <p:sp>
+        <p:nvSpPr>
+          <p:cNvPr id="6" name="矩形 5">
+            <a:extLst>
+              <a:ext uri="{FF2B5EF4-FFF2-40B4-BE49-F238E27FC236}">
+                <a16:creationId xmlns:a16="http://schemas.microsoft.com/office/drawing/2014/main" id="{A6C00D61-029B-4EBC-B6D9-27C530CEE011}"/>
+              </a:ext>
+            </a:extLst>
+          </p:cNvPr>
+          <p:cNvSpPr/>
+          <p:nvPr/>
+        </p:nvSpPr>
+        <p:spPr>
+          <a:xfrm>
+            <a:off x="776056" y="1286899"/>
+            <a:ext cx="10844814" cy="3166380"/>
+          </a:xfrm>
+          <a:prstGeom prst="rect">
+            <a:avLst/>
+          </a:prstGeom>
+        </p:spPr>
+        <p:txBody>
+          <a:bodyPr wrap="square">
+            <a:spAutoFit/>
+          </a:bodyPr>
+          <a:lstStyle/>
+          <a:p>
+            <a:pPr>
+              <a:buFont typeface="Wingdings" pitchFamily="2" charset="2"/>
+              <a:buChar char="Ø"/>
+            </a:pPr>
+            <a:r>
+              <a:rPr lang="zh-CN" altLang="en-US" sz="2400" dirty="0">
+                <a:latin typeface="微软雅黑" panose="020B0503020204020204" pitchFamily="34" charset="-122"/>
+              </a:rPr>
+              <a:t>完成实验指导书上实验作业</a:t>
+            </a:r>
+            <a:r>
+              <a:rPr lang="en-US" altLang="zh-CN" sz="2400" dirty="0">
+                <a:latin typeface="微软雅黑" panose="020B0503020204020204" pitchFamily="34" charset="-122"/>
+              </a:rPr>
+              <a:t>Lab5</a:t>
+            </a:r>
+            <a:r>
+              <a:rPr lang="zh-CN" altLang="en-US" sz="2400" dirty="0">
+                <a:latin typeface="微软雅黑" panose="020B0503020204020204" pitchFamily="34" charset="-122"/>
+              </a:rPr>
+              <a:t>规定的</a:t>
+            </a:r>
+            <a:r>
+              <a:rPr lang="en-US" altLang="zh-CN" sz="2400" dirty="0">
+                <a:latin typeface="微软雅黑" panose="020B0503020204020204" pitchFamily="34" charset="-122"/>
+              </a:rPr>
+              <a:t>Ex1~Ex4</a:t>
+            </a:r>
+          </a:p>
+          <a:p>
+            <a:endParaRPr lang="en-US" altLang="zh-CN" sz="2400" dirty="0">
+              <a:latin typeface="微软雅黑" panose="020B0503020204020204" pitchFamily="34" charset="-122"/>
+            </a:endParaRPr>
+          </a:p>
+          <a:p>
+            <a:pPr>
+              <a:buFont typeface="Wingdings" pitchFamily="2" charset="2"/>
+              <a:buChar char="Ø"/>
+            </a:pPr>
+            <a:endParaRPr lang="en-US" altLang="zh-CN" sz="2400" dirty="0">
+              <a:latin typeface="微软雅黑" panose="020B0503020204020204" pitchFamily="34" charset="-122"/>
+            </a:endParaRPr>
+          </a:p>
+          <a:p>
+            <a:pPr>
+              <a:buFont typeface="Wingdings" pitchFamily="2" charset="2"/>
+              <a:buChar char="Ø"/>
+            </a:pPr>
+            <a:endParaRPr lang="en-US" altLang="zh-CN" sz="2400" dirty="0">
+              <a:latin typeface="微软雅黑" panose="020B0503020204020204" pitchFamily="34" charset="-122"/>
+            </a:endParaRPr>
+          </a:p>
+          <a:p>
+            <a:pPr>
+              <a:buFont typeface="Wingdings" pitchFamily="2" charset="2"/>
+              <a:buChar char="Ø"/>
+            </a:pPr>
+            <a:endParaRPr lang="en-US" altLang="zh-CN" sz="2400" dirty="0">
+              <a:latin typeface="微软雅黑" panose="020B0503020204020204" pitchFamily="34" charset="-122"/>
+            </a:endParaRPr>
+          </a:p>
+          <a:p>
+            <a:pPr>
+              <a:buFont typeface="Wingdings" pitchFamily="2" charset="2"/>
+              <a:buChar char="Ø"/>
+            </a:pPr>
+            <a:endParaRPr lang="en-US" altLang="zh-CN" sz="2400" dirty="0">
+              <a:latin typeface="微软雅黑" panose="020B0503020204020204" pitchFamily="34" charset="-122"/>
+            </a:endParaRPr>
+          </a:p>
+          <a:p>
+            <a:pPr>
+              <a:buFont typeface="Wingdings" pitchFamily="2" charset="2"/>
+              <a:buChar char="Ø"/>
+            </a:pPr>
+            <a:endParaRPr lang="en-US" altLang="zh-CN" sz="2400" dirty="0">
+              <a:latin typeface="微软雅黑" panose="020B0503020204020204" pitchFamily="34" charset="-122"/>
+            </a:endParaRPr>
+          </a:p>
+          <a:p>
+            <a:pPr>
+              <a:lnSpc>
+                <a:spcPct val="150000"/>
+              </a:lnSpc>
+              <a:buFont typeface="Wingdings" pitchFamily="2" charset="2"/>
+              <a:buChar char="Ø"/>
+            </a:pPr>
+            <a:endParaRPr lang="en-US" altLang="zh-CN" sz="2400" b="1" dirty="0">
+              <a:solidFill>
+                <a:srgbClr val="C00000"/>
+              </a:solidFill>
+              <a:latin typeface="微软雅黑" panose="020B0503020204020204" pitchFamily="34" charset="-122"/>
+            </a:endParaRPr>
+          </a:p>
+        </p:txBody>
+      </p:sp>
+      <p:sp>
+        <p:nvSpPr>
+          <p:cNvPr id="7" name="矩形 6">
+            <a:extLst>
+              <a:ext uri="{FF2B5EF4-FFF2-40B4-BE49-F238E27FC236}">
+                <a16:creationId xmlns:a16="http://schemas.microsoft.com/office/drawing/2014/main" id="{0831EB30-4448-4C5F-BBCD-2025129D257D}"/>
+              </a:ext>
+            </a:extLst>
+          </p:cNvPr>
+          <p:cNvSpPr/>
+          <p:nvPr/>
+        </p:nvSpPr>
+        <p:spPr>
+          <a:xfrm>
+            <a:off x="776056" y="3238414"/>
+            <a:ext cx="10844814" cy="2631490"/>
+          </a:xfrm>
+          <a:prstGeom prst="rect">
+            <a:avLst/>
+          </a:prstGeom>
+        </p:spPr>
+        <p:txBody>
+          <a:bodyPr wrap="square">
+            <a:spAutoFit/>
+          </a:bodyPr>
+          <a:lstStyle/>
+          <a:p>
+            <a:pPr>
+              <a:lnSpc>
+                <a:spcPct val="150000"/>
+              </a:lnSpc>
+              <a:buFont typeface="Wingdings" pitchFamily="2" charset="2"/>
+              <a:buChar char="Ø"/>
+            </a:pPr>
+            <a:r>
+              <a:rPr lang="zh-CN" altLang="en-US" sz="2400" b="1" dirty="0">
+                <a:solidFill>
+                  <a:srgbClr val="C00000"/>
+                </a:solidFill>
+                <a:latin typeface="微软雅黑" panose="020B0503020204020204" pitchFamily="34" charset="-122"/>
+              </a:rPr>
+              <a:t>作业提交方式：</a:t>
+            </a:r>
+            <a:br>
+              <a:rPr lang="zh-CN" altLang="en-US" sz="2400" dirty="0">
+                <a:latin typeface="微软雅黑" panose="020B0503020204020204" pitchFamily="34" charset="-122"/>
+              </a:rPr>
+            </a:br>
+            <a:r>
+              <a:rPr lang="zh-CN" altLang="en-US" dirty="0">
+                <a:latin typeface="微软雅黑" panose="020B0503020204020204" pitchFamily="34" charset="-122"/>
+              </a:rPr>
+              <a:t>每个实验（</a:t>
+            </a:r>
+            <a:r>
+              <a:rPr lang="en-US" altLang="zh-CN" dirty="0">
+                <a:latin typeface="微软雅黑" panose="020B0503020204020204" pitchFamily="34" charset="-122"/>
+              </a:rPr>
+              <a:t>EX</a:t>
+            </a:r>
+            <a:r>
+              <a:rPr lang="zh-CN" altLang="en-US" dirty="0">
+                <a:latin typeface="微软雅黑" panose="020B0503020204020204" pitchFamily="34" charset="-122"/>
+              </a:rPr>
+              <a:t>）的全部</a:t>
+            </a:r>
+            <a:r>
+              <a:rPr lang="en-US" altLang="zh-CN" dirty="0">
+                <a:latin typeface="微软雅黑" panose="020B0503020204020204" pitchFamily="34" charset="-122"/>
+              </a:rPr>
+              <a:t>CPP</a:t>
+            </a:r>
+            <a:r>
+              <a:rPr lang="zh-CN" altLang="en-US" dirty="0">
+                <a:latin typeface="微软雅黑" panose="020B0503020204020204" pitchFamily="34" charset="-122"/>
+              </a:rPr>
+              <a:t>文件以及运行成功的结果截图放在一个文件夹。</a:t>
+            </a:r>
+            <a:r>
+              <a:rPr lang="en-US" altLang="zh-CN" dirty="0">
+                <a:latin typeface="微软雅黑" panose="020B0503020204020204" pitchFamily="34" charset="-122"/>
+              </a:rPr>
+              <a:t>CPP</a:t>
+            </a:r>
+            <a:r>
+              <a:rPr lang="zh-CN" altLang="en-US" dirty="0">
+                <a:latin typeface="微软雅黑" panose="020B0503020204020204" pitchFamily="34" charset="-122"/>
+              </a:rPr>
+              <a:t>及结果文件的命名自行决定但应尽可能减轻审阅人的负担，文件夹按小实验的序号命名如</a:t>
+            </a:r>
+            <a:r>
+              <a:rPr lang="en-US" altLang="zh-CN" dirty="0">
+                <a:latin typeface="微软雅黑" panose="020B0503020204020204" pitchFamily="34" charset="-122"/>
+              </a:rPr>
+              <a:t>EX1</a:t>
+            </a:r>
+            <a:r>
+              <a:rPr lang="zh-CN" altLang="en-US" dirty="0">
+                <a:latin typeface="微软雅黑" panose="020B0503020204020204" pitchFamily="34" charset="-122"/>
+              </a:rPr>
+              <a:t>，将所有文件夹压缩为一个压缩包 </a:t>
+            </a:r>
+            <a:r>
+              <a:rPr lang="en-US" altLang="zh-CN" dirty="0">
+                <a:latin typeface="微软雅黑" panose="020B0503020204020204" pitchFamily="34" charset="-122"/>
+              </a:rPr>
+              <a:t>(</a:t>
+            </a:r>
+            <a:r>
+              <a:rPr lang="en-US" altLang="zh-CN" dirty="0" err="1">
+                <a:latin typeface="微软雅黑" panose="020B0503020204020204" pitchFamily="34" charset="-122"/>
+              </a:rPr>
+              <a:t>rar</a:t>
+            </a:r>
+            <a:r>
+              <a:rPr lang="en-US" altLang="zh-CN" dirty="0">
+                <a:latin typeface="微软雅黑" panose="020B0503020204020204" pitchFamily="34" charset="-122"/>
+              </a:rPr>
+              <a:t>/zip) </a:t>
+            </a:r>
+            <a:r>
+              <a:rPr lang="zh-CN" altLang="en-US" dirty="0">
+                <a:latin typeface="微软雅黑" panose="020B0503020204020204" pitchFamily="34" charset="-122"/>
+              </a:rPr>
+              <a:t>提交到我的邮箱 </a:t>
+            </a:r>
+            <a:r>
+              <a:rPr lang="en-US" altLang="zh-CN" b="1" u="sng" dirty="0">
+                <a:solidFill>
+                  <a:schemeClr val="accent5">
+                    <a:lumMod val="50000"/>
+                  </a:schemeClr>
+                </a:solidFill>
+                <a:latin typeface="微软雅黑" panose="020B0503020204020204" pitchFamily="34" charset="-122"/>
+                <a:hlinkClick r:id="rId2"/>
+              </a:rPr>
+              <a:t>myliu@seu.edu.cn</a:t>
+            </a:r>
+            <a:endParaRPr lang="en-US" altLang="zh-CN" b="1" dirty="0">
+              <a:solidFill>
+                <a:srgbClr val="C00000"/>
+              </a:solidFill>
+              <a:latin typeface="微软雅黑" panose="020B0503020204020204" pitchFamily="34" charset="-122"/>
+            </a:endParaRPr>
+          </a:p>
+          <a:p>
+            <a:pPr>
+              <a:buFont typeface="Wingdings" pitchFamily="2" charset="2"/>
+              <a:buChar char="Ø"/>
+            </a:pPr>
+            <a:r>
+              <a:rPr lang="zh-CN" altLang="en-US" sz="2400" b="1" dirty="0">
+                <a:latin typeface="微软雅黑" panose="020B0503020204020204" pitchFamily="34" charset="-122"/>
+              </a:rPr>
+              <a:t>压缩包</a:t>
+            </a:r>
+            <a:r>
+              <a:rPr lang="zh-CN" altLang="en-US" sz="2400" dirty="0">
+                <a:latin typeface="微软雅黑" panose="020B0503020204020204" pitchFamily="34" charset="-122"/>
+              </a:rPr>
+              <a:t>与</a:t>
+            </a:r>
+            <a:r>
+              <a:rPr lang="zh-CN" altLang="en-US" sz="2400" b="1" dirty="0">
+                <a:latin typeface="微软雅黑" panose="020B0503020204020204" pitchFamily="34" charset="-122"/>
+              </a:rPr>
+              <a:t>邮件主题</a:t>
+            </a:r>
+            <a:r>
+              <a:rPr lang="zh-CN" altLang="en-US" sz="2400" dirty="0">
+                <a:latin typeface="微软雅黑" panose="020B0503020204020204" pitchFamily="34" charset="-122"/>
+              </a:rPr>
+              <a:t>的命名要求</a:t>
+            </a:r>
+            <a:r>
+              <a:rPr lang="zh-CN" altLang="en-US" sz="2400" dirty="0">
+                <a:solidFill>
+                  <a:srgbClr val="C00000"/>
+                </a:solidFill>
+                <a:latin typeface="微软雅黑" panose="020B0503020204020204" pitchFamily="34" charset="-122"/>
+              </a:rPr>
+              <a:t>（非常重要！）</a:t>
+            </a:r>
+            <a:endParaRPr lang="en-US" altLang="zh-CN" sz="2400" dirty="0">
+              <a:solidFill>
+                <a:srgbClr val="C00000"/>
+              </a:solidFill>
+              <a:latin typeface="微软雅黑" panose="020B0503020204020204" pitchFamily="34" charset="-122"/>
+            </a:endParaRPr>
+          </a:p>
+          <a:p>
+            <a:r>
+              <a:rPr lang="zh-CN" altLang="en-US" sz="2400" b="1" dirty="0">
+                <a:solidFill>
+                  <a:srgbClr val="C00000"/>
+                </a:solidFill>
+                <a:latin typeface="微软雅黑" panose="020B0503020204020204" pitchFamily="34" charset="-122"/>
+              </a:rPr>
+              <a:t>实验序次</a:t>
+            </a:r>
+            <a:r>
+              <a:rPr lang="en-US" altLang="zh-CN" sz="2400" b="1" dirty="0">
+                <a:solidFill>
+                  <a:srgbClr val="C00000"/>
+                </a:solidFill>
+                <a:latin typeface="微软雅黑" panose="020B0503020204020204" pitchFamily="34" charset="-122"/>
+              </a:rPr>
+              <a:t>_</a:t>
+            </a:r>
+            <a:r>
+              <a:rPr lang="zh-CN" altLang="en-US" sz="2400" b="1" dirty="0">
+                <a:solidFill>
+                  <a:srgbClr val="C00000"/>
+                </a:solidFill>
+                <a:latin typeface="微软雅黑" panose="020B0503020204020204" pitchFamily="34" charset="-122"/>
+              </a:rPr>
+              <a:t>姓名</a:t>
+            </a:r>
+            <a:r>
+              <a:rPr lang="en-US" altLang="zh-CN" sz="2400" b="1" dirty="0">
+                <a:solidFill>
+                  <a:srgbClr val="C00000"/>
+                </a:solidFill>
+                <a:latin typeface="微软雅黑" panose="020B0503020204020204" pitchFamily="34" charset="-122"/>
+              </a:rPr>
+              <a:t>_</a:t>
+            </a:r>
+            <a:r>
+              <a:rPr lang="zh-CN" altLang="en-US" sz="2400" b="1" dirty="0">
+                <a:solidFill>
+                  <a:srgbClr val="C00000"/>
+                </a:solidFill>
+                <a:latin typeface="微软雅黑" panose="020B0503020204020204" pitchFamily="34" charset="-122"/>
+              </a:rPr>
+              <a:t>学号</a:t>
+            </a:r>
+            <a:r>
+              <a:rPr lang="en-US" altLang="zh-CN" sz="2400" b="1" dirty="0">
+                <a:solidFill>
+                  <a:srgbClr val="C00000"/>
+                </a:solidFill>
+                <a:latin typeface="微软雅黑" panose="020B0503020204020204" pitchFamily="34" charset="-122"/>
+              </a:rPr>
+              <a:t>    </a:t>
+            </a:r>
+            <a:r>
+              <a:rPr lang="zh-CN" altLang="en-US" sz="2400" dirty="0">
+                <a:latin typeface="微软雅黑" panose="020B0503020204020204" pitchFamily="34" charset="-122"/>
+              </a:rPr>
+              <a:t>举例：</a:t>
+            </a:r>
+            <a:r>
+              <a:rPr lang="en-US" altLang="zh-CN" sz="2400" b="1" dirty="0">
+                <a:solidFill>
+                  <a:srgbClr val="C00000"/>
+                </a:solidFill>
+                <a:latin typeface="微软雅黑" panose="020B0503020204020204" pitchFamily="34" charset="-122"/>
+              </a:rPr>
+              <a:t>lab5_</a:t>
+            </a:r>
+            <a:r>
+              <a:rPr lang="zh-CN" altLang="en-US" sz="2400" b="1" dirty="0">
+                <a:solidFill>
+                  <a:srgbClr val="C00000"/>
+                </a:solidFill>
+                <a:latin typeface="微软雅黑" panose="020B0503020204020204" pitchFamily="34" charset="-122"/>
+              </a:rPr>
+              <a:t>王东南</a:t>
+            </a:r>
+            <a:r>
+              <a:rPr lang="en-US" altLang="zh-CN" sz="2400" b="1" dirty="0">
+                <a:solidFill>
+                  <a:srgbClr val="C00000"/>
+                </a:solidFill>
+                <a:latin typeface="微软雅黑" panose="020B0503020204020204" pitchFamily="34" charset="-122"/>
+              </a:rPr>
+              <a:t>_JS221001.rar</a:t>
+            </a:r>
+          </a:p>
+        </p:txBody>
+      </p:sp>
+      <p:sp>
+        <p:nvSpPr>
+          <p:cNvPr id="8" name="文本框 7">
+            <a:extLst>
+              <a:ext uri="{FF2B5EF4-FFF2-40B4-BE49-F238E27FC236}">
+                <a16:creationId xmlns:a16="http://schemas.microsoft.com/office/drawing/2014/main" id="{4F88BBE7-F018-4183-BBAB-1D9799DBF538}"/>
+              </a:ext>
+            </a:extLst>
+          </p:cNvPr>
+          <p:cNvSpPr txBox="1"/>
+          <p:nvPr/>
+        </p:nvSpPr>
+        <p:spPr>
+          <a:xfrm>
+            <a:off x="8227968" y="6220128"/>
+            <a:ext cx="3712096" cy="369332"/>
+          </a:xfrm>
+          <a:prstGeom prst="rect">
+            <a:avLst/>
+          </a:prstGeom>
+          <a:noFill/>
+          <a:ln>
+            <a:solidFill>
+              <a:srgbClr val="C00000"/>
+            </a:solidFill>
+          </a:ln>
+        </p:spPr>
+        <p:txBody>
+          <a:bodyPr wrap="square">
+            <a:spAutoFit/>
+          </a:bodyPr>
+          <a:lstStyle/>
+          <a:p>
+            <a:r>
+              <a:rPr lang="zh-CN" altLang="en-US" b="1" dirty="0">
+                <a:solidFill>
+                  <a:srgbClr val="C00000"/>
+                </a:solidFill>
+                <a:latin typeface="微软雅黑" panose="020B0503020204020204" pitchFamily="34" charset="-122"/>
+              </a:rPr>
+              <a:t>提交截止日期：</a:t>
+            </a:r>
+            <a:r>
+              <a:rPr lang="en-US" altLang="zh-CN" b="1" dirty="0">
+                <a:solidFill>
+                  <a:srgbClr val="C00000"/>
+                </a:solidFill>
+                <a:latin typeface="微软雅黑" panose="020B0503020204020204" pitchFamily="34" charset="-122"/>
+              </a:rPr>
+              <a:t>12</a:t>
+            </a:r>
+            <a:r>
+              <a:rPr lang="zh-CN" altLang="en-US" b="1" dirty="0">
+                <a:solidFill>
+                  <a:srgbClr val="C00000"/>
+                </a:solidFill>
+                <a:latin typeface="微软雅黑" panose="020B0503020204020204" pitchFamily="34" charset="-122"/>
+              </a:rPr>
+              <a:t>月</a:t>
+            </a:r>
+            <a:r>
+              <a:rPr lang="en-US" altLang="zh-CN" b="1" dirty="0">
+                <a:solidFill>
+                  <a:srgbClr val="C00000"/>
+                </a:solidFill>
+                <a:latin typeface="微软雅黑" panose="020B0503020204020204" pitchFamily="34" charset="-122"/>
+              </a:rPr>
+              <a:t>5</a:t>
+            </a:r>
+            <a:r>
+              <a:rPr lang="zh-CN" altLang="en-US" b="1" dirty="0">
+                <a:solidFill>
+                  <a:srgbClr val="C00000"/>
+                </a:solidFill>
+                <a:latin typeface="微软雅黑" panose="020B0503020204020204" pitchFamily="34" charset="-122"/>
+              </a:rPr>
+              <a:t>日</a:t>
+            </a:r>
+            <a:r>
+              <a:rPr lang="en-US" altLang="zh-CN" b="1" dirty="0">
+                <a:solidFill>
+                  <a:srgbClr val="C00000"/>
+                </a:solidFill>
+                <a:latin typeface="微软雅黑" panose="020B0503020204020204" pitchFamily="34" charset="-122"/>
+              </a:rPr>
+              <a:t>24:00</a:t>
+            </a:r>
+            <a:endParaRPr lang="zh-CN" altLang="en-US" dirty="0"/>
+          </a:p>
+        </p:txBody>
+      </p:sp>
+      <p:sp>
+        <p:nvSpPr>
+          <p:cNvPr id="10" name="文本框 9">
+            <a:extLst>
+              <a:ext uri="{FF2B5EF4-FFF2-40B4-BE49-F238E27FC236}">
+                <a16:creationId xmlns:a16="http://schemas.microsoft.com/office/drawing/2014/main" id="{43492DD3-6B69-4513-9A24-B2945621A06F}"/>
+              </a:ext>
+            </a:extLst>
+          </p:cNvPr>
+          <p:cNvSpPr txBox="1"/>
+          <p:nvPr/>
+        </p:nvSpPr>
+        <p:spPr>
+          <a:xfrm>
+            <a:off x="1144884" y="2333200"/>
+            <a:ext cx="1686680" cy="369332"/>
+          </a:xfrm>
+          <a:prstGeom prst="rect">
+            <a:avLst/>
+          </a:prstGeom>
+          <a:noFill/>
+          <a:ln>
+            <a:solidFill>
+              <a:schemeClr val="tx1"/>
+            </a:solidFill>
+          </a:ln>
+        </p:spPr>
+        <p:txBody>
+          <a:bodyPr wrap="none" rtlCol="0">
+            <a:spAutoFit/>
+          </a:bodyPr>
+          <a:lstStyle/>
+          <a:p>
+            <a:r>
+              <a:rPr lang="en-US" altLang="zh-CN" dirty="0"/>
+              <a:t>Sample Output</a:t>
+            </a:r>
+            <a:endParaRPr lang="zh-CN" altLang="en-US" dirty="0"/>
+          </a:p>
+        </p:txBody>
+      </p:sp>
+      <p:pic>
+        <p:nvPicPr>
+          <p:cNvPr id="11" name="图片 10">
+            <a:extLst>
+              <a:ext uri="{FF2B5EF4-FFF2-40B4-BE49-F238E27FC236}">
+                <a16:creationId xmlns:a16="http://schemas.microsoft.com/office/drawing/2014/main" id="{97AEA59A-7F6C-416B-B373-B4A8C874BD59}"/>
+              </a:ext>
+            </a:extLst>
+          </p:cNvPr>
+          <p:cNvPicPr>
+            <a:picLocks noChangeAspect="1"/>
+          </p:cNvPicPr>
+          <p:nvPr/>
+        </p:nvPicPr>
+        <p:blipFill>
+          <a:blip r:embed="rId3"/>
+          <a:stretch>
+            <a:fillRect/>
+          </a:stretch>
+        </p:blipFill>
+        <p:spPr>
+          <a:xfrm>
+            <a:off x="3305143" y="2133652"/>
+            <a:ext cx="4761905" cy="1104762"/>
+          </a:xfrm>
+          <a:prstGeom prst="rect">
+            <a:avLst/>
+          </a:prstGeom>
+        </p:spPr>
+      </p:pic>
+    </p:spTree>
+    <p:extLst>
+      <p:ext uri="{BB962C8B-B14F-4D97-AF65-F5344CB8AC3E}">
+        <p14:creationId xmlns:p14="http://schemas.microsoft.com/office/powerpoint/2010/main" val="3449671264"/>
+      </p:ext>
+    </p:extLst>
+  </p:cSld>
+  <p:clrMapOvr>
+    <a:masterClrMapping/>
+  </p:clrMapOvr>
+  <p:timing>
+    <p:tnLst>
+      <p:par>
+        <p:cTn id="1" dur="indefinite" restart="never" nodeType="tmRoot">
+          <p:childTnLst>
+            <p:seq concurrent="1" nextAc="seek">
+              <p:cTn id="2" dur="indefinite" nodeType="mainSeq">
+                <p:childTnLst>
+                  <p:par>
+                    <p:cTn id="3" fill="hold">
+                      <p:stCondLst>
+                        <p:cond delay="indefinite"/>
+                      </p:stCondLst>
+                      <p:childTnLst>
+                        <p:par>
+                          <p:cTn id="4" fill="hold">
+                            <p:stCondLst>
+                              <p:cond delay="0"/>
+                            </p:stCondLst>
+                            <p:childTnLst>
+                              <p:par>
+                                <p:cTn id="5" presetID="22" presetClass="entr" presetSubtype="8" fill="hold" nodeType="clickEffect">
+                                  <p:stCondLst>
+                                    <p:cond delay="0"/>
+                                  </p:stCondLst>
+                                  <p:childTnLst>
+                                    <p:set>
+                                      <p:cBhvr>
+                                        <p:cTn id="6" dur="1" fill="hold">
+                                          <p:stCondLst>
+                                            <p:cond delay="0"/>
+                                          </p:stCondLst>
+                                        </p:cTn>
+                                        <p:tgtEl>
+                                          <p:spTgt spid="6">
+                                            <p:txEl>
+                                              <p:pRg st="0" end="0"/>
+                                            </p:txEl>
+                                          </p:spTgt>
+                                        </p:tgtEl>
+                                        <p:attrNameLst>
+                                          <p:attrName>style.visibility</p:attrName>
+                                        </p:attrNameLst>
+                                      </p:cBhvr>
+                                      <p:to>
+                                        <p:strVal val="visible"/>
+                                      </p:to>
+                                    </p:set>
+                                    <p:animEffect transition="in" filter="wipe(left)">
+                                      <p:cBhvr>
+                                        <p:cTn id="7" dur="500"/>
+                                        <p:tgtEl>
+                                          <p:spTgt spid="6">
+                                            <p:txEl>
+                                              <p:pRg st="0" end="0"/>
+                                            </p:txEl>
+                                          </p:spTgt>
+                                        </p:tgtEl>
+                                      </p:cBhvr>
+                                    </p:animEffect>
+                                  </p:childTnLst>
+                                </p:cTn>
+                              </p:par>
+                            </p:childTnLst>
+                          </p:cTn>
+                        </p:par>
+                        <p:par>
+                          <p:cTn id="8" fill="hold">
+                            <p:stCondLst>
+                              <p:cond delay="500"/>
+                            </p:stCondLst>
+                            <p:childTnLst>
+                              <p:par>
+                                <p:cTn id="9" presetID="22" presetClass="entr" presetSubtype="8" fill="hold" nodeType="afterEffect">
+                                  <p:stCondLst>
+                                    <p:cond delay="0"/>
+                                  </p:stCondLst>
+                                  <p:childTnLst>
+                                    <p:set>
+                                      <p:cBhvr>
+                                        <p:cTn id="10" dur="1" fill="hold">
+                                          <p:stCondLst>
+                                            <p:cond delay="0"/>
+                                          </p:stCondLst>
+                                        </p:cTn>
+                                        <p:tgtEl>
+                                          <p:spTgt spid="7">
+                                            <p:txEl>
+                                              <p:pRg st="2" end="2"/>
+                                            </p:txEl>
+                                          </p:spTgt>
+                                        </p:tgtEl>
+                                        <p:attrNameLst>
+                                          <p:attrName>style.visibility</p:attrName>
+                                        </p:attrNameLst>
+                                      </p:cBhvr>
+                                      <p:to>
+                                        <p:strVal val="visible"/>
+                                      </p:to>
+                                    </p:set>
+                                    <p:animEffect transition="in" filter="wipe(left)">
+                                      <p:cBhvr>
+                                        <p:cTn id="11" dur="500"/>
+                                        <p:tgtEl>
+                                          <p:spTgt spid="7">
                                             <p:txEl>
                                               <p:pRg st="2" end="2"/>
                                             </p:txEl>

--- a/labs requirements.pptx
+++ b/labs requirements.pptx
@@ -16,6 +16,8 @@
     <p:sldId id="266" r:id="rId10"/>
     <p:sldId id="264" r:id="rId11"/>
     <p:sldId id="267" r:id="rId12"/>
+    <p:sldId id="268" r:id="rId13"/>
+    <p:sldId id="269" r:id="rId14"/>
   </p:sldIdLst>
   <p:sldSz cx="12192000" cy="6858000"/>
   <p:notesSz cx="6858000" cy="9144000"/>
@@ -269,7 +271,7 @@
           <a:p>
             <a:fld id="{FCD1B0E7-7A14-43A7-8971-2F83AC4B4961}" type="datetimeFigureOut">
               <a:rPr lang="zh-CN" altLang="en-US" smtClean="0"/>
-              <a:t>2021/11/23</a:t>
+              <a:t>2021/12/7</a:t>
             </a:fld>
             <a:endParaRPr lang="zh-CN" altLang="en-US"/>
           </a:p>
@@ -467,7 +469,7 @@
           <a:p>
             <a:fld id="{FCD1B0E7-7A14-43A7-8971-2F83AC4B4961}" type="datetimeFigureOut">
               <a:rPr lang="zh-CN" altLang="en-US" smtClean="0"/>
-              <a:t>2021/11/23</a:t>
+              <a:t>2021/12/7</a:t>
             </a:fld>
             <a:endParaRPr lang="zh-CN" altLang="en-US"/>
           </a:p>
@@ -675,7 +677,7 @@
           <a:p>
             <a:fld id="{FCD1B0E7-7A14-43A7-8971-2F83AC4B4961}" type="datetimeFigureOut">
               <a:rPr lang="zh-CN" altLang="en-US" smtClean="0"/>
-              <a:t>2021/11/23</a:t>
+              <a:t>2021/12/7</a:t>
             </a:fld>
             <a:endParaRPr lang="zh-CN" altLang="en-US"/>
           </a:p>
@@ -873,7 +875,7 @@
           <a:p>
             <a:fld id="{FCD1B0E7-7A14-43A7-8971-2F83AC4B4961}" type="datetimeFigureOut">
               <a:rPr lang="zh-CN" altLang="en-US" smtClean="0"/>
-              <a:t>2021/11/23</a:t>
+              <a:t>2021/12/7</a:t>
             </a:fld>
             <a:endParaRPr lang="zh-CN" altLang="en-US"/>
           </a:p>
@@ -1148,7 +1150,7 @@
           <a:p>
             <a:fld id="{FCD1B0E7-7A14-43A7-8971-2F83AC4B4961}" type="datetimeFigureOut">
               <a:rPr lang="zh-CN" altLang="en-US" smtClean="0"/>
-              <a:t>2021/11/23</a:t>
+              <a:t>2021/12/7</a:t>
             </a:fld>
             <a:endParaRPr lang="zh-CN" altLang="en-US"/>
           </a:p>
@@ -1413,7 +1415,7 @@
           <a:p>
             <a:fld id="{FCD1B0E7-7A14-43A7-8971-2F83AC4B4961}" type="datetimeFigureOut">
               <a:rPr lang="zh-CN" altLang="en-US" smtClean="0"/>
-              <a:t>2021/11/23</a:t>
+              <a:t>2021/12/7</a:t>
             </a:fld>
             <a:endParaRPr lang="zh-CN" altLang="en-US"/>
           </a:p>
@@ -1825,7 +1827,7 @@
           <a:p>
             <a:fld id="{FCD1B0E7-7A14-43A7-8971-2F83AC4B4961}" type="datetimeFigureOut">
               <a:rPr lang="zh-CN" altLang="en-US" smtClean="0"/>
-              <a:t>2021/11/23</a:t>
+              <a:t>2021/12/7</a:t>
             </a:fld>
             <a:endParaRPr lang="zh-CN" altLang="en-US"/>
           </a:p>
@@ -1966,7 +1968,7 @@
           <a:p>
             <a:fld id="{FCD1B0E7-7A14-43A7-8971-2F83AC4B4961}" type="datetimeFigureOut">
               <a:rPr lang="zh-CN" altLang="en-US" smtClean="0"/>
-              <a:t>2021/11/23</a:t>
+              <a:t>2021/12/7</a:t>
             </a:fld>
             <a:endParaRPr lang="zh-CN" altLang="en-US"/>
           </a:p>
@@ -2079,7 +2081,7 @@
           <a:p>
             <a:fld id="{FCD1B0E7-7A14-43A7-8971-2F83AC4B4961}" type="datetimeFigureOut">
               <a:rPr lang="zh-CN" altLang="en-US" smtClean="0"/>
-              <a:t>2021/11/23</a:t>
+              <a:t>2021/12/7</a:t>
             </a:fld>
             <a:endParaRPr lang="zh-CN" altLang="en-US"/>
           </a:p>
@@ -2390,7 +2392,7 @@
           <a:p>
             <a:fld id="{FCD1B0E7-7A14-43A7-8971-2F83AC4B4961}" type="datetimeFigureOut">
               <a:rPr lang="zh-CN" altLang="en-US" smtClean="0"/>
-              <a:t>2021/11/23</a:t>
+              <a:t>2021/12/7</a:t>
             </a:fld>
             <a:endParaRPr lang="zh-CN" altLang="en-US"/>
           </a:p>
@@ -2678,7 +2680,7 @@
           <a:p>
             <a:fld id="{FCD1B0E7-7A14-43A7-8971-2F83AC4B4961}" type="datetimeFigureOut">
               <a:rPr lang="zh-CN" altLang="en-US" smtClean="0"/>
-              <a:t>2021/11/23</a:t>
+              <a:t>2021/12/7</a:t>
             </a:fld>
             <a:endParaRPr lang="zh-CN" altLang="en-US"/>
           </a:p>
@@ -2919,7 +2921,7 @@
           <a:p>
             <a:fld id="{FCD1B0E7-7A14-43A7-8971-2F83AC4B4961}" type="datetimeFigureOut">
               <a:rPr lang="zh-CN" altLang="en-US" smtClean="0"/>
-              <a:t>2021/11/23</a:t>
+              <a:t>2021/12/7</a:t>
             </a:fld>
             <a:endParaRPr lang="zh-CN" altLang="en-US"/>
           </a:p>
@@ -5465,6 +5467,1156 @@
                                         <p:cTn id="11" dur="500"/>
                                         <p:tgtEl>
                                           <p:spTgt spid="7">
+                                            <p:txEl>
+                                              <p:pRg st="2" end="2"/>
+                                            </p:txEl>
+                                          </p:spTgt>
+                                        </p:tgtEl>
+                                      </p:cBhvr>
+                                    </p:animEffect>
+                                  </p:childTnLst>
+                                </p:cTn>
+                              </p:par>
+                            </p:childTnLst>
+                          </p:cTn>
+                        </p:par>
+                      </p:childTnLst>
+                    </p:cTn>
+                  </p:par>
+                </p:childTnLst>
+              </p:cTn>
+              <p:prevCondLst>
+                <p:cond evt="onPrev" delay="0">
+                  <p:tgtEl>
+                    <p:sldTgt/>
+                  </p:tgtEl>
+                </p:cond>
+              </p:prevCondLst>
+              <p:nextCondLst>
+                <p:cond evt="onNext" delay="0">
+                  <p:tgtEl>
+                    <p:sldTgt/>
+                  </p:tgtEl>
+                </p:cond>
+              </p:nextCondLst>
+            </p:seq>
+          </p:childTnLst>
+        </p:cTn>
+      </p:par>
+    </p:tnLst>
+  </p:timing>
+</p:sld>
+</file>
+
+<file path=ppt/slides/slide12.xml><?xml version="1.0" encoding="utf-8"?>
+<p:sld xmlns:a="http://schemas.openxmlformats.org/drawingml/2006/main" xmlns:r="http://schemas.openxmlformats.org/officeDocument/2006/relationships" xmlns:p="http://schemas.openxmlformats.org/presentationml/2006/main">
+  <p:cSld>
+    <p:spTree>
+      <p:nvGrpSpPr>
+        <p:cNvPr id="1" name=""/>
+        <p:cNvGrpSpPr/>
+        <p:nvPr/>
+      </p:nvGrpSpPr>
+      <p:grpSpPr>
+        <a:xfrm>
+          <a:off x="0" y="0"/>
+          <a:ext cx="0" cy="0"/>
+          <a:chOff x="0" y="0"/>
+          <a:chExt cx="0" cy="0"/>
+        </a:xfrm>
+      </p:grpSpPr>
+      <p:sp>
+        <p:nvSpPr>
+          <p:cNvPr id="4" name="标题 1">
+            <a:extLst>
+              <a:ext uri="{FF2B5EF4-FFF2-40B4-BE49-F238E27FC236}">
+                <a16:creationId xmlns:a16="http://schemas.microsoft.com/office/drawing/2014/main" id="{9643B484-6D14-4189-9538-FE4A24934581}"/>
+              </a:ext>
+            </a:extLst>
+          </p:cNvPr>
+          <p:cNvSpPr txBox="1">
+            <a:spLocks/>
+          </p:cNvSpPr>
+          <p:nvPr/>
+        </p:nvSpPr>
+        <p:spPr>
+          <a:xfrm>
+            <a:off x="838200" y="94924"/>
+            <a:ext cx="10515600" cy="894622"/>
+          </a:xfrm>
+          <a:prstGeom prst="rect">
+            <a:avLst/>
+          </a:prstGeom>
+        </p:spPr>
+        <p:txBody>
+          <a:bodyPr vert="horz" lIns="91440" tIns="45720" rIns="91440" bIns="45720" rtlCol="0" anchor="b">
+            <a:normAutofit/>
+          </a:bodyPr>
+          <a:lstStyle>
+            <a:lvl1pPr algn="ctr" defTabSz="914400" rtl="0" eaLnBrk="1" latinLnBrk="0" hangingPunct="1">
+              <a:lnSpc>
+                <a:spcPct val="90000"/>
+              </a:lnSpc>
+              <a:spcBef>
+                <a:spcPct val="0"/>
+              </a:spcBef>
+              <a:buNone/>
+              <a:defRPr sz="6000" kern="1200">
+                <a:solidFill>
+                  <a:schemeClr val="tx1"/>
+                </a:solidFill>
+                <a:latin typeface="+mj-lt"/>
+                <a:ea typeface="+mj-ea"/>
+                <a:cs typeface="+mj-cs"/>
+              </a:defRPr>
+            </a:lvl1pPr>
+          </a:lstStyle>
+          <a:p>
+            <a:r>
+              <a:rPr lang="en-US" altLang="zh-CN" sz="4800" dirty="0">
+                <a:solidFill>
+                  <a:srgbClr val="002060"/>
+                </a:solidFill>
+              </a:rPr>
+              <a:t>Lab6 Requirements </a:t>
+            </a:r>
+            <a:endParaRPr lang="zh-CN" altLang="en-US" sz="4800" dirty="0">
+              <a:solidFill>
+                <a:srgbClr val="002060"/>
+              </a:solidFill>
+            </a:endParaRPr>
+          </a:p>
+        </p:txBody>
+      </p:sp>
+      <p:sp>
+        <p:nvSpPr>
+          <p:cNvPr id="6" name="矩形 5">
+            <a:extLst>
+              <a:ext uri="{FF2B5EF4-FFF2-40B4-BE49-F238E27FC236}">
+                <a16:creationId xmlns:a16="http://schemas.microsoft.com/office/drawing/2014/main" id="{A6C00D61-029B-4EBC-B6D9-27C530CEE011}"/>
+              </a:ext>
+            </a:extLst>
+          </p:cNvPr>
+          <p:cNvSpPr/>
+          <p:nvPr/>
+        </p:nvSpPr>
+        <p:spPr>
+          <a:xfrm>
+            <a:off x="776056" y="976180"/>
+            <a:ext cx="10844814" cy="3905043"/>
+          </a:xfrm>
+          <a:prstGeom prst="rect">
+            <a:avLst/>
+          </a:prstGeom>
+        </p:spPr>
+        <p:txBody>
+          <a:bodyPr wrap="square">
+            <a:spAutoFit/>
+          </a:bodyPr>
+          <a:lstStyle/>
+          <a:p>
+            <a:pPr>
+              <a:buFont typeface="Wingdings" pitchFamily="2" charset="2"/>
+              <a:buChar char="Ø"/>
+            </a:pPr>
+            <a:r>
+              <a:rPr lang="zh-CN" altLang="en-US" sz="2400" dirty="0">
+                <a:latin typeface="微软雅黑" panose="020B0503020204020204" pitchFamily="34" charset="-122"/>
+              </a:rPr>
+              <a:t>完成实验指导书上实验作业</a:t>
+            </a:r>
+            <a:r>
+              <a:rPr lang="en-US" altLang="zh-CN" sz="2400" dirty="0">
+                <a:latin typeface="微软雅黑" panose="020B0503020204020204" pitchFamily="34" charset="-122"/>
+              </a:rPr>
+              <a:t>Lab6</a:t>
+            </a:r>
+            <a:r>
+              <a:rPr lang="zh-CN" altLang="en-US" sz="2400" dirty="0">
+                <a:latin typeface="微软雅黑" panose="020B0503020204020204" pitchFamily="34" charset="-122"/>
+              </a:rPr>
+              <a:t>规定的</a:t>
+            </a:r>
+            <a:r>
+              <a:rPr lang="en-US" altLang="zh-CN" sz="2400" dirty="0">
+                <a:latin typeface="微软雅黑" panose="020B0503020204020204" pitchFamily="34" charset="-122"/>
+              </a:rPr>
+              <a:t>Ex1~Ex4</a:t>
+            </a:r>
+          </a:p>
+          <a:p>
+            <a:pPr>
+              <a:buFont typeface="Wingdings" pitchFamily="2" charset="2"/>
+              <a:buChar char="Ø"/>
+            </a:pPr>
+            <a:r>
+              <a:rPr lang="zh-CN" altLang="en-US" sz="2400" dirty="0">
+                <a:latin typeface="微软雅黑" panose="020B0503020204020204" pitchFamily="34" charset="-122"/>
+              </a:rPr>
+              <a:t>其中</a:t>
+            </a:r>
+            <a:r>
+              <a:rPr lang="en-US" altLang="zh-CN" sz="2400" dirty="0">
+                <a:latin typeface="微软雅黑" panose="020B0503020204020204" pitchFamily="34" charset="-122"/>
+              </a:rPr>
+              <a:t>Ex2</a:t>
+            </a:r>
+            <a:r>
+              <a:rPr lang="zh-CN" altLang="en-US" sz="2400" dirty="0">
+                <a:latin typeface="微软雅黑" panose="020B0503020204020204" pitchFamily="34" charset="-122"/>
+              </a:rPr>
+              <a:t>的题目为</a:t>
+            </a:r>
+            <a:endParaRPr lang="en-US" altLang="zh-CN" sz="2400" dirty="0">
+              <a:latin typeface="微软雅黑" panose="020B0503020204020204" pitchFamily="34" charset="-122"/>
+            </a:endParaRPr>
+          </a:p>
+          <a:p>
+            <a:pPr>
+              <a:buFont typeface="Wingdings" pitchFamily="2" charset="2"/>
+              <a:buChar char="Ø"/>
+            </a:pPr>
+            <a:endParaRPr lang="en-US" altLang="zh-CN" sz="2400" dirty="0">
+              <a:latin typeface="微软雅黑" panose="020B0503020204020204" pitchFamily="34" charset="-122"/>
+            </a:endParaRPr>
+          </a:p>
+          <a:p>
+            <a:endParaRPr lang="en-US" altLang="zh-CN" sz="2400" dirty="0">
+              <a:latin typeface="微软雅黑" panose="020B0503020204020204" pitchFamily="34" charset="-122"/>
+            </a:endParaRPr>
+          </a:p>
+          <a:p>
+            <a:pPr>
+              <a:buFont typeface="Wingdings" pitchFamily="2" charset="2"/>
+              <a:buChar char="Ø"/>
+            </a:pPr>
+            <a:endParaRPr lang="en-US" altLang="zh-CN" sz="2400" dirty="0">
+              <a:latin typeface="微软雅黑" panose="020B0503020204020204" pitchFamily="34" charset="-122"/>
+            </a:endParaRPr>
+          </a:p>
+          <a:p>
+            <a:pPr>
+              <a:buFont typeface="Wingdings" pitchFamily="2" charset="2"/>
+              <a:buChar char="Ø"/>
+            </a:pPr>
+            <a:endParaRPr lang="en-US" altLang="zh-CN" sz="2400" dirty="0">
+              <a:latin typeface="微软雅黑" panose="020B0503020204020204" pitchFamily="34" charset="-122"/>
+            </a:endParaRPr>
+          </a:p>
+          <a:p>
+            <a:pPr>
+              <a:buFont typeface="Wingdings" pitchFamily="2" charset="2"/>
+              <a:buChar char="Ø"/>
+            </a:pPr>
+            <a:endParaRPr lang="en-US" altLang="zh-CN" sz="2400" dirty="0">
+              <a:latin typeface="微软雅黑" panose="020B0503020204020204" pitchFamily="34" charset="-122"/>
+            </a:endParaRPr>
+          </a:p>
+          <a:p>
+            <a:pPr>
+              <a:buFont typeface="Wingdings" pitchFamily="2" charset="2"/>
+              <a:buChar char="Ø"/>
+            </a:pPr>
+            <a:endParaRPr lang="en-US" altLang="zh-CN" sz="2400" dirty="0">
+              <a:latin typeface="微软雅黑" panose="020B0503020204020204" pitchFamily="34" charset="-122"/>
+            </a:endParaRPr>
+          </a:p>
+          <a:p>
+            <a:pPr>
+              <a:buFont typeface="Wingdings" pitchFamily="2" charset="2"/>
+              <a:buChar char="Ø"/>
+            </a:pPr>
+            <a:endParaRPr lang="en-US" altLang="zh-CN" sz="2400" dirty="0">
+              <a:latin typeface="微软雅黑" panose="020B0503020204020204" pitchFamily="34" charset="-122"/>
+            </a:endParaRPr>
+          </a:p>
+          <a:p>
+            <a:pPr>
+              <a:lnSpc>
+                <a:spcPct val="150000"/>
+              </a:lnSpc>
+              <a:buFont typeface="Wingdings" pitchFamily="2" charset="2"/>
+              <a:buChar char="Ø"/>
+            </a:pPr>
+            <a:endParaRPr lang="en-US" altLang="zh-CN" sz="2400" b="1" dirty="0">
+              <a:solidFill>
+                <a:srgbClr val="C00000"/>
+              </a:solidFill>
+              <a:latin typeface="微软雅黑" panose="020B0503020204020204" pitchFamily="34" charset="-122"/>
+            </a:endParaRPr>
+          </a:p>
+        </p:txBody>
+      </p:sp>
+      <p:pic>
+        <p:nvPicPr>
+          <p:cNvPr id="3" name="图片 2">
+            <a:extLst>
+              <a:ext uri="{FF2B5EF4-FFF2-40B4-BE49-F238E27FC236}">
+                <a16:creationId xmlns:a16="http://schemas.microsoft.com/office/drawing/2014/main" id="{45189BAD-92A5-47B2-A55A-D4757D2F44EB}"/>
+              </a:ext>
+            </a:extLst>
+          </p:cNvPr>
+          <p:cNvPicPr>
+            <a:picLocks noChangeAspect="1"/>
+          </p:cNvPicPr>
+          <p:nvPr/>
+        </p:nvPicPr>
+        <p:blipFill rotWithShape="1">
+          <a:blip r:embed="rId2"/>
+          <a:srcRect b="31855"/>
+          <a:stretch/>
+        </p:blipFill>
+        <p:spPr>
+          <a:xfrm>
+            <a:off x="912749" y="2928701"/>
+            <a:ext cx="5285714" cy="648999"/>
+          </a:xfrm>
+          <a:prstGeom prst="rect">
+            <a:avLst/>
+          </a:prstGeom>
+        </p:spPr>
+      </p:pic>
+      <p:sp>
+        <p:nvSpPr>
+          <p:cNvPr id="12" name="文本框 11">
+            <a:extLst>
+              <a:ext uri="{FF2B5EF4-FFF2-40B4-BE49-F238E27FC236}">
+                <a16:creationId xmlns:a16="http://schemas.microsoft.com/office/drawing/2014/main" id="{74197408-1583-48C1-A06F-719AAE10A2E2}"/>
+              </a:ext>
+            </a:extLst>
+          </p:cNvPr>
+          <p:cNvSpPr txBox="1"/>
+          <p:nvPr/>
+        </p:nvSpPr>
+        <p:spPr>
+          <a:xfrm>
+            <a:off x="1077356" y="1814574"/>
+            <a:ext cx="4712954" cy="369332"/>
+          </a:xfrm>
+          <a:prstGeom prst="rect">
+            <a:avLst/>
+          </a:prstGeom>
+          <a:noFill/>
+        </p:spPr>
+        <p:txBody>
+          <a:bodyPr wrap="square">
+            <a:spAutoFit/>
+          </a:bodyPr>
+          <a:lstStyle/>
+          <a:p>
+            <a:r>
+              <a:rPr lang="zh-CN" altLang="en-US" dirty="0">
+                <a:solidFill>
+                  <a:srgbClr val="0070C0"/>
+                </a:solidFill>
+              </a:rPr>
+              <a:t>英文版教材</a:t>
+            </a:r>
+            <a:r>
+              <a:rPr lang="en-US" altLang="zh-CN" dirty="0">
+                <a:solidFill>
+                  <a:srgbClr val="0070C0"/>
+                </a:solidFill>
+              </a:rPr>
+              <a:t>272</a:t>
+            </a:r>
+            <a:r>
+              <a:rPr lang="zh-CN" altLang="en-US" dirty="0">
+                <a:solidFill>
+                  <a:srgbClr val="0070C0"/>
+                </a:solidFill>
+              </a:rPr>
+              <a:t>页的</a:t>
+            </a:r>
+            <a:r>
+              <a:rPr lang="en-US" altLang="zh-CN" dirty="0">
+                <a:solidFill>
+                  <a:srgbClr val="0070C0"/>
+                </a:solidFill>
+              </a:rPr>
+              <a:t>Exercise 6.37</a:t>
+            </a:r>
+            <a:endParaRPr lang="zh-CN" altLang="en-US" dirty="0">
+              <a:solidFill>
+                <a:srgbClr val="0070C0"/>
+              </a:solidFill>
+            </a:endParaRPr>
+          </a:p>
+        </p:txBody>
+      </p:sp>
+      <p:pic>
+        <p:nvPicPr>
+          <p:cNvPr id="14" name="图片 13">
+            <a:extLst>
+              <a:ext uri="{FF2B5EF4-FFF2-40B4-BE49-F238E27FC236}">
+                <a16:creationId xmlns:a16="http://schemas.microsoft.com/office/drawing/2014/main" id="{516ECA28-4502-4EFB-87A5-368D82A9EBED}"/>
+              </a:ext>
+            </a:extLst>
+          </p:cNvPr>
+          <p:cNvPicPr>
+            <a:picLocks noChangeAspect="1"/>
+          </p:cNvPicPr>
+          <p:nvPr/>
+        </p:nvPicPr>
+        <p:blipFill>
+          <a:blip r:embed="rId3"/>
+          <a:stretch>
+            <a:fillRect/>
+          </a:stretch>
+        </p:blipFill>
+        <p:spPr>
+          <a:xfrm>
+            <a:off x="1077356" y="2235807"/>
+            <a:ext cx="10515600" cy="800000"/>
+          </a:xfrm>
+          <a:prstGeom prst="rect">
+            <a:avLst/>
+          </a:prstGeom>
+        </p:spPr>
+      </p:pic>
+      <p:pic>
+        <p:nvPicPr>
+          <p:cNvPr id="16" name="图片 15">
+            <a:extLst>
+              <a:ext uri="{FF2B5EF4-FFF2-40B4-BE49-F238E27FC236}">
+                <a16:creationId xmlns:a16="http://schemas.microsoft.com/office/drawing/2014/main" id="{CA0F14DD-75A4-4DE2-BBDA-69836825ABFF}"/>
+              </a:ext>
+            </a:extLst>
+          </p:cNvPr>
+          <p:cNvPicPr>
+            <a:picLocks noChangeAspect="1"/>
+          </p:cNvPicPr>
+          <p:nvPr/>
+        </p:nvPicPr>
+        <p:blipFill>
+          <a:blip r:embed="rId4"/>
+          <a:stretch>
+            <a:fillRect/>
+          </a:stretch>
+        </p:blipFill>
+        <p:spPr>
+          <a:xfrm>
+            <a:off x="969185" y="3577700"/>
+            <a:ext cx="4734182" cy="3185376"/>
+          </a:xfrm>
+          <a:prstGeom prst="rect">
+            <a:avLst/>
+          </a:prstGeom>
+        </p:spPr>
+      </p:pic>
+      <p:pic>
+        <p:nvPicPr>
+          <p:cNvPr id="18" name="图片 17">
+            <a:extLst>
+              <a:ext uri="{FF2B5EF4-FFF2-40B4-BE49-F238E27FC236}">
+                <a16:creationId xmlns:a16="http://schemas.microsoft.com/office/drawing/2014/main" id="{02872BA7-C8C3-4B32-AB82-A2578FD27643}"/>
+              </a:ext>
+            </a:extLst>
+          </p:cNvPr>
+          <p:cNvPicPr>
+            <a:picLocks noChangeAspect="1"/>
+          </p:cNvPicPr>
+          <p:nvPr/>
+        </p:nvPicPr>
+        <p:blipFill>
+          <a:blip r:embed="rId5"/>
+          <a:stretch>
+            <a:fillRect/>
+          </a:stretch>
+        </p:blipFill>
+        <p:spPr>
+          <a:xfrm>
+            <a:off x="5234806" y="3780602"/>
+            <a:ext cx="6780909" cy="2937658"/>
+          </a:xfrm>
+          <a:prstGeom prst="rect">
+            <a:avLst/>
+          </a:prstGeom>
+        </p:spPr>
+      </p:pic>
+    </p:spTree>
+    <p:extLst>
+      <p:ext uri="{BB962C8B-B14F-4D97-AF65-F5344CB8AC3E}">
+        <p14:creationId xmlns:p14="http://schemas.microsoft.com/office/powerpoint/2010/main" val="3950464282"/>
+      </p:ext>
+    </p:extLst>
+  </p:cSld>
+  <p:clrMapOvr>
+    <a:masterClrMapping/>
+  </p:clrMapOvr>
+  <p:timing>
+    <p:tnLst>
+      <p:par>
+        <p:cTn id="1" dur="indefinite" restart="never" nodeType="tmRoot">
+          <p:childTnLst>
+            <p:seq concurrent="1" nextAc="seek">
+              <p:cTn id="2" dur="indefinite" nodeType="mainSeq">
+                <p:childTnLst>
+                  <p:par>
+                    <p:cTn id="3" fill="hold">
+                      <p:stCondLst>
+                        <p:cond delay="indefinite"/>
+                      </p:stCondLst>
+                      <p:childTnLst>
+                        <p:par>
+                          <p:cTn id="4" fill="hold">
+                            <p:stCondLst>
+                              <p:cond delay="0"/>
+                            </p:stCondLst>
+                            <p:childTnLst>
+                              <p:par>
+                                <p:cTn id="5" presetID="22" presetClass="entr" presetSubtype="8" fill="hold" nodeType="clickEffect">
+                                  <p:stCondLst>
+                                    <p:cond delay="0"/>
+                                  </p:stCondLst>
+                                  <p:childTnLst>
+                                    <p:set>
+                                      <p:cBhvr>
+                                        <p:cTn id="6" dur="1" fill="hold">
+                                          <p:stCondLst>
+                                            <p:cond delay="0"/>
+                                          </p:stCondLst>
+                                        </p:cTn>
+                                        <p:tgtEl>
+                                          <p:spTgt spid="6">
+                                            <p:txEl>
+                                              <p:pRg st="0" end="0"/>
+                                            </p:txEl>
+                                          </p:spTgt>
+                                        </p:tgtEl>
+                                        <p:attrNameLst>
+                                          <p:attrName>style.visibility</p:attrName>
+                                        </p:attrNameLst>
+                                      </p:cBhvr>
+                                      <p:to>
+                                        <p:strVal val="visible"/>
+                                      </p:to>
+                                    </p:set>
+                                    <p:animEffect transition="in" filter="wipe(left)">
+                                      <p:cBhvr>
+                                        <p:cTn id="7" dur="500"/>
+                                        <p:tgtEl>
+                                          <p:spTgt spid="6">
+                                            <p:txEl>
+                                              <p:pRg st="0" end="0"/>
+                                            </p:txEl>
+                                          </p:spTgt>
+                                        </p:tgtEl>
+                                      </p:cBhvr>
+                                    </p:animEffect>
+                                  </p:childTnLst>
+                                </p:cTn>
+                              </p:par>
+                            </p:childTnLst>
+                          </p:cTn>
+                        </p:par>
+                      </p:childTnLst>
+                    </p:cTn>
+                  </p:par>
+                  <p:par>
+                    <p:cTn id="8" fill="hold">
+                      <p:stCondLst>
+                        <p:cond delay="indefinite"/>
+                      </p:stCondLst>
+                      <p:childTnLst>
+                        <p:par>
+                          <p:cTn id="9" fill="hold">
+                            <p:stCondLst>
+                              <p:cond delay="0"/>
+                            </p:stCondLst>
+                            <p:childTnLst>
+                              <p:par>
+                                <p:cTn id="10" presetID="22" presetClass="entr" presetSubtype="8" fill="hold" nodeType="clickEffect">
+                                  <p:stCondLst>
+                                    <p:cond delay="0"/>
+                                  </p:stCondLst>
+                                  <p:childTnLst>
+                                    <p:set>
+                                      <p:cBhvr>
+                                        <p:cTn id="11" dur="1" fill="hold">
+                                          <p:stCondLst>
+                                            <p:cond delay="0"/>
+                                          </p:stCondLst>
+                                        </p:cTn>
+                                        <p:tgtEl>
+                                          <p:spTgt spid="6">
+                                            <p:txEl>
+                                              <p:pRg st="1" end="1"/>
+                                            </p:txEl>
+                                          </p:spTgt>
+                                        </p:tgtEl>
+                                        <p:attrNameLst>
+                                          <p:attrName>style.visibility</p:attrName>
+                                        </p:attrNameLst>
+                                      </p:cBhvr>
+                                      <p:to>
+                                        <p:strVal val="visible"/>
+                                      </p:to>
+                                    </p:set>
+                                    <p:animEffect transition="in" filter="wipe(left)">
+                                      <p:cBhvr>
+                                        <p:cTn id="12" dur="500"/>
+                                        <p:tgtEl>
+                                          <p:spTgt spid="6">
+                                            <p:txEl>
+                                              <p:pRg st="1" end="1"/>
+                                            </p:txEl>
+                                          </p:spTgt>
+                                        </p:tgtEl>
+                                      </p:cBhvr>
+                                    </p:animEffect>
+                                  </p:childTnLst>
+                                </p:cTn>
+                              </p:par>
+                            </p:childTnLst>
+                          </p:cTn>
+                        </p:par>
+                      </p:childTnLst>
+                    </p:cTn>
+                  </p:par>
+                </p:childTnLst>
+              </p:cTn>
+              <p:prevCondLst>
+                <p:cond evt="onPrev" delay="0">
+                  <p:tgtEl>
+                    <p:sldTgt/>
+                  </p:tgtEl>
+                </p:cond>
+              </p:prevCondLst>
+              <p:nextCondLst>
+                <p:cond evt="onNext" delay="0">
+                  <p:tgtEl>
+                    <p:sldTgt/>
+                  </p:tgtEl>
+                </p:cond>
+              </p:nextCondLst>
+            </p:seq>
+          </p:childTnLst>
+        </p:cTn>
+      </p:par>
+    </p:tnLst>
+  </p:timing>
+</p:sld>
+</file>
+
+<file path=ppt/slides/slide13.xml><?xml version="1.0" encoding="utf-8"?>
+<p:sld xmlns:a="http://schemas.openxmlformats.org/drawingml/2006/main" xmlns:r="http://schemas.openxmlformats.org/officeDocument/2006/relationships" xmlns:p="http://schemas.openxmlformats.org/presentationml/2006/main">
+  <p:cSld>
+    <p:spTree>
+      <p:nvGrpSpPr>
+        <p:cNvPr id="1" name=""/>
+        <p:cNvGrpSpPr/>
+        <p:nvPr/>
+      </p:nvGrpSpPr>
+      <p:grpSpPr>
+        <a:xfrm>
+          <a:off x="0" y="0"/>
+          <a:ext cx="0" cy="0"/>
+          <a:chOff x="0" y="0"/>
+          <a:chExt cx="0" cy="0"/>
+        </a:xfrm>
+      </p:grpSpPr>
+      <p:sp>
+        <p:nvSpPr>
+          <p:cNvPr id="4" name="标题 1">
+            <a:extLst>
+              <a:ext uri="{FF2B5EF4-FFF2-40B4-BE49-F238E27FC236}">
+                <a16:creationId xmlns:a16="http://schemas.microsoft.com/office/drawing/2014/main" id="{9643B484-6D14-4189-9538-FE4A24934581}"/>
+              </a:ext>
+            </a:extLst>
+          </p:cNvPr>
+          <p:cNvSpPr txBox="1">
+            <a:spLocks/>
+          </p:cNvSpPr>
+          <p:nvPr/>
+        </p:nvSpPr>
+        <p:spPr>
+          <a:xfrm>
+            <a:off x="838200" y="327530"/>
+            <a:ext cx="10515600" cy="894622"/>
+          </a:xfrm>
+          <a:prstGeom prst="rect">
+            <a:avLst/>
+          </a:prstGeom>
+        </p:spPr>
+        <p:txBody>
+          <a:bodyPr vert="horz" lIns="91440" tIns="45720" rIns="91440" bIns="45720" rtlCol="0" anchor="b">
+            <a:normAutofit/>
+          </a:bodyPr>
+          <a:lstStyle>
+            <a:lvl1pPr algn="ctr" defTabSz="914400" rtl="0" eaLnBrk="1" latinLnBrk="0" hangingPunct="1">
+              <a:lnSpc>
+                <a:spcPct val="90000"/>
+              </a:lnSpc>
+              <a:spcBef>
+                <a:spcPct val="0"/>
+              </a:spcBef>
+              <a:buNone/>
+              <a:defRPr sz="6000" kern="1200">
+                <a:solidFill>
+                  <a:schemeClr val="tx1"/>
+                </a:solidFill>
+                <a:latin typeface="+mj-lt"/>
+                <a:ea typeface="+mj-ea"/>
+                <a:cs typeface="+mj-cs"/>
+              </a:defRPr>
+            </a:lvl1pPr>
+          </a:lstStyle>
+          <a:p>
+            <a:r>
+              <a:rPr lang="en-US" altLang="zh-CN" sz="4800" dirty="0">
+                <a:solidFill>
+                  <a:srgbClr val="002060"/>
+                </a:solidFill>
+              </a:rPr>
+              <a:t>Lab6 Requirements </a:t>
+            </a:r>
+            <a:endParaRPr lang="zh-CN" altLang="en-US" sz="4800" dirty="0">
+              <a:solidFill>
+                <a:srgbClr val="002060"/>
+              </a:solidFill>
+            </a:endParaRPr>
+          </a:p>
+        </p:txBody>
+      </p:sp>
+      <p:sp>
+        <p:nvSpPr>
+          <p:cNvPr id="8" name="文本框 7">
+            <a:extLst>
+              <a:ext uri="{FF2B5EF4-FFF2-40B4-BE49-F238E27FC236}">
+                <a16:creationId xmlns:a16="http://schemas.microsoft.com/office/drawing/2014/main" id="{4F88BBE7-F018-4183-BBAB-1D9799DBF538}"/>
+              </a:ext>
+            </a:extLst>
+          </p:cNvPr>
+          <p:cNvSpPr txBox="1"/>
+          <p:nvPr/>
+        </p:nvSpPr>
+        <p:spPr>
+          <a:xfrm>
+            <a:off x="8227968" y="6220128"/>
+            <a:ext cx="3712096" cy="369332"/>
+          </a:xfrm>
+          <a:prstGeom prst="rect">
+            <a:avLst/>
+          </a:prstGeom>
+          <a:noFill/>
+          <a:ln>
+            <a:solidFill>
+              <a:srgbClr val="C00000"/>
+            </a:solidFill>
+          </a:ln>
+        </p:spPr>
+        <p:txBody>
+          <a:bodyPr wrap="square">
+            <a:spAutoFit/>
+          </a:bodyPr>
+          <a:lstStyle/>
+          <a:p>
+            <a:r>
+              <a:rPr lang="zh-CN" altLang="en-US" b="1" dirty="0">
+                <a:solidFill>
+                  <a:srgbClr val="C00000"/>
+                </a:solidFill>
+                <a:latin typeface="微软雅黑" panose="020B0503020204020204" pitchFamily="34" charset="-122"/>
+              </a:rPr>
+              <a:t>提交截止日期：</a:t>
+            </a:r>
+            <a:r>
+              <a:rPr lang="en-US" altLang="zh-CN" b="1" dirty="0">
+                <a:solidFill>
+                  <a:srgbClr val="C00000"/>
+                </a:solidFill>
+                <a:latin typeface="微软雅黑" panose="020B0503020204020204" pitchFamily="34" charset="-122"/>
+              </a:rPr>
+              <a:t>12</a:t>
+            </a:r>
+            <a:r>
+              <a:rPr lang="zh-CN" altLang="en-US" b="1" dirty="0">
+                <a:solidFill>
+                  <a:srgbClr val="C00000"/>
+                </a:solidFill>
+                <a:latin typeface="微软雅黑" panose="020B0503020204020204" pitchFamily="34" charset="-122"/>
+              </a:rPr>
+              <a:t>月</a:t>
+            </a:r>
+            <a:r>
+              <a:rPr lang="en-US" altLang="zh-CN" b="1" dirty="0">
+                <a:solidFill>
+                  <a:srgbClr val="C00000"/>
+                </a:solidFill>
+                <a:latin typeface="微软雅黑" panose="020B0503020204020204" pitchFamily="34" charset="-122"/>
+              </a:rPr>
+              <a:t>19</a:t>
+            </a:r>
+            <a:r>
+              <a:rPr lang="zh-CN" altLang="en-US" b="1" dirty="0">
+                <a:solidFill>
+                  <a:srgbClr val="C00000"/>
+                </a:solidFill>
+                <a:latin typeface="微软雅黑" panose="020B0503020204020204" pitchFamily="34" charset="-122"/>
+              </a:rPr>
+              <a:t>日</a:t>
+            </a:r>
+            <a:r>
+              <a:rPr lang="en-US" altLang="zh-CN" b="1" dirty="0">
+                <a:solidFill>
+                  <a:srgbClr val="C00000"/>
+                </a:solidFill>
+                <a:latin typeface="微软雅黑" panose="020B0503020204020204" pitchFamily="34" charset="-122"/>
+              </a:rPr>
+              <a:t>24:00</a:t>
+            </a:r>
+            <a:endParaRPr lang="zh-CN" altLang="en-US" dirty="0"/>
+          </a:p>
+        </p:txBody>
+      </p:sp>
+      <p:sp>
+        <p:nvSpPr>
+          <p:cNvPr id="10" name="矩形 9">
+            <a:extLst>
+              <a:ext uri="{FF2B5EF4-FFF2-40B4-BE49-F238E27FC236}">
+                <a16:creationId xmlns:a16="http://schemas.microsoft.com/office/drawing/2014/main" id="{2808CA2D-33E2-4B47-B7C1-AC3A2D1A339C}"/>
+              </a:ext>
+            </a:extLst>
+          </p:cNvPr>
+          <p:cNvSpPr/>
+          <p:nvPr/>
+        </p:nvSpPr>
+        <p:spPr>
+          <a:xfrm>
+            <a:off x="739842" y="1222152"/>
+            <a:ext cx="10844814" cy="2631490"/>
+          </a:xfrm>
+          <a:prstGeom prst="rect">
+            <a:avLst/>
+          </a:prstGeom>
+        </p:spPr>
+        <p:txBody>
+          <a:bodyPr wrap="square">
+            <a:spAutoFit/>
+          </a:bodyPr>
+          <a:lstStyle/>
+          <a:p>
+            <a:pPr>
+              <a:lnSpc>
+                <a:spcPct val="150000"/>
+              </a:lnSpc>
+              <a:buFont typeface="Wingdings" pitchFamily="2" charset="2"/>
+              <a:buChar char="Ø"/>
+            </a:pPr>
+            <a:r>
+              <a:rPr lang="zh-CN" altLang="en-US" sz="2400" b="1" dirty="0">
+                <a:solidFill>
+                  <a:srgbClr val="C00000"/>
+                </a:solidFill>
+                <a:latin typeface="微软雅黑" panose="020B0503020204020204" pitchFamily="34" charset="-122"/>
+              </a:rPr>
+              <a:t>作业提交方式：</a:t>
+            </a:r>
+            <a:br>
+              <a:rPr lang="zh-CN" altLang="en-US" sz="2400" dirty="0">
+                <a:latin typeface="微软雅黑" panose="020B0503020204020204" pitchFamily="34" charset="-122"/>
+              </a:rPr>
+            </a:br>
+            <a:r>
+              <a:rPr lang="zh-CN" altLang="en-US" dirty="0">
+                <a:latin typeface="微软雅黑" panose="020B0503020204020204" pitchFamily="34" charset="-122"/>
+              </a:rPr>
+              <a:t>每个实验（</a:t>
+            </a:r>
+            <a:r>
+              <a:rPr lang="en-US" altLang="zh-CN" dirty="0">
+                <a:latin typeface="微软雅黑" panose="020B0503020204020204" pitchFamily="34" charset="-122"/>
+              </a:rPr>
+              <a:t>EX</a:t>
+            </a:r>
+            <a:r>
+              <a:rPr lang="zh-CN" altLang="en-US" dirty="0">
+                <a:latin typeface="微软雅黑" panose="020B0503020204020204" pitchFamily="34" charset="-122"/>
+              </a:rPr>
+              <a:t>）的全部</a:t>
+            </a:r>
+            <a:r>
+              <a:rPr lang="en-US" altLang="zh-CN" dirty="0">
+                <a:latin typeface="微软雅黑" panose="020B0503020204020204" pitchFamily="34" charset="-122"/>
+              </a:rPr>
+              <a:t>CPP</a:t>
+            </a:r>
+            <a:r>
+              <a:rPr lang="zh-CN" altLang="en-US" dirty="0">
+                <a:latin typeface="微软雅黑" panose="020B0503020204020204" pitchFamily="34" charset="-122"/>
+              </a:rPr>
+              <a:t>文件以及运行成功的结果截图放在一个文件夹。</a:t>
+            </a:r>
+            <a:r>
+              <a:rPr lang="en-US" altLang="zh-CN" dirty="0">
+                <a:latin typeface="微软雅黑" panose="020B0503020204020204" pitchFamily="34" charset="-122"/>
+              </a:rPr>
+              <a:t>CPP</a:t>
+            </a:r>
+            <a:r>
+              <a:rPr lang="zh-CN" altLang="en-US" dirty="0">
+                <a:latin typeface="微软雅黑" panose="020B0503020204020204" pitchFamily="34" charset="-122"/>
+              </a:rPr>
+              <a:t>及结果文件的命名自行决定但应尽可能减轻审阅人的负担，文件夹按小实验的序号命名如</a:t>
+            </a:r>
+            <a:r>
+              <a:rPr lang="en-US" altLang="zh-CN" dirty="0">
+                <a:latin typeface="微软雅黑" panose="020B0503020204020204" pitchFamily="34" charset="-122"/>
+              </a:rPr>
+              <a:t>EX1</a:t>
+            </a:r>
+            <a:r>
+              <a:rPr lang="zh-CN" altLang="en-US" dirty="0">
+                <a:latin typeface="微软雅黑" panose="020B0503020204020204" pitchFamily="34" charset="-122"/>
+              </a:rPr>
+              <a:t>，将所有文件夹压缩为一个压缩包 </a:t>
+            </a:r>
+            <a:r>
+              <a:rPr lang="en-US" altLang="zh-CN" dirty="0">
+                <a:latin typeface="微软雅黑" panose="020B0503020204020204" pitchFamily="34" charset="-122"/>
+              </a:rPr>
+              <a:t>(</a:t>
+            </a:r>
+            <a:r>
+              <a:rPr lang="en-US" altLang="zh-CN" dirty="0" err="1">
+                <a:latin typeface="微软雅黑" panose="020B0503020204020204" pitchFamily="34" charset="-122"/>
+              </a:rPr>
+              <a:t>rar</a:t>
+            </a:r>
+            <a:r>
+              <a:rPr lang="en-US" altLang="zh-CN" dirty="0">
+                <a:latin typeface="微软雅黑" panose="020B0503020204020204" pitchFamily="34" charset="-122"/>
+              </a:rPr>
+              <a:t>/zip) </a:t>
+            </a:r>
+            <a:r>
+              <a:rPr lang="zh-CN" altLang="en-US" dirty="0">
+                <a:latin typeface="微软雅黑" panose="020B0503020204020204" pitchFamily="34" charset="-122"/>
+              </a:rPr>
+              <a:t>提交到我的邮箱 </a:t>
+            </a:r>
+            <a:r>
+              <a:rPr lang="en-US" altLang="zh-CN" b="1" u="sng" dirty="0">
+                <a:solidFill>
+                  <a:schemeClr val="accent5">
+                    <a:lumMod val="50000"/>
+                  </a:schemeClr>
+                </a:solidFill>
+                <a:latin typeface="微软雅黑" panose="020B0503020204020204" pitchFamily="34" charset="-122"/>
+                <a:hlinkClick r:id="rId2"/>
+              </a:rPr>
+              <a:t>myliu@seu.edu.cn</a:t>
+            </a:r>
+            <a:endParaRPr lang="en-US" altLang="zh-CN" b="1" dirty="0">
+              <a:solidFill>
+                <a:srgbClr val="C00000"/>
+              </a:solidFill>
+              <a:latin typeface="微软雅黑" panose="020B0503020204020204" pitchFamily="34" charset="-122"/>
+            </a:endParaRPr>
+          </a:p>
+          <a:p>
+            <a:pPr>
+              <a:buFont typeface="Wingdings" pitchFamily="2" charset="2"/>
+              <a:buChar char="Ø"/>
+            </a:pPr>
+            <a:r>
+              <a:rPr lang="zh-CN" altLang="en-US" sz="2400" b="1" dirty="0">
+                <a:latin typeface="微软雅黑" panose="020B0503020204020204" pitchFamily="34" charset="-122"/>
+              </a:rPr>
+              <a:t>压缩包</a:t>
+            </a:r>
+            <a:r>
+              <a:rPr lang="zh-CN" altLang="en-US" sz="2400" dirty="0">
+                <a:latin typeface="微软雅黑" panose="020B0503020204020204" pitchFamily="34" charset="-122"/>
+              </a:rPr>
+              <a:t>与</a:t>
+            </a:r>
+            <a:r>
+              <a:rPr lang="zh-CN" altLang="en-US" sz="2400" b="1" dirty="0">
+                <a:latin typeface="微软雅黑" panose="020B0503020204020204" pitchFamily="34" charset="-122"/>
+              </a:rPr>
+              <a:t>邮件主题</a:t>
+            </a:r>
+            <a:r>
+              <a:rPr lang="zh-CN" altLang="en-US" sz="2400" dirty="0">
+                <a:latin typeface="微软雅黑" panose="020B0503020204020204" pitchFamily="34" charset="-122"/>
+              </a:rPr>
+              <a:t>的命名要求</a:t>
+            </a:r>
+            <a:r>
+              <a:rPr lang="zh-CN" altLang="en-US" sz="2400" dirty="0">
+                <a:solidFill>
+                  <a:srgbClr val="C00000"/>
+                </a:solidFill>
+                <a:latin typeface="微软雅黑" panose="020B0503020204020204" pitchFamily="34" charset="-122"/>
+              </a:rPr>
+              <a:t>（非常重要！）</a:t>
+            </a:r>
+            <a:endParaRPr lang="en-US" altLang="zh-CN" sz="2400" dirty="0">
+              <a:solidFill>
+                <a:srgbClr val="C00000"/>
+              </a:solidFill>
+              <a:latin typeface="微软雅黑" panose="020B0503020204020204" pitchFamily="34" charset="-122"/>
+            </a:endParaRPr>
+          </a:p>
+          <a:p>
+            <a:r>
+              <a:rPr lang="zh-CN" altLang="en-US" sz="2400" b="1" dirty="0">
+                <a:solidFill>
+                  <a:srgbClr val="C00000"/>
+                </a:solidFill>
+                <a:latin typeface="微软雅黑" panose="020B0503020204020204" pitchFamily="34" charset="-122"/>
+              </a:rPr>
+              <a:t>实验序次</a:t>
+            </a:r>
+            <a:r>
+              <a:rPr lang="en-US" altLang="zh-CN" sz="2400" b="1" dirty="0">
+                <a:solidFill>
+                  <a:srgbClr val="C00000"/>
+                </a:solidFill>
+                <a:latin typeface="微软雅黑" panose="020B0503020204020204" pitchFamily="34" charset="-122"/>
+              </a:rPr>
+              <a:t>_</a:t>
+            </a:r>
+            <a:r>
+              <a:rPr lang="zh-CN" altLang="en-US" sz="2400" b="1" dirty="0">
+                <a:solidFill>
+                  <a:srgbClr val="C00000"/>
+                </a:solidFill>
+                <a:latin typeface="微软雅黑" panose="020B0503020204020204" pitchFamily="34" charset="-122"/>
+              </a:rPr>
+              <a:t>姓名</a:t>
+            </a:r>
+            <a:r>
+              <a:rPr lang="en-US" altLang="zh-CN" sz="2400" b="1" dirty="0">
+                <a:solidFill>
+                  <a:srgbClr val="C00000"/>
+                </a:solidFill>
+                <a:latin typeface="微软雅黑" panose="020B0503020204020204" pitchFamily="34" charset="-122"/>
+              </a:rPr>
+              <a:t>_</a:t>
+            </a:r>
+            <a:r>
+              <a:rPr lang="zh-CN" altLang="en-US" sz="2400" b="1" dirty="0">
+                <a:solidFill>
+                  <a:srgbClr val="C00000"/>
+                </a:solidFill>
+                <a:latin typeface="微软雅黑" panose="020B0503020204020204" pitchFamily="34" charset="-122"/>
+              </a:rPr>
+              <a:t>学号</a:t>
+            </a:r>
+            <a:r>
+              <a:rPr lang="en-US" altLang="zh-CN" sz="2400" b="1" dirty="0">
+                <a:solidFill>
+                  <a:srgbClr val="C00000"/>
+                </a:solidFill>
+                <a:latin typeface="微软雅黑" panose="020B0503020204020204" pitchFamily="34" charset="-122"/>
+              </a:rPr>
+              <a:t>    </a:t>
+            </a:r>
+            <a:r>
+              <a:rPr lang="zh-CN" altLang="en-US" sz="2400" dirty="0">
+                <a:latin typeface="微软雅黑" panose="020B0503020204020204" pitchFamily="34" charset="-122"/>
+              </a:rPr>
+              <a:t>举例：</a:t>
+            </a:r>
+            <a:r>
+              <a:rPr lang="en-US" altLang="zh-CN" sz="2400" b="1" dirty="0">
+                <a:solidFill>
+                  <a:srgbClr val="C00000"/>
+                </a:solidFill>
+                <a:latin typeface="微软雅黑" panose="020B0503020204020204" pitchFamily="34" charset="-122"/>
+              </a:rPr>
+              <a:t>lab6_</a:t>
+            </a:r>
+            <a:r>
+              <a:rPr lang="zh-CN" altLang="en-US" sz="2400" b="1" dirty="0">
+                <a:solidFill>
+                  <a:srgbClr val="C00000"/>
+                </a:solidFill>
+                <a:latin typeface="微软雅黑" panose="020B0503020204020204" pitchFamily="34" charset="-122"/>
+              </a:rPr>
+              <a:t>王东南</a:t>
+            </a:r>
+            <a:r>
+              <a:rPr lang="en-US" altLang="zh-CN" sz="2400" b="1" dirty="0">
+                <a:solidFill>
+                  <a:srgbClr val="C00000"/>
+                </a:solidFill>
+                <a:latin typeface="微软雅黑" panose="020B0503020204020204" pitchFamily="34" charset="-122"/>
+              </a:rPr>
+              <a:t>_JS221001.rar</a:t>
+            </a:r>
+          </a:p>
+        </p:txBody>
+      </p:sp>
+    </p:spTree>
+    <p:extLst>
+      <p:ext uri="{BB962C8B-B14F-4D97-AF65-F5344CB8AC3E}">
+        <p14:creationId xmlns:p14="http://schemas.microsoft.com/office/powerpoint/2010/main" val="3662795162"/>
+      </p:ext>
+    </p:extLst>
+  </p:cSld>
+  <p:clrMapOvr>
+    <a:masterClrMapping/>
+  </p:clrMapOvr>
+  <p:timing>
+    <p:tnLst>
+      <p:par>
+        <p:cTn id="1" dur="indefinite" restart="never" nodeType="tmRoot">
+          <p:childTnLst>
+            <p:seq concurrent="1" nextAc="seek">
+              <p:cTn id="2" dur="indefinite" nodeType="mainSeq">
+                <p:childTnLst>
+                  <p:par>
+                    <p:cTn id="3" fill="hold">
+                      <p:stCondLst>
+                        <p:cond delay="indefinite"/>
+                        <p:cond evt="onBegin" delay="0">
+                          <p:tn val="2"/>
+                        </p:cond>
+                      </p:stCondLst>
+                      <p:childTnLst>
+                        <p:par>
+                          <p:cTn id="4" fill="hold">
+                            <p:stCondLst>
+                              <p:cond delay="0"/>
+                            </p:stCondLst>
+                            <p:childTnLst>
+                              <p:par>
+                                <p:cTn id="5" presetID="22" presetClass="entr" presetSubtype="8" fill="hold" nodeType="afterEffect">
+                                  <p:stCondLst>
+                                    <p:cond delay="0"/>
+                                  </p:stCondLst>
+                                  <p:childTnLst>
+                                    <p:set>
+                                      <p:cBhvr>
+                                        <p:cTn id="6" dur="1" fill="hold">
+                                          <p:stCondLst>
+                                            <p:cond delay="0"/>
+                                          </p:stCondLst>
+                                        </p:cTn>
+                                        <p:tgtEl>
+                                          <p:spTgt spid="10">
+                                            <p:txEl>
+                                              <p:pRg st="2" end="2"/>
+                                            </p:txEl>
+                                          </p:spTgt>
+                                        </p:tgtEl>
+                                        <p:attrNameLst>
+                                          <p:attrName>style.visibility</p:attrName>
+                                        </p:attrNameLst>
+                                      </p:cBhvr>
+                                      <p:to>
+                                        <p:strVal val="visible"/>
+                                      </p:to>
+                                    </p:set>
+                                    <p:animEffect transition="in" filter="wipe(left)">
+                                      <p:cBhvr>
+                                        <p:cTn id="7" dur="500"/>
+                                        <p:tgtEl>
+                                          <p:spTgt spid="10">
                                             <p:txEl>
                                               <p:pRg st="2" end="2"/>
                                             </p:txEl>

--- a/labs requirements.pptx
+++ b/labs requirements.pptx
@@ -18,6 +18,7 @@
     <p:sldId id="267" r:id="rId12"/>
     <p:sldId id="268" r:id="rId13"/>
     <p:sldId id="269" r:id="rId14"/>
+    <p:sldId id="271" r:id="rId15"/>
   </p:sldIdLst>
   <p:sldSz cx="12192000" cy="6858000"/>
   <p:notesSz cx="6858000" cy="9144000"/>
@@ -271,7 +272,7 @@
           <a:p>
             <a:fld id="{FCD1B0E7-7A14-43A7-8971-2F83AC4B4961}" type="datetimeFigureOut">
               <a:rPr lang="zh-CN" altLang="en-US" smtClean="0"/>
-              <a:t>2021/12/7</a:t>
+              <a:t>2021/12/21</a:t>
             </a:fld>
             <a:endParaRPr lang="zh-CN" altLang="en-US"/>
           </a:p>
@@ -469,7 +470,7 @@
           <a:p>
             <a:fld id="{FCD1B0E7-7A14-43A7-8971-2F83AC4B4961}" type="datetimeFigureOut">
               <a:rPr lang="zh-CN" altLang="en-US" smtClean="0"/>
-              <a:t>2021/12/7</a:t>
+              <a:t>2021/12/21</a:t>
             </a:fld>
             <a:endParaRPr lang="zh-CN" altLang="en-US"/>
           </a:p>
@@ -677,7 +678,7 @@
           <a:p>
             <a:fld id="{FCD1B0E7-7A14-43A7-8971-2F83AC4B4961}" type="datetimeFigureOut">
               <a:rPr lang="zh-CN" altLang="en-US" smtClean="0"/>
-              <a:t>2021/12/7</a:t>
+              <a:t>2021/12/21</a:t>
             </a:fld>
             <a:endParaRPr lang="zh-CN" altLang="en-US"/>
           </a:p>
@@ -875,7 +876,7 @@
           <a:p>
             <a:fld id="{FCD1B0E7-7A14-43A7-8971-2F83AC4B4961}" type="datetimeFigureOut">
               <a:rPr lang="zh-CN" altLang="en-US" smtClean="0"/>
-              <a:t>2021/12/7</a:t>
+              <a:t>2021/12/21</a:t>
             </a:fld>
             <a:endParaRPr lang="zh-CN" altLang="en-US"/>
           </a:p>
@@ -1150,7 +1151,7 @@
           <a:p>
             <a:fld id="{FCD1B0E7-7A14-43A7-8971-2F83AC4B4961}" type="datetimeFigureOut">
               <a:rPr lang="zh-CN" altLang="en-US" smtClean="0"/>
-              <a:t>2021/12/7</a:t>
+              <a:t>2021/12/21</a:t>
             </a:fld>
             <a:endParaRPr lang="zh-CN" altLang="en-US"/>
           </a:p>
@@ -1415,7 +1416,7 @@
           <a:p>
             <a:fld id="{FCD1B0E7-7A14-43A7-8971-2F83AC4B4961}" type="datetimeFigureOut">
               <a:rPr lang="zh-CN" altLang="en-US" smtClean="0"/>
-              <a:t>2021/12/7</a:t>
+              <a:t>2021/12/21</a:t>
             </a:fld>
             <a:endParaRPr lang="zh-CN" altLang="en-US"/>
           </a:p>
@@ -1827,7 +1828,7 @@
           <a:p>
             <a:fld id="{FCD1B0E7-7A14-43A7-8971-2F83AC4B4961}" type="datetimeFigureOut">
               <a:rPr lang="zh-CN" altLang="en-US" smtClean="0"/>
-              <a:t>2021/12/7</a:t>
+              <a:t>2021/12/21</a:t>
             </a:fld>
             <a:endParaRPr lang="zh-CN" altLang="en-US"/>
           </a:p>
@@ -1968,7 +1969,7 @@
           <a:p>
             <a:fld id="{FCD1B0E7-7A14-43A7-8971-2F83AC4B4961}" type="datetimeFigureOut">
               <a:rPr lang="zh-CN" altLang="en-US" smtClean="0"/>
-              <a:t>2021/12/7</a:t>
+              <a:t>2021/12/21</a:t>
             </a:fld>
             <a:endParaRPr lang="zh-CN" altLang="en-US"/>
           </a:p>
@@ -2081,7 +2082,7 @@
           <a:p>
             <a:fld id="{FCD1B0E7-7A14-43A7-8971-2F83AC4B4961}" type="datetimeFigureOut">
               <a:rPr lang="zh-CN" altLang="en-US" smtClean="0"/>
-              <a:t>2021/12/7</a:t>
+              <a:t>2021/12/21</a:t>
             </a:fld>
             <a:endParaRPr lang="zh-CN" altLang="en-US"/>
           </a:p>
@@ -2392,7 +2393,7 @@
           <a:p>
             <a:fld id="{FCD1B0E7-7A14-43A7-8971-2F83AC4B4961}" type="datetimeFigureOut">
               <a:rPr lang="zh-CN" altLang="en-US" smtClean="0"/>
-              <a:t>2021/12/7</a:t>
+              <a:t>2021/12/21</a:t>
             </a:fld>
             <a:endParaRPr lang="zh-CN" altLang="en-US"/>
           </a:p>
@@ -2680,7 +2681,7 @@
           <a:p>
             <a:fld id="{FCD1B0E7-7A14-43A7-8971-2F83AC4B4961}" type="datetimeFigureOut">
               <a:rPr lang="zh-CN" altLang="en-US" smtClean="0"/>
-              <a:t>2021/12/7</a:t>
+              <a:t>2021/12/21</a:t>
             </a:fld>
             <a:endParaRPr lang="zh-CN" altLang="en-US"/>
           </a:p>
@@ -2921,7 +2922,7 @@
           <a:p>
             <a:fld id="{FCD1B0E7-7A14-43A7-8971-2F83AC4B4961}" type="datetimeFigureOut">
               <a:rPr lang="zh-CN" altLang="en-US" smtClean="0"/>
-              <a:t>2021/12/7</a:t>
+              <a:t>2021/12/21</a:t>
             </a:fld>
             <a:endParaRPr lang="zh-CN" altLang="en-US"/>
           </a:p>
@@ -6617,6 +6618,755 @@
                                         <p:cTn id="7" dur="500"/>
                                         <p:tgtEl>
                                           <p:spTgt spid="10">
+                                            <p:txEl>
+                                              <p:pRg st="2" end="2"/>
+                                            </p:txEl>
+                                          </p:spTgt>
+                                        </p:tgtEl>
+                                      </p:cBhvr>
+                                    </p:animEffect>
+                                  </p:childTnLst>
+                                </p:cTn>
+                              </p:par>
+                            </p:childTnLst>
+                          </p:cTn>
+                        </p:par>
+                      </p:childTnLst>
+                    </p:cTn>
+                  </p:par>
+                </p:childTnLst>
+              </p:cTn>
+              <p:prevCondLst>
+                <p:cond evt="onPrev" delay="0">
+                  <p:tgtEl>
+                    <p:sldTgt/>
+                  </p:tgtEl>
+                </p:cond>
+              </p:prevCondLst>
+              <p:nextCondLst>
+                <p:cond evt="onNext" delay="0">
+                  <p:tgtEl>
+                    <p:sldTgt/>
+                  </p:tgtEl>
+                </p:cond>
+              </p:nextCondLst>
+            </p:seq>
+          </p:childTnLst>
+        </p:cTn>
+      </p:par>
+    </p:tnLst>
+  </p:timing>
+</p:sld>
+</file>
+
+<file path=ppt/slides/slide14.xml><?xml version="1.0" encoding="utf-8"?>
+<p:sld xmlns:a="http://schemas.openxmlformats.org/drawingml/2006/main" xmlns:r="http://schemas.openxmlformats.org/officeDocument/2006/relationships" xmlns:p="http://schemas.openxmlformats.org/presentationml/2006/main">
+  <p:cSld>
+    <p:spTree>
+      <p:nvGrpSpPr>
+        <p:cNvPr id="1" name=""/>
+        <p:cNvGrpSpPr/>
+        <p:nvPr/>
+      </p:nvGrpSpPr>
+      <p:grpSpPr>
+        <a:xfrm>
+          <a:off x="0" y="0"/>
+          <a:ext cx="0" cy="0"/>
+          <a:chOff x="0" y="0"/>
+          <a:chExt cx="0" cy="0"/>
+        </a:xfrm>
+      </p:grpSpPr>
+      <p:sp>
+        <p:nvSpPr>
+          <p:cNvPr id="4" name="标题 1">
+            <a:extLst>
+              <a:ext uri="{FF2B5EF4-FFF2-40B4-BE49-F238E27FC236}">
+                <a16:creationId xmlns:a16="http://schemas.microsoft.com/office/drawing/2014/main" id="{9643B484-6D14-4189-9538-FE4A24934581}"/>
+              </a:ext>
+            </a:extLst>
+          </p:cNvPr>
+          <p:cNvSpPr txBox="1">
+            <a:spLocks/>
+          </p:cNvSpPr>
+          <p:nvPr/>
+        </p:nvSpPr>
+        <p:spPr>
+          <a:xfrm>
+            <a:off x="838200" y="327530"/>
+            <a:ext cx="10515600" cy="894622"/>
+          </a:xfrm>
+          <a:prstGeom prst="rect">
+            <a:avLst/>
+          </a:prstGeom>
+        </p:spPr>
+        <p:txBody>
+          <a:bodyPr vert="horz" lIns="91440" tIns="45720" rIns="91440" bIns="45720" rtlCol="0" anchor="b">
+            <a:normAutofit/>
+          </a:bodyPr>
+          <a:lstStyle>
+            <a:lvl1pPr algn="ctr" defTabSz="914400" rtl="0" eaLnBrk="1" latinLnBrk="0" hangingPunct="1">
+              <a:lnSpc>
+                <a:spcPct val="90000"/>
+              </a:lnSpc>
+              <a:spcBef>
+                <a:spcPct val="0"/>
+              </a:spcBef>
+              <a:buNone/>
+              <a:defRPr sz="6000" kern="1200">
+                <a:solidFill>
+                  <a:schemeClr val="tx1"/>
+                </a:solidFill>
+                <a:latin typeface="+mj-lt"/>
+                <a:ea typeface="+mj-ea"/>
+                <a:cs typeface="+mj-cs"/>
+              </a:defRPr>
+            </a:lvl1pPr>
+          </a:lstStyle>
+          <a:p>
+            <a:r>
+              <a:rPr lang="en-US" altLang="zh-CN" sz="4800" dirty="0">
+                <a:solidFill>
+                  <a:srgbClr val="002060"/>
+                </a:solidFill>
+              </a:rPr>
+              <a:t>Lab7 Requirements </a:t>
+            </a:r>
+            <a:endParaRPr lang="zh-CN" altLang="en-US" sz="4800" dirty="0">
+              <a:solidFill>
+                <a:srgbClr val="002060"/>
+              </a:solidFill>
+            </a:endParaRPr>
+          </a:p>
+        </p:txBody>
+      </p:sp>
+      <p:sp>
+        <p:nvSpPr>
+          <p:cNvPr id="6" name="矩形 5">
+            <a:extLst>
+              <a:ext uri="{FF2B5EF4-FFF2-40B4-BE49-F238E27FC236}">
+                <a16:creationId xmlns:a16="http://schemas.microsoft.com/office/drawing/2014/main" id="{A6C00D61-029B-4EBC-B6D9-27C530CEE011}"/>
+              </a:ext>
+            </a:extLst>
+          </p:cNvPr>
+          <p:cNvSpPr/>
+          <p:nvPr/>
+        </p:nvSpPr>
+        <p:spPr>
+          <a:xfrm>
+            <a:off x="776056" y="1286899"/>
+            <a:ext cx="10844814" cy="3166380"/>
+          </a:xfrm>
+          <a:prstGeom prst="rect">
+            <a:avLst/>
+          </a:prstGeom>
+        </p:spPr>
+        <p:txBody>
+          <a:bodyPr wrap="square">
+            <a:spAutoFit/>
+          </a:bodyPr>
+          <a:lstStyle/>
+          <a:p>
+            <a:pPr>
+              <a:buFont typeface="Wingdings" pitchFamily="2" charset="2"/>
+              <a:buChar char="Ø"/>
+            </a:pPr>
+            <a:r>
+              <a:rPr lang="zh-CN" altLang="en-US" sz="2400" dirty="0">
+                <a:latin typeface="微软雅黑" panose="020B0503020204020204" pitchFamily="34" charset="-122"/>
+              </a:rPr>
+              <a:t>完成实验指导书上实验作业</a:t>
+            </a:r>
+            <a:r>
+              <a:rPr lang="en-US" altLang="zh-CN" sz="2400" dirty="0">
+                <a:latin typeface="微软雅黑" panose="020B0503020204020204" pitchFamily="34" charset="-122"/>
+              </a:rPr>
+              <a:t>Lab7</a:t>
+            </a:r>
+            <a:r>
+              <a:rPr lang="zh-CN" altLang="en-US" sz="2400" dirty="0">
+                <a:latin typeface="微软雅黑" panose="020B0503020204020204" pitchFamily="34" charset="-122"/>
+              </a:rPr>
+              <a:t>规定的</a:t>
+            </a:r>
+            <a:r>
+              <a:rPr lang="en-US" altLang="zh-CN" sz="2400" dirty="0">
+                <a:latin typeface="微软雅黑" panose="020B0503020204020204" pitchFamily="34" charset="-122"/>
+              </a:rPr>
+              <a:t>Ex1~Ex4</a:t>
+            </a:r>
+          </a:p>
+          <a:p>
+            <a:endParaRPr lang="en-US" altLang="zh-CN" sz="2400" dirty="0">
+              <a:latin typeface="微软雅黑" panose="020B0503020204020204" pitchFamily="34" charset="-122"/>
+            </a:endParaRPr>
+          </a:p>
+          <a:p>
+            <a:pPr>
+              <a:buFont typeface="Wingdings" pitchFamily="2" charset="2"/>
+              <a:buChar char="Ø"/>
+            </a:pPr>
+            <a:endParaRPr lang="en-US" altLang="zh-CN" sz="2400" dirty="0">
+              <a:latin typeface="微软雅黑" panose="020B0503020204020204" pitchFamily="34" charset="-122"/>
+            </a:endParaRPr>
+          </a:p>
+          <a:p>
+            <a:pPr>
+              <a:buFont typeface="Wingdings" pitchFamily="2" charset="2"/>
+              <a:buChar char="Ø"/>
+            </a:pPr>
+            <a:endParaRPr lang="en-US" altLang="zh-CN" sz="2400" dirty="0">
+              <a:latin typeface="微软雅黑" panose="020B0503020204020204" pitchFamily="34" charset="-122"/>
+            </a:endParaRPr>
+          </a:p>
+          <a:p>
+            <a:pPr>
+              <a:buFont typeface="Wingdings" pitchFamily="2" charset="2"/>
+              <a:buChar char="Ø"/>
+            </a:pPr>
+            <a:endParaRPr lang="en-US" altLang="zh-CN" sz="2400" dirty="0">
+              <a:latin typeface="微软雅黑" panose="020B0503020204020204" pitchFamily="34" charset="-122"/>
+            </a:endParaRPr>
+          </a:p>
+          <a:p>
+            <a:pPr>
+              <a:buFont typeface="Wingdings" pitchFamily="2" charset="2"/>
+              <a:buChar char="Ø"/>
+            </a:pPr>
+            <a:endParaRPr lang="en-US" altLang="zh-CN" sz="2400" dirty="0">
+              <a:latin typeface="微软雅黑" panose="020B0503020204020204" pitchFamily="34" charset="-122"/>
+            </a:endParaRPr>
+          </a:p>
+          <a:p>
+            <a:pPr>
+              <a:buFont typeface="Wingdings" pitchFamily="2" charset="2"/>
+              <a:buChar char="Ø"/>
+            </a:pPr>
+            <a:endParaRPr lang="en-US" altLang="zh-CN" sz="2400" dirty="0">
+              <a:latin typeface="微软雅黑" panose="020B0503020204020204" pitchFamily="34" charset="-122"/>
+            </a:endParaRPr>
+          </a:p>
+          <a:p>
+            <a:pPr>
+              <a:lnSpc>
+                <a:spcPct val="150000"/>
+              </a:lnSpc>
+              <a:buFont typeface="Wingdings" pitchFamily="2" charset="2"/>
+              <a:buChar char="Ø"/>
+            </a:pPr>
+            <a:endParaRPr lang="en-US" altLang="zh-CN" sz="2400" b="1" dirty="0">
+              <a:solidFill>
+                <a:srgbClr val="C00000"/>
+              </a:solidFill>
+              <a:latin typeface="微软雅黑" panose="020B0503020204020204" pitchFamily="34" charset="-122"/>
+            </a:endParaRPr>
+          </a:p>
+        </p:txBody>
+      </p:sp>
+      <p:sp>
+        <p:nvSpPr>
+          <p:cNvPr id="7" name="矩形 6">
+            <a:extLst>
+              <a:ext uri="{FF2B5EF4-FFF2-40B4-BE49-F238E27FC236}">
+                <a16:creationId xmlns:a16="http://schemas.microsoft.com/office/drawing/2014/main" id="{0831EB30-4448-4C5F-BBCD-2025129D257D}"/>
+              </a:ext>
+            </a:extLst>
+          </p:cNvPr>
+          <p:cNvSpPr/>
+          <p:nvPr/>
+        </p:nvSpPr>
+        <p:spPr>
+          <a:xfrm>
+            <a:off x="776056" y="1673256"/>
+            <a:ext cx="10844814" cy="2631490"/>
+          </a:xfrm>
+          <a:prstGeom prst="rect">
+            <a:avLst/>
+          </a:prstGeom>
+        </p:spPr>
+        <p:txBody>
+          <a:bodyPr wrap="square">
+            <a:spAutoFit/>
+          </a:bodyPr>
+          <a:lstStyle/>
+          <a:p>
+            <a:pPr>
+              <a:lnSpc>
+                <a:spcPct val="150000"/>
+              </a:lnSpc>
+              <a:buFont typeface="Wingdings" pitchFamily="2" charset="2"/>
+              <a:buChar char="Ø"/>
+            </a:pPr>
+            <a:r>
+              <a:rPr lang="zh-CN" altLang="en-US" sz="2400" b="1" dirty="0">
+                <a:solidFill>
+                  <a:srgbClr val="C00000"/>
+                </a:solidFill>
+                <a:latin typeface="微软雅黑" panose="020B0503020204020204" pitchFamily="34" charset="-122"/>
+              </a:rPr>
+              <a:t>作业提交方式：</a:t>
+            </a:r>
+            <a:br>
+              <a:rPr lang="zh-CN" altLang="en-US" sz="2400" dirty="0">
+                <a:latin typeface="微软雅黑" panose="020B0503020204020204" pitchFamily="34" charset="-122"/>
+              </a:rPr>
+            </a:br>
+            <a:r>
+              <a:rPr lang="zh-CN" altLang="en-US" dirty="0">
+                <a:latin typeface="微软雅黑" panose="020B0503020204020204" pitchFamily="34" charset="-122"/>
+              </a:rPr>
+              <a:t>每个实验（</a:t>
+            </a:r>
+            <a:r>
+              <a:rPr lang="en-US" altLang="zh-CN" dirty="0">
+                <a:latin typeface="微软雅黑" panose="020B0503020204020204" pitchFamily="34" charset="-122"/>
+              </a:rPr>
+              <a:t>EX</a:t>
+            </a:r>
+            <a:r>
+              <a:rPr lang="zh-CN" altLang="en-US" dirty="0">
+                <a:latin typeface="微软雅黑" panose="020B0503020204020204" pitchFamily="34" charset="-122"/>
+              </a:rPr>
+              <a:t>）的全部</a:t>
+            </a:r>
+            <a:r>
+              <a:rPr lang="en-US" altLang="zh-CN" dirty="0">
+                <a:latin typeface="微软雅黑" panose="020B0503020204020204" pitchFamily="34" charset="-122"/>
+              </a:rPr>
+              <a:t>CPP</a:t>
+            </a:r>
+            <a:r>
+              <a:rPr lang="zh-CN" altLang="en-US" dirty="0">
+                <a:latin typeface="微软雅黑" panose="020B0503020204020204" pitchFamily="34" charset="-122"/>
+              </a:rPr>
+              <a:t>文件以及运行成功的结果截图放在一个文件夹。</a:t>
+            </a:r>
+            <a:r>
+              <a:rPr lang="en-US" altLang="zh-CN" dirty="0">
+                <a:latin typeface="微软雅黑" panose="020B0503020204020204" pitchFamily="34" charset="-122"/>
+              </a:rPr>
+              <a:t>CPP</a:t>
+            </a:r>
+            <a:r>
+              <a:rPr lang="zh-CN" altLang="en-US" dirty="0">
+                <a:latin typeface="微软雅黑" panose="020B0503020204020204" pitchFamily="34" charset="-122"/>
+              </a:rPr>
+              <a:t>及结果文件的命名自行决定但应尽可能减轻审阅人的负担，文件夹按小实验的序号命名如</a:t>
+            </a:r>
+            <a:r>
+              <a:rPr lang="en-US" altLang="zh-CN" dirty="0">
+                <a:latin typeface="微软雅黑" panose="020B0503020204020204" pitchFamily="34" charset="-122"/>
+              </a:rPr>
+              <a:t>EX1</a:t>
+            </a:r>
+            <a:r>
+              <a:rPr lang="zh-CN" altLang="en-US" dirty="0">
+                <a:latin typeface="微软雅黑" panose="020B0503020204020204" pitchFamily="34" charset="-122"/>
+              </a:rPr>
+              <a:t>，将所有文件夹压缩为一个压缩包 </a:t>
+            </a:r>
+            <a:r>
+              <a:rPr lang="en-US" altLang="zh-CN" dirty="0">
+                <a:latin typeface="微软雅黑" panose="020B0503020204020204" pitchFamily="34" charset="-122"/>
+              </a:rPr>
+              <a:t>(</a:t>
+            </a:r>
+            <a:r>
+              <a:rPr lang="en-US" altLang="zh-CN" dirty="0" err="1">
+                <a:latin typeface="微软雅黑" panose="020B0503020204020204" pitchFamily="34" charset="-122"/>
+              </a:rPr>
+              <a:t>rar</a:t>
+            </a:r>
+            <a:r>
+              <a:rPr lang="en-US" altLang="zh-CN" dirty="0">
+                <a:latin typeface="微软雅黑" panose="020B0503020204020204" pitchFamily="34" charset="-122"/>
+              </a:rPr>
+              <a:t>/zip) </a:t>
+            </a:r>
+            <a:r>
+              <a:rPr lang="zh-CN" altLang="en-US" dirty="0">
+                <a:latin typeface="微软雅黑" panose="020B0503020204020204" pitchFamily="34" charset="-122"/>
+              </a:rPr>
+              <a:t>提交到我的邮箱 </a:t>
+            </a:r>
+            <a:r>
+              <a:rPr lang="en-US" altLang="zh-CN" b="1" u="sng" dirty="0">
+                <a:solidFill>
+                  <a:schemeClr val="accent5">
+                    <a:lumMod val="50000"/>
+                  </a:schemeClr>
+                </a:solidFill>
+                <a:latin typeface="微软雅黑" panose="020B0503020204020204" pitchFamily="34" charset="-122"/>
+                <a:hlinkClick r:id="rId2"/>
+              </a:rPr>
+              <a:t>myliu@seu.edu.cn</a:t>
+            </a:r>
+            <a:endParaRPr lang="en-US" altLang="zh-CN" b="1" dirty="0">
+              <a:solidFill>
+                <a:srgbClr val="C00000"/>
+              </a:solidFill>
+              <a:latin typeface="微软雅黑" panose="020B0503020204020204" pitchFamily="34" charset="-122"/>
+            </a:endParaRPr>
+          </a:p>
+          <a:p>
+            <a:pPr>
+              <a:buFont typeface="Wingdings" pitchFamily="2" charset="2"/>
+              <a:buChar char="Ø"/>
+            </a:pPr>
+            <a:r>
+              <a:rPr lang="zh-CN" altLang="en-US" sz="2400" b="1" dirty="0">
+                <a:latin typeface="微软雅黑" panose="020B0503020204020204" pitchFamily="34" charset="-122"/>
+              </a:rPr>
+              <a:t>压缩包</a:t>
+            </a:r>
+            <a:r>
+              <a:rPr lang="zh-CN" altLang="en-US" sz="2400" dirty="0">
+                <a:latin typeface="微软雅黑" panose="020B0503020204020204" pitchFamily="34" charset="-122"/>
+              </a:rPr>
+              <a:t>与</a:t>
+            </a:r>
+            <a:r>
+              <a:rPr lang="zh-CN" altLang="en-US" sz="2400" b="1" dirty="0">
+                <a:latin typeface="微软雅黑" panose="020B0503020204020204" pitchFamily="34" charset="-122"/>
+              </a:rPr>
+              <a:t>邮件主题</a:t>
+            </a:r>
+            <a:r>
+              <a:rPr lang="zh-CN" altLang="en-US" sz="2400" dirty="0">
+                <a:latin typeface="微软雅黑" panose="020B0503020204020204" pitchFamily="34" charset="-122"/>
+              </a:rPr>
+              <a:t>的命名要求</a:t>
+            </a:r>
+            <a:r>
+              <a:rPr lang="zh-CN" altLang="en-US" sz="2400" dirty="0">
+                <a:solidFill>
+                  <a:srgbClr val="C00000"/>
+                </a:solidFill>
+                <a:latin typeface="微软雅黑" panose="020B0503020204020204" pitchFamily="34" charset="-122"/>
+              </a:rPr>
+              <a:t>（非常重要！）</a:t>
+            </a:r>
+            <a:endParaRPr lang="en-US" altLang="zh-CN" sz="2400" dirty="0">
+              <a:solidFill>
+                <a:srgbClr val="C00000"/>
+              </a:solidFill>
+              <a:latin typeface="微软雅黑" panose="020B0503020204020204" pitchFamily="34" charset="-122"/>
+            </a:endParaRPr>
+          </a:p>
+          <a:p>
+            <a:r>
+              <a:rPr lang="zh-CN" altLang="en-US" sz="2400" b="1" dirty="0">
+                <a:solidFill>
+                  <a:srgbClr val="C00000"/>
+                </a:solidFill>
+                <a:latin typeface="微软雅黑" panose="020B0503020204020204" pitchFamily="34" charset="-122"/>
+              </a:rPr>
+              <a:t>实验序次</a:t>
+            </a:r>
+            <a:r>
+              <a:rPr lang="en-US" altLang="zh-CN" sz="2400" b="1" dirty="0">
+                <a:solidFill>
+                  <a:srgbClr val="C00000"/>
+                </a:solidFill>
+                <a:latin typeface="微软雅黑" panose="020B0503020204020204" pitchFamily="34" charset="-122"/>
+              </a:rPr>
+              <a:t>_</a:t>
+            </a:r>
+            <a:r>
+              <a:rPr lang="zh-CN" altLang="en-US" sz="2400" b="1" dirty="0">
+                <a:solidFill>
+                  <a:srgbClr val="C00000"/>
+                </a:solidFill>
+                <a:latin typeface="微软雅黑" panose="020B0503020204020204" pitchFamily="34" charset="-122"/>
+              </a:rPr>
+              <a:t>姓名</a:t>
+            </a:r>
+            <a:r>
+              <a:rPr lang="en-US" altLang="zh-CN" sz="2400" b="1" dirty="0">
+                <a:solidFill>
+                  <a:srgbClr val="C00000"/>
+                </a:solidFill>
+                <a:latin typeface="微软雅黑" panose="020B0503020204020204" pitchFamily="34" charset="-122"/>
+              </a:rPr>
+              <a:t>_</a:t>
+            </a:r>
+            <a:r>
+              <a:rPr lang="zh-CN" altLang="en-US" sz="2400" b="1" dirty="0">
+                <a:solidFill>
+                  <a:srgbClr val="C00000"/>
+                </a:solidFill>
+                <a:latin typeface="微软雅黑" panose="020B0503020204020204" pitchFamily="34" charset="-122"/>
+              </a:rPr>
+              <a:t>学号</a:t>
+            </a:r>
+            <a:r>
+              <a:rPr lang="en-US" altLang="zh-CN" sz="2400" b="1" dirty="0">
+                <a:solidFill>
+                  <a:srgbClr val="C00000"/>
+                </a:solidFill>
+                <a:latin typeface="微软雅黑" panose="020B0503020204020204" pitchFamily="34" charset="-122"/>
+              </a:rPr>
+              <a:t>    </a:t>
+            </a:r>
+            <a:r>
+              <a:rPr lang="zh-CN" altLang="en-US" sz="2400" dirty="0">
+                <a:latin typeface="微软雅黑" panose="020B0503020204020204" pitchFamily="34" charset="-122"/>
+              </a:rPr>
+              <a:t>举例：</a:t>
+            </a:r>
+            <a:r>
+              <a:rPr lang="en-US" altLang="zh-CN" sz="2400" b="1" dirty="0">
+                <a:solidFill>
+                  <a:srgbClr val="C00000"/>
+                </a:solidFill>
+                <a:latin typeface="微软雅黑" panose="020B0503020204020204" pitchFamily="34" charset="-122"/>
+              </a:rPr>
+              <a:t>lab7_</a:t>
+            </a:r>
+            <a:r>
+              <a:rPr lang="zh-CN" altLang="en-US" sz="2400" b="1" dirty="0">
+                <a:solidFill>
+                  <a:srgbClr val="C00000"/>
+                </a:solidFill>
+                <a:latin typeface="微软雅黑" panose="020B0503020204020204" pitchFamily="34" charset="-122"/>
+              </a:rPr>
+              <a:t>王东南</a:t>
+            </a:r>
+            <a:r>
+              <a:rPr lang="en-US" altLang="zh-CN" sz="2400" b="1" dirty="0">
+                <a:solidFill>
+                  <a:srgbClr val="C00000"/>
+                </a:solidFill>
+                <a:latin typeface="微软雅黑" panose="020B0503020204020204" pitchFamily="34" charset="-122"/>
+              </a:rPr>
+              <a:t>_JS221001.rar</a:t>
+            </a:r>
+          </a:p>
+        </p:txBody>
+      </p:sp>
+      <p:sp>
+        <p:nvSpPr>
+          <p:cNvPr id="8" name="文本框 7">
+            <a:extLst>
+              <a:ext uri="{FF2B5EF4-FFF2-40B4-BE49-F238E27FC236}">
+                <a16:creationId xmlns:a16="http://schemas.microsoft.com/office/drawing/2014/main" id="{4F88BBE7-F018-4183-BBAB-1D9799DBF538}"/>
+              </a:ext>
+            </a:extLst>
+          </p:cNvPr>
+          <p:cNvSpPr txBox="1"/>
+          <p:nvPr/>
+        </p:nvSpPr>
+        <p:spPr>
+          <a:xfrm>
+            <a:off x="7409793" y="6220128"/>
+            <a:ext cx="4211077" cy="369332"/>
+          </a:xfrm>
+          <a:prstGeom prst="rect">
+            <a:avLst/>
+          </a:prstGeom>
+          <a:noFill/>
+          <a:ln>
+            <a:solidFill>
+              <a:srgbClr val="C00000"/>
+            </a:solidFill>
+          </a:ln>
+        </p:spPr>
+        <p:txBody>
+          <a:bodyPr wrap="square">
+            <a:spAutoFit/>
+          </a:bodyPr>
+          <a:lstStyle/>
+          <a:p>
+            <a:r>
+              <a:rPr lang="zh-CN" altLang="en-US" b="1" dirty="0">
+                <a:solidFill>
+                  <a:srgbClr val="C00000"/>
+                </a:solidFill>
+                <a:latin typeface="微软雅黑" panose="020B0503020204020204" pitchFamily="34" charset="-122"/>
+              </a:rPr>
+              <a:t>提交截止日期：</a:t>
+            </a:r>
+            <a:r>
+              <a:rPr lang="en-US" altLang="zh-CN" b="1" dirty="0">
+                <a:solidFill>
+                  <a:srgbClr val="C00000"/>
+                </a:solidFill>
+                <a:latin typeface="微软雅黑" panose="020B0503020204020204" pitchFamily="34" charset="-122"/>
+              </a:rPr>
+              <a:t>2022</a:t>
+            </a:r>
+            <a:r>
+              <a:rPr lang="zh-CN" altLang="en-US" b="1" dirty="0">
+                <a:solidFill>
+                  <a:srgbClr val="C00000"/>
+                </a:solidFill>
+                <a:latin typeface="微软雅黑" panose="020B0503020204020204" pitchFamily="34" charset="-122"/>
+              </a:rPr>
+              <a:t>年</a:t>
+            </a:r>
+            <a:r>
+              <a:rPr lang="en-US" altLang="zh-CN" b="1" dirty="0">
+                <a:solidFill>
+                  <a:srgbClr val="C00000"/>
+                </a:solidFill>
+                <a:latin typeface="微软雅黑" panose="020B0503020204020204" pitchFamily="34" charset="-122"/>
+              </a:rPr>
+              <a:t>1</a:t>
+            </a:r>
+            <a:r>
+              <a:rPr lang="zh-CN" altLang="en-US" b="1" dirty="0">
+                <a:solidFill>
+                  <a:srgbClr val="C00000"/>
+                </a:solidFill>
+                <a:latin typeface="微软雅黑" panose="020B0503020204020204" pitchFamily="34" charset="-122"/>
+              </a:rPr>
+              <a:t>月</a:t>
+            </a:r>
+            <a:r>
+              <a:rPr lang="en-US" altLang="zh-CN" b="1" dirty="0">
+                <a:solidFill>
+                  <a:srgbClr val="C00000"/>
+                </a:solidFill>
+                <a:latin typeface="微软雅黑" panose="020B0503020204020204" pitchFamily="34" charset="-122"/>
+              </a:rPr>
+              <a:t>2</a:t>
+            </a:r>
+            <a:r>
+              <a:rPr lang="zh-CN" altLang="en-US" b="1" dirty="0">
+                <a:solidFill>
+                  <a:srgbClr val="C00000"/>
+                </a:solidFill>
+                <a:latin typeface="微软雅黑" panose="020B0503020204020204" pitchFamily="34" charset="-122"/>
+              </a:rPr>
+              <a:t>日</a:t>
+            </a:r>
+            <a:r>
+              <a:rPr lang="en-US" altLang="zh-CN" b="1" dirty="0">
+                <a:solidFill>
+                  <a:srgbClr val="C00000"/>
+                </a:solidFill>
+                <a:latin typeface="微软雅黑" panose="020B0503020204020204" pitchFamily="34" charset="-122"/>
+              </a:rPr>
+              <a:t>24:00</a:t>
+            </a:r>
+            <a:endParaRPr lang="zh-CN" altLang="en-US" dirty="0"/>
+          </a:p>
+        </p:txBody>
+      </p:sp>
+    </p:spTree>
+    <p:extLst>
+      <p:ext uri="{BB962C8B-B14F-4D97-AF65-F5344CB8AC3E}">
+        <p14:creationId xmlns:p14="http://schemas.microsoft.com/office/powerpoint/2010/main" val="1738720162"/>
+      </p:ext>
+    </p:extLst>
+  </p:cSld>
+  <p:clrMapOvr>
+    <a:masterClrMapping/>
+  </p:clrMapOvr>
+  <p:timing>
+    <p:tnLst>
+      <p:par>
+        <p:cTn id="1" dur="indefinite" restart="never" nodeType="tmRoot">
+          <p:childTnLst>
+            <p:seq concurrent="1" nextAc="seek">
+              <p:cTn id="2" dur="indefinite" nodeType="mainSeq">
+                <p:childTnLst>
+                  <p:par>
+                    <p:cTn id="3" fill="hold">
+                      <p:stCondLst>
+                        <p:cond delay="indefinite"/>
+                      </p:stCondLst>
+                      <p:childTnLst>
+                        <p:par>
+                          <p:cTn id="4" fill="hold">
+                            <p:stCondLst>
+                              <p:cond delay="0"/>
+                            </p:stCondLst>
+                            <p:childTnLst>
+                              <p:par>
+                                <p:cTn id="5" presetID="22" presetClass="entr" presetSubtype="8" fill="hold" nodeType="clickEffect">
+                                  <p:stCondLst>
+                                    <p:cond delay="0"/>
+                                  </p:stCondLst>
+                                  <p:childTnLst>
+                                    <p:set>
+                                      <p:cBhvr>
+                                        <p:cTn id="6" dur="1" fill="hold">
+                                          <p:stCondLst>
+                                            <p:cond delay="0"/>
+                                          </p:stCondLst>
+                                        </p:cTn>
+                                        <p:tgtEl>
+                                          <p:spTgt spid="6">
+                                            <p:txEl>
+                                              <p:pRg st="0" end="0"/>
+                                            </p:txEl>
+                                          </p:spTgt>
+                                        </p:tgtEl>
+                                        <p:attrNameLst>
+                                          <p:attrName>style.visibility</p:attrName>
+                                        </p:attrNameLst>
+                                      </p:cBhvr>
+                                      <p:to>
+                                        <p:strVal val="visible"/>
+                                      </p:to>
+                                    </p:set>
+                                    <p:animEffect transition="in" filter="wipe(left)">
+                                      <p:cBhvr>
+                                        <p:cTn id="7" dur="500"/>
+                                        <p:tgtEl>
+                                          <p:spTgt spid="6">
+                                            <p:txEl>
+                                              <p:pRg st="0" end="0"/>
+                                            </p:txEl>
+                                          </p:spTgt>
+                                        </p:tgtEl>
+                                      </p:cBhvr>
+                                    </p:animEffect>
+                                  </p:childTnLst>
+                                </p:cTn>
+                              </p:par>
+                            </p:childTnLst>
+                          </p:cTn>
+                        </p:par>
+                        <p:par>
+                          <p:cTn id="8" fill="hold">
+                            <p:stCondLst>
+                              <p:cond delay="500"/>
+                            </p:stCondLst>
+                            <p:childTnLst>
+                              <p:par>
+                                <p:cTn id="9" presetID="22" presetClass="entr" presetSubtype="8" fill="hold" nodeType="afterEffect">
+                                  <p:stCondLst>
+                                    <p:cond delay="0"/>
+                                  </p:stCondLst>
+                                  <p:childTnLst>
+                                    <p:set>
+                                      <p:cBhvr>
+                                        <p:cTn id="10" dur="1" fill="hold">
+                                          <p:stCondLst>
+                                            <p:cond delay="0"/>
+                                          </p:stCondLst>
+                                        </p:cTn>
+                                        <p:tgtEl>
+                                          <p:spTgt spid="7">
+                                            <p:txEl>
+                                              <p:pRg st="2" end="2"/>
+                                            </p:txEl>
+                                          </p:spTgt>
+                                        </p:tgtEl>
+                                        <p:attrNameLst>
+                                          <p:attrName>style.visibility</p:attrName>
+                                        </p:attrNameLst>
+                                      </p:cBhvr>
+                                      <p:to>
+                                        <p:strVal val="visible"/>
+                                      </p:to>
+                                    </p:set>
+                                    <p:animEffect transition="in" filter="wipe(left)">
+                                      <p:cBhvr>
+                                        <p:cTn id="11" dur="500"/>
+                                        <p:tgtEl>
+                                          <p:spTgt spid="7">
                                             <p:txEl>
                                               <p:pRg st="2" end="2"/>
                                             </p:txEl>

--- a/labs requirements.pptx
+++ b/labs requirements.pptx
@@ -19,6 +19,8 @@
     <p:sldId id="268" r:id="rId13"/>
     <p:sldId id="269" r:id="rId14"/>
     <p:sldId id="271" r:id="rId15"/>
+    <p:sldId id="272" r:id="rId16"/>
+    <p:sldId id="273" r:id="rId17"/>
   </p:sldIdLst>
   <p:sldSz cx="12192000" cy="6858000"/>
   <p:notesSz cx="6858000" cy="9144000"/>
@@ -272,7 +274,7 @@
           <a:p>
             <a:fld id="{FCD1B0E7-7A14-43A7-8971-2F83AC4B4961}" type="datetimeFigureOut">
               <a:rPr lang="zh-CN" altLang="en-US" smtClean="0"/>
-              <a:t>2021/12/21</a:t>
+              <a:t>2021/12/24</a:t>
             </a:fld>
             <a:endParaRPr lang="zh-CN" altLang="en-US"/>
           </a:p>
@@ -470,7 +472,7 @@
           <a:p>
             <a:fld id="{FCD1B0E7-7A14-43A7-8971-2F83AC4B4961}" type="datetimeFigureOut">
               <a:rPr lang="zh-CN" altLang="en-US" smtClean="0"/>
-              <a:t>2021/12/21</a:t>
+              <a:t>2021/12/24</a:t>
             </a:fld>
             <a:endParaRPr lang="zh-CN" altLang="en-US"/>
           </a:p>
@@ -678,7 +680,7 @@
           <a:p>
             <a:fld id="{FCD1B0E7-7A14-43A7-8971-2F83AC4B4961}" type="datetimeFigureOut">
               <a:rPr lang="zh-CN" altLang="en-US" smtClean="0"/>
-              <a:t>2021/12/21</a:t>
+              <a:t>2021/12/24</a:t>
             </a:fld>
             <a:endParaRPr lang="zh-CN" altLang="en-US"/>
           </a:p>
@@ -876,7 +878,7 @@
           <a:p>
             <a:fld id="{FCD1B0E7-7A14-43A7-8971-2F83AC4B4961}" type="datetimeFigureOut">
               <a:rPr lang="zh-CN" altLang="en-US" smtClean="0"/>
-              <a:t>2021/12/21</a:t>
+              <a:t>2021/12/24</a:t>
             </a:fld>
             <a:endParaRPr lang="zh-CN" altLang="en-US"/>
           </a:p>
@@ -1151,7 +1153,7 @@
           <a:p>
             <a:fld id="{FCD1B0E7-7A14-43A7-8971-2F83AC4B4961}" type="datetimeFigureOut">
               <a:rPr lang="zh-CN" altLang="en-US" smtClean="0"/>
-              <a:t>2021/12/21</a:t>
+              <a:t>2021/12/24</a:t>
             </a:fld>
             <a:endParaRPr lang="zh-CN" altLang="en-US"/>
           </a:p>
@@ -1416,7 +1418,7 @@
           <a:p>
             <a:fld id="{FCD1B0E7-7A14-43A7-8971-2F83AC4B4961}" type="datetimeFigureOut">
               <a:rPr lang="zh-CN" altLang="en-US" smtClean="0"/>
-              <a:t>2021/12/21</a:t>
+              <a:t>2021/12/24</a:t>
             </a:fld>
             <a:endParaRPr lang="zh-CN" altLang="en-US"/>
           </a:p>
@@ -1828,7 +1830,7 @@
           <a:p>
             <a:fld id="{FCD1B0E7-7A14-43A7-8971-2F83AC4B4961}" type="datetimeFigureOut">
               <a:rPr lang="zh-CN" altLang="en-US" smtClean="0"/>
-              <a:t>2021/12/21</a:t>
+              <a:t>2021/12/24</a:t>
             </a:fld>
             <a:endParaRPr lang="zh-CN" altLang="en-US"/>
           </a:p>
@@ -1969,7 +1971,7 @@
           <a:p>
             <a:fld id="{FCD1B0E7-7A14-43A7-8971-2F83AC4B4961}" type="datetimeFigureOut">
               <a:rPr lang="zh-CN" altLang="en-US" smtClean="0"/>
-              <a:t>2021/12/21</a:t>
+              <a:t>2021/12/24</a:t>
             </a:fld>
             <a:endParaRPr lang="zh-CN" altLang="en-US"/>
           </a:p>
@@ -2082,7 +2084,7 @@
           <a:p>
             <a:fld id="{FCD1B0E7-7A14-43A7-8971-2F83AC4B4961}" type="datetimeFigureOut">
               <a:rPr lang="zh-CN" altLang="en-US" smtClean="0"/>
-              <a:t>2021/12/21</a:t>
+              <a:t>2021/12/24</a:t>
             </a:fld>
             <a:endParaRPr lang="zh-CN" altLang="en-US"/>
           </a:p>
@@ -2393,7 +2395,7 @@
           <a:p>
             <a:fld id="{FCD1B0E7-7A14-43A7-8971-2F83AC4B4961}" type="datetimeFigureOut">
               <a:rPr lang="zh-CN" altLang="en-US" smtClean="0"/>
-              <a:t>2021/12/21</a:t>
+              <a:t>2021/12/24</a:t>
             </a:fld>
             <a:endParaRPr lang="zh-CN" altLang="en-US"/>
           </a:p>
@@ -2681,7 +2683,7 @@
           <a:p>
             <a:fld id="{FCD1B0E7-7A14-43A7-8971-2F83AC4B4961}" type="datetimeFigureOut">
               <a:rPr lang="zh-CN" altLang="en-US" smtClean="0"/>
-              <a:t>2021/12/21</a:t>
+              <a:t>2021/12/24</a:t>
             </a:fld>
             <a:endParaRPr lang="zh-CN" altLang="en-US"/>
           </a:p>
@@ -2922,7 +2924,7 @@
           <a:p>
             <a:fld id="{FCD1B0E7-7A14-43A7-8971-2F83AC4B4961}" type="datetimeFigureOut">
               <a:rPr lang="zh-CN" altLang="en-US" smtClean="0"/>
-              <a:t>2021/12/21</a:t>
+              <a:t>2021/12/24</a:t>
             </a:fld>
             <a:endParaRPr lang="zh-CN" altLang="en-US"/>
           </a:p>
@@ -7405,6 +7407,1040 @@
       </p:par>
     </p:tnLst>
   </p:timing>
+</p:sld>
+</file>
+
+<file path=ppt/slides/slide15.xml><?xml version="1.0" encoding="utf-8"?>
+<p:sld xmlns:a="http://schemas.openxmlformats.org/drawingml/2006/main" xmlns:r="http://schemas.openxmlformats.org/officeDocument/2006/relationships" xmlns:p="http://schemas.openxmlformats.org/presentationml/2006/main">
+  <p:cSld>
+    <p:spTree>
+      <p:nvGrpSpPr>
+        <p:cNvPr id="1" name=""/>
+        <p:cNvGrpSpPr/>
+        <p:nvPr/>
+      </p:nvGrpSpPr>
+      <p:grpSpPr>
+        <a:xfrm>
+          <a:off x="0" y="0"/>
+          <a:ext cx="0" cy="0"/>
+          <a:chOff x="0" y="0"/>
+          <a:chExt cx="0" cy="0"/>
+        </a:xfrm>
+      </p:grpSpPr>
+      <p:sp>
+        <p:nvSpPr>
+          <p:cNvPr id="4" name="标题 1">
+            <a:extLst>
+              <a:ext uri="{FF2B5EF4-FFF2-40B4-BE49-F238E27FC236}">
+                <a16:creationId xmlns:a16="http://schemas.microsoft.com/office/drawing/2014/main" id="{9643B484-6D14-4189-9538-FE4A24934581}"/>
+              </a:ext>
+            </a:extLst>
+          </p:cNvPr>
+          <p:cNvSpPr txBox="1">
+            <a:spLocks/>
+          </p:cNvSpPr>
+          <p:nvPr/>
+        </p:nvSpPr>
+        <p:spPr>
+          <a:xfrm>
+            <a:off x="838200" y="327530"/>
+            <a:ext cx="10515600" cy="894622"/>
+          </a:xfrm>
+          <a:prstGeom prst="rect">
+            <a:avLst/>
+          </a:prstGeom>
+        </p:spPr>
+        <p:txBody>
+          <a:bodyPr vert="horz" lIns="91440" tIns="45720" rIns="91440" bIns="45720" rtlCol="0" anchor="b">
+            <a:normAutofit/>
+          </a:bodyPr>
+          <a:lstStyle>
+            <a:lvl1pPr algn="ctr" defTabSz="914400" rtl="0" eaLnBrk="1" latinLnBrk="0" hangingPunct="1">
+              <a:lnSpc>
+                <a:spcPct val="90000"/>
+              </a:lnSpc>
+              <a:spcBef>
+                <a:spcPct val="0"/>
+              </a:spcBef>
+              <a:buNone/>
+              <a:defRPr sz="6000" kern="1200">
+                <a:solidFill>
+                  <a:schemeClr val="tx1"/>
+                </a:solidFill>
+                <a:latin typeface="+mj-lt"/>
+                <a:ea typeface="+mj-ea"/>
+                <a:cs typeface="+mj-cs"/>
+              </a:defRPr>
+            </a:lvl1pPr>
+          </a:lstStyle>
+          <a:p>
+            <a:r>
+              <a:rPr lang="en-US" altLang="zh-CN" sz="4800" dirty="0">
+                <a:solidFill>
+                  <a:srgbClr val="002060"/>
+                </a:solidFill>
+              </a:rPr>
+              <a:t>Lab8 Requirements </a:t>
+            </a:r>
+            <a:endParaRPr lang="zh-CN" altLang="en-US" sz="4800" dirty="0">
+              <a:solidFill>
+                <a:srgbClr val="002060"/>
+              </a:solidFill>
+            </a:endParaRPr>
+          </a:p>
+        </p:txBody>
+      </p:sp>
+      <p:sp>
+        <p:nvSpPr>
+          <p:cNvPr id="6" name="矩形 5">
+            <a:extLst>
+              <a:ext uri="{FF2B5EF4-FFF2-40B4-BE49-F238E27FC236}">
+                <a16:creationId xmlns:a16="http://schemas.microsoft.com/office/drawing/2014/main" id="{A6C00D61-029B-4EBC-B6D9-27C530CEE011}"/>
+              </a:ext>
+            </a:extLst>
+          </p:cNvPr>
+          <p:cNvSpPr/>
+          <p:nvPr/>
+        </p:nvSpPr>
+        <p:spPr>
+          <a:xfrm>
+            <a:off x="776056" y="1286899"/>
+            <a:ext cx="10844814" cy="3166380"/>
+          </a:xfrm>
+          <a:prstGeom prst="rect">
+            <a:avLst/>
+          </a:prstGeom>
+        </p:spPr>
+        <p:txBody>
+          <a:bodyPr wrap="square">
+            <a:spAutoFit/>
+          </a:bodyPr>
+          <a:lstStyle/>
+          <a:p>
+            <a:pPr>
+              <a:buFont typeface="Wingdings" pitchFamily="2" charset="2"/>
+              <a:buChar char="Ø"/>
+            </a:pPr>
+            <a:r>
+              <a:rPr lang="zh-CN" altLang="en-US" sz="2400" dirty="0">
+                <a:latin typeface="微软雅黑" panose="020B0503020204020204" pitchFamily="34" charset="-122"/>
+              </a:rPr>
+              <a:t>完成实验指导书上实验作业</a:t>
+            </a:r>
+            <a:r>
+              <a:rPr lang="en-US" altLang="zh-CN" sz="2400" dirty="0">
+                <a:latin typeface="微软雅黑" panose="020B0503020204020204" pitchFamily="34" charset="-122"/>
+              </a:rPr>
+              <a:t>Lab8</a:t>
+            </a:r>
+            <a:r>
+              <a:rPr lang="zh-CN" altLang="en-US" sz="2400" dirty="0">
+                <a:latin typeface="微软雅黑" panose="020B0503020204020204" pitchFamily="34" charset="-122"/>
+              </a:rPr>
+              <a:t>规定的</a:t>
+            </a:r>
+            <a:r>
+              <a:rPr lang="en-US" altLang="zh-CN" sz="2400" dirty="0">
+                <a:latin typeface="微软雅黑" panose="020B0503020204020204" pitchFamily="34" charset="-122"/>
+              </a:rPr>
+              <a:t>Ex1~Ex4</a:t>
+            </a:r>
+          </a:p>
+          <a:p>
+            <a:endParaRPr lang="en-US" altLang="zh-CN" sz="2400" dirty="0">
+              <a:latin typeface="微软雅黑" panose="020B0503020204020204" pitchFamily="34" charset="-122"/>
+            </a:endParaRPr>
+          </a:p>
+          <a:p>
+            <a:pPr>
+              <a:buFont typeface="Wingdings" pitchFamily="2" charset="2"/>
+              <a:buChar char="Ø"/>
+            </a:pPr>
+            <a:endParaRPr lang="en-US" altLang="zh-CN" sz="2400" dirty="0">
+              <a:latin typeface="微软雅黑" panose="020B0503020204020204" pitchFamily="34" charset="-122"/>
+            </a:endParaRPr>
+          </a:p>
+          <a:p>
+            <a:pPr>
+              <a:buFont typeface="Wingdings" pitchFamily="2" charset="2"/>
+              <a:buChar char="Ø"/>
+            </a:pPr>
+            <a:endParaRPr lang="en-US" altLang="zh-CN" sz="2400" dirty="0">
+              <a:latin typeface="微软雅黑" panose="020B0503020204020204" pitchFamily="34" charset="-122"/>
+            </a:endParaRPr>
+          </a:p>
+          <a:p>
+            <a:pPr>
+              <a:buFont typeface="Wingdings" pitchFamily="2" charset="2"/>
+              <a:buChar char="Ø"/>
+            </a:pPr>
+            <a:endParaRPr lang="en-US" altLang="zh-CN" sz="2400" dirty="0">
+              <a:latin typeface="微软雅黑" panose="020B0503020204020204" pitchFamily="34" charset="-122"/>
+            </a:endParaRPr>
+          </a:p>
+          <a:p>
+            <a:pPr>
+              <a:buFont typeface="Wingdings" pitchFamily="2" charset="2"/>
+              <a:buChar char="Ø"/>
+            </a:pPr>
+            <a:endParaRPr lang="en-US" altLang="zh-CN" sz="2400" dirty="0">
+              <a:latin typeface="微软雅黑" panose="020B0503020204020204" pitchFamily="34" charset="-122"/>
+            </a:endParaRPr>
+          </a:p>
+          <a:p>
+            <a:pPr>
+              <a:buFont typeface="Wingdings" pitchFamily="2" charset="2"/>
+              <a:buChar char="Ø"/>
+            </a:pPr>
+            <a:endParaRPr lang="en-US" altLang="zh-CN" sz="2400" dirty="0">
+              <a:latin typeface="微软雅黑" panose="020B0503020204020204" pitchFamily="34" charset="-122"/>
+            </a:endParaRPr>
+          </a:p>
+          <a:p>
+            <a:pPr>
+              <a:lnSpc>
+                <a:spcPct val="150000"/>
+              </a:lnSpc>
+              <a:buFont typeface="Wingdings" pitchFamily="2" charset="2"/>
+              <a:buChar char="Ø"/>
+            </a:pPr>
+            <a:endParaRPr lang="en-US" altLang="zh-CN" sz="2400" b="1" dirty="0">
+              <a:solidFill>
+                <a:srgbClr val="C00000"/>
+              </a:solidFill>
+              <a:latin typeface="微软雅黑" panose="020B0503020204020204" pitchFamily="34" charset="-122"/>
+            </a:endParaRPr>
+          </a:p>
+        </p:txBody>
+      </p:sp>
+      <p:sp>
+        <p:nvSpPr>
+          <p:cNvPr id="7" name="矩形 6">
+            <a:extLst>
+              <a:ext uri="{FF2B5EF4-FFF2-40B4-BE49-F238E27FC236}">
+                <a16:creationId xmlns:a16="http://schemas.microsoft.com/office/drawing/2014/main" id="{0831EB30-4448-4C5F-BBCD-2025129D257D}"/>
+              </a:ext>
+            </a:extLst>
+          </p:cNvPr>
+          <p:cNvSpPr/>
+          <p:nvPr/>
+        </p:nvSpPr>
+        <p:spPr>
+          <a:xfrm>
+            <a:off x="776056" y="1673256"/>
+            <a:ext cx="10844814" cy="2631490"/>
+          </a:xfrm>
+          <a:prstGeom prst="rect">
+            <a:avLst/>
+          </a:prstGeom>
+        </p:spPr>
+        <p:txBody>
+          <a:bodyPr wrap="square">
+            <a:spAutoFit/>
+          </a:bodyPr>
+          <a:lstStyle/>
+          <a:p>
+            <a:pPr>
+              <a:lnSpc>
+                <a:spcPct val="150000"/>
+              </a:lnSpc>
+              <a:buFont typeface="Wingdings" pitchFamily="2" charset="2"/>
+              <a:buChar char="Ø"/>
+            </a:pPr>
+            <a:r>
+              <a:rPr lang="zh-CN" altLang="en-US" sz="2400" b="1" dirty="0">
+                <a:solidFill>
+                  <a:srgbClr val="C00000"/>
+                </a:solidFill>
+                <a:latin typeface="微软雅黑" panose="020B0503020204020204" pitchFamily="34" charset="-122"/>
+              </a:rPr>
+              <a:t>作业提交方式：</a:t>
+            </a:r>
+            <a:br>
+              <a:rPr lang="zh-CN" altLang="en-US" sz="2400" dirty="0">
+                <a:latin typeface="微软雅黑" panose="020B0503020204020204" pitchFamily="34" charset="-122"/>
+              </a:rPr>
+            </a:br>
+            <a:r>
+              <a:rPr lang="zh-CN" altLang="en-US" dirty="0">
+                <a:latin typeface="微软雅黑" panose="020B0503020204020204" pitchFamily="34" charset="-122"/>
+              </a:rPr>
+              <a:t>每个实验（</a:t>
+            </a:r>
+            <a:r>
+              <a:rPr lang="en-US" altLang="zh-CN" dirty="0">
+                <a:latin typeface="微软雅黑" panose="020B0503020204020204" pitchFamily="34" charset="-122"/>
+              </a:rPr>
+              <a:t>EX</a:t>
+            </a:r>
+            <a:r>
+              <a:rPr lang="zh-CN" altLang="en-US" dirty="0">
+                <a:latin typeface="微软雅黑" panose="020B0503020204020204" pitchFamily="34" charset="-122"/>
+              </a:rPr>
+              <a:t>）的全部</a:t>
+            </a:r>
+            <a:r>
+              <a:rPr lang="en-US" altLang="zh-CN" dirty="0">
+                <a:latin typeface="微软雅黑" panose="020B0503020204020204" pitchFamily="34" charset="-122"/>
+              </a:rPr>
+              <a:t>CPP</a:t>
+            </a:r>
+            <a:r>
+              <a:rPr lang="zh-CN" altLang="en-US" dirty="0">
+                <a:latin typeface="微软雅黑" panose="020B0503020204020204" pitchFamily="34" charset="-122"/>
+              </a:rPr>
+              <a:t>文件以及运行成功的结果截图放在一个文件夹。</a:t>
+            </a:r>
+            <a:r>
+              <a:rPr lang="en-US" altLang="zh-CN" dirty="0">
+                <a:latin typeface="微软雅黑" panose="020B0503020204020204" pitchFamily="34" charset="-122"/>
+              </a:rPr>
+              <a:t>CPP</a:t>
+            </a:r>
+            <a:r>
+              <a:rPr lang="zh-CN" altLang="en-US" dirty="0">
+                <a:latin typeface="微软雅黑" panose="020B0503020204020204" pitchFamily="34" charset="-122"/>
+              </a:rPr>
+              <a:t>及结果文件的命名自行决定但应尽可能减轻审阅人的负担，文件夹按小实验的序号命名如</a:t>
+            </a:r>
+            <a:r>
+              <a:rPr lang="en-US" altLang="zh-CN" dirty="0">
+                <a:latin typeface="微软雅黑" panose="020B0503020204020204" pitchFamily="34" charset="-122"/>
+              </a:rPr>
+              <a:t>EX1</a:t>
+            </a:r>
+            <a:r>
+              <a:rPr lang="zh-CN" altLang="en-US" dirty="0">
+                <a:latin typeface="微软雅黑" panose="020B0503020204020204" pitchFamily="34" charset="-122"/>
+              </a:rPr>
+              <a:t>，将所有文件夹压缩为一个压缩包 </a:t>
+            </a:r>
+            <a:r>
+              <a:rPr lang="en-US" altLang="zh-CN" dirty="0">
+                <a:latin typeface="微软雅黑" panose="020B0503020204020204" pitchFamily="34" charset="-122"/>
+              </a:rPr>
+              <a:t>(</a:t>
+            </a:r>
+            <a:r>
+              <a:rPr lang="en-US" altLang="zh-CN" dirty="0" err="1">
+                <a:latin typeface="微软雅黑" panose="020B0503020204020204" pitchFamily="34" charset="-122"/>
+              </a:rPr>
+              <a:t>rar</a:t>
+            </a:r>
+            <a:r>
+              <a:rPr lang="en-US" altLang="zh-CN" dirty="0">
+                <a:latin typeface="微软雅黑" panose="020B0503020204020204" pitchFamily="34" charset="-122"/>
+              </a:rPr>
+              <a:t>/zip) </a:t>
+            </a:r>
+            <a:r>
+              <a:rPr lang="zh-CN" altLang="en-US" dirty="0">
+                <a:latin typeface="微软雅黑" panose="020B0503020204020204" pitchFamily="34" charset="-122"/>
+              </a:rPr>
+              <a:t>提交到我的邮箱 </a:t>
+            </a:r>
+            <a:r>
+              <a:rPr lang="en-US" altLang="zh-CN" b="1" u="sng" dirty="0">
+                <a:solidFill>
+                  <a:schemeClr val="accent5">
+                    <a:lumMod val="50000"/>
+                  </a:schemeClr>
+                </a:solidFill>
+                <a:latin typeface="微软雅黑" panose="020B0503020204020204" pitchFamily="34" charset="-122"/>
+                <a:hlinkClick r:id="rId2"/>
+              </a:rPr>
+              <a:t>myliu@seu.edu.cn</a:t>
+            </a:r>
+            <a:endParaRPr lang="en-US" altLang="zh-CN" b="1" dirty="0">
+              <a:solidFill>
+                <a:srgbClr val="C00000"/>
+              </a:solidFill>
+              <a:latin typeface="微软雅黑" panose="020B0503020204020204" pitchFamily="34" charset="-122"/>
+            </a:endParaRPr>
+          </a:p>
+          <a:p>
+            <a:pPr>
+              <a:buFont typeface="Wingdings" pitchFamily="2" charset="2"/>
+              <a:buChar char="Ø"/>
+            </a:pPr>
+            <a:r>
+              <a:rPr lang="zh-CN" altLang="en-US" sz="2400" b="1" dirty="0">
+                <a:latin typeface="微软雅黑" panose="020B0503020204020204" pitchFamily="34" charset="-122"/>
+              </a:rPr>
+              <a:t>压缩包</a:t>
+            </a:r>
+            <a:r>
+              <a:rPr lang="zh-CN" altLang="en-US" sz="2400" dirty="0">
+                <a:latin typeface="微软雅黑" panose="020B0503020204020204" pitchFamily="34" charset="-122"/>
+              </a:rPr>
+              <a:t>与</a:t>
+            </a:r>
+            <a:r>
+              <a:rPr lang="zh-CN" altLang="en-US" sz="2400" b="1" dirty="0">
+                <a:latin typeface="微软雅黑" panose="020B0503020204020204" pitchFamily="34" charset="-122"/>
+              </a:rPr>
+              <a:t>邮件主题</a:t>
+            </a:r>
+            <a:r>
+              <a:rPr lang="zh-CN" altLang="en-US" sz="2400" dirty="0">
+                <a:latin typeface="微软雅黑" panose="020B0503020204020204" pitchFamily="34" charset="-122"/>
+              </a:rPr>
+              <a:t>的命名要求</a:t>
+            </a:r>
+            <a:r>
+              <a:rPr lang="zh-CN" altLang="en-US" sz="2400" dirty="0">
+                <a:solidFill>
+                  <a:srgbClr val="C00000"/>
+                </a:solidFill>
+                <a:latin typeface="微软雅黑" panose="020B0503020204020204" pitchFamily="34" charset="-122"/>
+              </a:rPr>
+              <a:t>（非常重要！）</a:t>
+            </a:r>
+            <a:endParaRPr lang="en-US" altLang="zh-CN" sz="2400" dirty="0">
+              <a:solidFill>
+                <a:srgbClr val="C00000"/>
+              </a:solidFill>
+              <a:latin typeface="微软雅黑" panose="020B0503020204020204" pitchFamily="34" charset="-122"/>
+            </a:endParaRPr>
+          </a:p>
+          <a:p>
+            <a:r>
+              <a:rPr lang="zh-CN" altLang="en-US" sz="2400" b="1" dirty="0">
+                <a:solidFill>
+                  <a:srgbClr val="C00000"/>
+                </a:solidFill>
+                <a:latin typeface="微软雅黑" panose="020B0503020204020204" pitchFamily="34" charset="-122"/>
+              </a:rPr>
+              <a:t>实验序次</a:t>
+            </a:r>
+            <a:r>
+              <a:rPr lang="en-US" altLang="zh-CN" sz="2400" b="1" dirty="0">
+                <a:solidFill>
+                  <a:srgbClr val="C00000"/>
+                </a:solidFill>
+                <a:latin typeface="微软雅黑" panose="020B0503020204020204" pitchFamily="34" charset="-122"/>
+              </a:rPr>
+              <a:t>_</a:t>
+            </a:r>
+            <a:r>
+              <a:rPr lang="zh-CN" altLang="en-US" sz="2400" b="1" dirty="0">
+                <a:solidFill>
+                  <a:srgbClr val="C00000"/>
+                </a:solidFill>
+                <a:latin typeface="微软雅黑" panose="020B0503020204020204" pitchFamily="34" charset="-122"/>
+              </a:rPr>
+              <a:t>姓名</a:t>
+            </a:r>
+            <a:r>
+              <a:rPr lang="en-US" altLang="zh-CN" sz="2400" b="1" dirty="0">
+                <a:solidFill>
+                  <a:srgbClr val="C00000"/>
+                </a:solidFill>
+                <a:latin typeface="微软雅黑" panose="020B0503020204020204" pitchFamily="34" charset="-122"/>
+              </a:rPr>
+              <a:t>_</a:t>
+            </a:r>
+            <a:r>
+              <a:rPr lang="zh-CN" altLang="en-US" sz="2400" b="1" dirty="0">
+                <a:solidFill>
+                  <a:srgbClr val="C00000"/>
+                </a:solidFill>
+                <a:latin typeface="微软雅黑" panose="020B0503020204020204" pitchFamily="34" charset="-122"/>
+              </a:rPr>
+              <a:t>学号</a:t>
+            </a:r>
+            <a:r>
+              <a:rPr lang="en-US" altLang="zh-CN" sz="2400" b="1" dirty="0">
+                <a:solidFill>
+                  <a:srgbClr val="C00000"/>
+                </a:solidFill>
+                <a:latin typeface="微软雅黑" panose="020B0503020204020204" pitchFamily="34" charset="-122"/>
+              </a:rPr>
+              <a:t>    </a:t>
+            </a:r>
+            <a:r>
+              <a:rPr lang="zh-CN" altLang="en-US" sz="2400" dirty="0">
+                <a:latin typeface="微软雅黑" panose="020B0503020204020204" pitchFamily="34" charset="-122"/>
+              </a:rPr>
+              <a:t>举例：</a:t>
+            </a:r>
+            <a:r>
+              <a:rPr lang="en-US" altLang="zh-CN" sz="2400" b="1" dirty="0">
+                <a:solidFill>
+                  <a:srgbClr val="C00000"/>
+                </a:solidFill>
+                <a:latin typeface="微软雅黑" panose="020B0503020204020204" pitchFamily="34" charset="-122"/>
+              </a:rPr>
+              <a:t>lab8_</a:t>
+            </a:r>
+            <a:r>
+              <a:rPr lang="zh-CN" altLang="en-US" sz="2400" b="1" dirty="0">
+                <a:solidFill>
+                  <a:srgbClr val="C00000"/>
+                </a:solidFill>
+                <a:latin typeface="微软雅黑" panose="020B0503020204020204" pitchFamily="34" charset="-122"/>
+              </a:rPr>
+              <a:t>王东南</a:t>
+            </a:r>
+            <a:r>
+              <a:rPr lang="en-US" altLang="zh-CN" sz="2400" b="1" dirty="0">
+                <a:solidFill>
+                  <a:srgbClr val="C00000"/>
+                </a:solidFill>
+                <a:latin typeface="微软雅黑" panose="020B0503020204020204" pitchFamily="34" charset="-122"/>
+              </a:rPr>
+              <a:t>_JS221001.rar</a:t>
+            </a:r>
+          </a:p>
+        </p:txBody>
+      </p:sp>
+      <p:sp>
+        <p:nvSpPr>
+          <p:cNvPr id="8" name="文本框 7">
+            <a:extLst>
+              <a:ext uri="{FF2B5EF4-FFF2-40B4-BE49-F238E27FC236}">
+                <a16:creationId xmlns:a16="http://schemas.microsoft.com/office/drawing/2014/main" id="{4F88BBE7-F018-4183-BBAB-1D9799DBF538}"/>
+              </a:ext>
+            </a:extLst>
+          </p:cNvPr>
+          <p:cNvSpPr txBox="1"/>
+          <p:nvPr/>
+        </p:nvSpPr>
+        <p:spPr>
+          <a:xfrm>
+            <a:off x="7409793" y="6220128"/>
+            <a:ext cx="4211077" cy="369332"/>
+          </a:xfrm>
+          <a:prstGeom prst="rect">
+            <a:avLst/>
+          </a:prstGeom>
+          <a:noFill/>
+          <a:ln>
+            <a:solidFill>
+              <a:srgbClr val="C00000"/>
+            </a:solidFill>
+          </a:ln>
+        </p:spPr>
+        <p:txBody>
+          <a:bodyPr wrap="square">
+            <a:spAutoFit/>
+          </a:bodyPr>
+          <a:lstStyle/>
+          <a:p>
+            <a:r>
+              <a:rPr lang="zh-CN" altLang="en-US" b="1" dirty="0">
+                <a:solidFill>
+                  <a:srgbClr val="C00000"/>
+                </a:solidFill>
+                <a:latin typeface="微软雅黑" panose="020B0503020204020204" pitchFamily="34" charset="-122"/>
+              </a:rPr>
+              <a:t>提交截止日期：</a:t>
+            </a:r>
+            <a:r>
+              <a:rPr lang="en-US" altLang="zh-CN" b="1" dirty="0">
+                <a:solidFill>
+                  <a:srgbClr val="C00000"/>
+                </a:solidFill>
+                <a:latin typeface="微软雅黑" panose="020B0503020204020204" pitchFamily="34" charset="-122"/>
+              </a:rPr>
+              <a:t>2022</a:t>
+            </a:r>
+            <a:r>
+              <a:rPr lang="zh-CN" altLang="en-US" b="1" dirty="0">
+                <a:solidFill>
+                  <a:srgbClr val="C00000"/>
+                </a:solidFill>
+                <a:latin typeface="微软雅黑" panose="020B0503020204020204" pitchFamily="34" charset="-122"/>
+              </a:rPr>
+              <a:t>年</a:t>
+            </a:r>
+            <a:r>
+              <a:rPr lang="en-US" altLang="zh-CN" b="1" dirty="0">
+                <a:solidFill>
+                  <a:srgbClr val="C00000"/>
+                </a:solidFill>
+                <a:latin typeface="微软雅黑" panose="020B0503020204020204" pitchFamily="34" charset="-122"/>
+              </a:rPr>
+              <a:t>1</a:t>
+            </a:r>
+            <a:r>
+              <a:rPr lang="zh-CN" altLang="en-US" b="1" dirty="0">
+                <a:solidFill>
+                  <a:srgbClr val="C00000"/>
+                </a:solidFill>
+                <a:latin typeface="微软雅黑" panose="020B0503020204020204" pitchFamily="34" charset="-122"/>
+              </a:rPr>
+              <a:t>月</a:t>
+            </a:r>
+            <a:r>
+              <a:rPr lang="en-US" altLang="zh-CN" b="1" dirty="0">
+                <a:solidFill>
+                  <a:srgbClr val="C00000"/>
+                </a:solidFill>
+                <a:latin typeface="微软雅黑" panose="020B0503020204020204" pitchFamily="34" charset="-122"/>
+              </a:rPr>
+              <a:t>2</a:t>
+            </a:r>
+            <a:r>
+              <a:rPr lang="zh-CN" altLang="en-US" b="1" dirty="0">
+                <a:solidFill>
+                  <a:srgbClr val="C00000"/>
+                </a:solidFill>
+                <a:latin typeface="微软雅黑" panose="020B0503020204020204" pitchFamily="34" charset="-122"/>
+              </a:rPr>
+              <a:t>日</a:t>
+            </a:r>
+            <a:r>
+              <a:rPr lang="en-US" altLang="zh-CN" b="1" dirty="0">
+                <a:solidFill>
+                  <a:srgbClr val="C00000"/>
+                </a:solidFill>
+                <a:latin typeface="微软雅黑" panose="020B0503020204020204" pitchFamily="34" charset="-122"/>
+              </a:rPr>
+              <a:t>24:00</a:t>
+            </a:r>
+            <a:endParaRPr lang="zh-CN" altLang="en-US" dirty="0"/>
+          </a:p>
+        </p:txBody>
+      </p:sp>
+    </p:spTree>
+    <p:extLst>
+      <p:ext uri="{BB962C8B-B14F-4D97-AF65-F5344CB8AC3E}">
+        <p14:creationId xmlns:p14="http://schemas.microsoft.com/office/powerpoint/2010/main" val="1960956896"/>
+      </p:ext>
+    </p:extLst>
+  </p:cSld>
+  <p:clrMapOvr>
+    <a:masterClrMapping/>
+  </p:clrMapOvr>
+  <p:timing>
+    <p:tnLst>
+      <p:par>
+        <p:cTn id="1" dur="indefinite" restart="never" nodeType="tmRoot">
+          <p:childTnLst>
+            <p:seq concurrent="1" nextAc="seek">
+              <p:cTn id="2" dur="indefinite" nodeType="mainSeq">
+                <p:childTnLst>
+                  <p:par>
+                    <p:cTn id="3" fill="hold">
+                      <p:stCondLst>
+                        <p:cond delay="indefinite"/>
+                      </p:stCondLst>
+                      <p:childTnLst>
+                        <p:par>
+                          <p:cTn id="4" fill="hold">
+                            <p:stCondLst>
+                              <p:cond delay="0"/>
+                            </p:stCondLst>
+                            <p:childTnLst>
+                              <p:par>
+                                <p:cTn id="5" presetID="22" presetClass="entr" presetSubtype="8" fill="hold" nodeType="clickEffect">
+                                  <p:stCondLst>
+                                    <p:cond delay="0"/>
+                                  </p:stCondLst>
+                                  <p:childTnLst>
+                                    <p:set>
+                                      <p:cBhvr>
+                                        <p:cTn id="6" dur="1" fill="hold">
+                                          <p:stCondLst>
+                                            <p:cond delay="0"/>
+                                          </p:stCondLst>
+                                        </p:cTn>
+                                        <p:tgtEl>
+                                          <p:spTgt spid="6">
+                                            <p:txEl>
+                                              <p:pRg st="0" end="0"/>
+                                            </p:txEl>
+                                          </p:spTgt>
+                                        </p:tgtEl>
+                                        <p:attrNameLst>
+                                          <p:attrName>style.visibility</p:attrName>
+                                        </p:attrNameLst>
+                                      </p:cBhvr>
+                                      <p:to>
+                                        <p:strVal val="visible"/>
+                                      </p:to>
+                                    </p:set>
+                                    <p:animEffect transition="in" filter="wipe(left)">
+                                      <p:cBhvr>
+                                        <p:cTn id="7" dur="500"/>
+                                        <p:tgtEl>
+                                          <p:spTgt spid="6">
+                                            <p:txEl>
+                                              <p:pRg st="0" end="0"/>
+                                            </p:txEl>
+                                          </p:spTgt>
+                                        </p:tgtEl>
+                                      </p:cBhvr>
+                                    </p:animEffect>
+                                  </p:childTnLst>
+                                </p:cTn>
+                              </p:par>
+                            </p:childTnLst>
+                          </p:cTn>
+                        </p:par>
+                        <p:par>
+                          <p:cTn id="8" fill="hold">
+                            <p:stCondLst>
+                              <p:cond delay="500"/>
+                            </p:stCondLst>
+                            <p:childTnLst>
+                              <p:par>
+                                <p:cTn id="9" presetID="22" presetClass="entr" presetSubtype="8" fill="hold" nodeType="afterEffect">
+                                  <p:stCondLst>
+                                    <p:cond delay="0"/>
+                                  </p:stCondLst>
+                                  <p:childTnLst>
+                                    <p:set>
+                                      <p:cBhvr>
+                                        <p:cTn id="10" dur="1" fill="hold">
+                                          <p:stCondLst>
+                                            <p:cond delay="0"/>
+                                          </p:stCondLst>
+                                        </p:cTn>
+                                        <p:tgtEl>
+                                          <p:spTgt spid="7">
+                                            <p:txEl>
+                                              <p:pRg st="2" end="2"/>
+                                            </p:txEl>
+                                          </p:spTgt>
+                                        </p:tgtEl>
+                                        <p:attrNameLst>
+                                          <p:attrName>style.visibility</p:attrName>
+                                        </p:attrNameLst>
+                                      </p:cBhvr>
+                                      <p:to>
+                                        <p:strVal val="visible"/>
+                                      </p:to>
+                                    </p:set>
+                                    <p:animEffect transition="in" filter="wipe(left)">
+                                      <p:cBhvr>
+                                        <p:cTn id="11" dur="500"/>
+                                        <p:tgtEl>
+                                          <p:spTgt spid="7">
+                                            <p:txEl>
+                                              <p:pRg st="2" end="2"/>
+                                            </p:txEl>
+                                          </p:spTgt>
+                                        </p:tgtEl>
+                                      </p:cBhvr>
+                                    </p:animEffect>
+                                  </p:childTnLst>
+                                </p:cTn>
+                              </p:par>
+                            </p:childTnLst>
+                          </p:cTn>
+                        </p:par>
+                      </p:childTnLst>
+                    </p:cTn>
+                  </p:par>
+                </p:childTnLst>
+              </p:cTn>
+              <p:prevCondLst>
+                <p:cond evt="onPrev" delay="0">
+                  <p:tgtEl>
+                    <p:sldTgt/>
+                  </p:tgtEl>
+                </p:cond>
+              </p:prevCondLst>
+              <p:nextCondLst>
+                <p:cond evt="onNext" delay="0">
+                  <p:tgtEl>
+                    <p:sldTgt/>
+                  </p:tgtEl>
+                </p:cond>
+              </p:nextCondLst>
+            </p:seq>
+          </p:childTnLst>
+        </p:cTn>
+      </p:par>
+    </p:tnLst>
+  </p:timing>
+</p:sld>
+</file>
+
+<file path=ppt/slides/slide16.xml><?xml version="1.0" encoding="utf-8"?>
+<p:sld xmlns:a="http://schemas.openxmlformats.org/drawingml/2006/main" xmlns:r="http://schemas.openxmlformats.org/officeDocument/2006/relationships" xmlns:p="http://schemas.openxmlformats.org/presentationml/2006/main">
+  <p:cSld>
+    <p:spTree>
+      <p:nvGrpSpPr>
+        <p:cNvPr id="1" name=""/>
+        <p:cNvGrpSpPr/>
+        <p:nvPr/>
+      </p:nvGrpSpPr>
+      <p:grpSpPr>
+        <a:xfrm>
+          <a:off x="0" y="0"/>
+          <a:ext cx="0" cy="0"/>
+          <a:chOff x="0" y="0"/>
+          <a:chExt cx="0" cy="0"/>
+        </a:xfrm>
+      </p:grpSpPr>
+      <p:sp>
+        <p:nvSpPr>
+          <p:cNvPr id="5" name="文本框 4">
+            <a:extLst>
+              <a:ext uri="{FF2B5EF4-FFF2-40B4-BE49-F238E27FC236}">
+                <a16:creationId xmlns:a16="http://schemas.microsoft.com/office/drawing/2014/main" id="{AF595B49-923A-4FFD-90CA-A70D20D20BC0}"/>
+              </a:ext>
+            </a:extLst>
+          </p:cNvPr>
+          <p:cNvSpPr txBox="1"/>
+          <p:nvPr/>
+        </p:nvSpPr>
+        <p:spPr>
+          <a:xfrm>
+            <a:off x="284421" y="586194"/>
+            <a:ext cx="6097772" cy="369332"/>
+          </a:xfrm>
+          <a:prstGeom prst="rect">
+            <a:avLst/>
+          </a:prstGeom>
+          <a:noFill/>
+        </p:spPr>
+        <p:txBody>
+          <a:bodyPr wrap="square">
+            <a:spAutoFit/>
+          </a:bodyPr>
+          <a:lstStyle/>
+          <a:p>
+            <a:pPr>
+              <a:buFont typeface="Wingdings" pitchFamily="2" charset="2"/>
+              <a:buChar char="Ø"/>
+            </a:pPr>
+            <a:r>
+              <a:rPr lang="zh-CN" altLang="en-US" sz="1800" dirty="0">
+                <a:latin typeface="微软雅黑" panose="020B0503020204020204" pitchFamily="34" charset="-122"/>
+              </a:rPr>
+              <a:t>其中</a:t>
+            </a:r>
+            <a:r>
+              <a:rPr lang="en-US" altLang="zh-CN" sz="1800" dirty="0">
+                <a:latin typeface="微软雅黑" panose="020B0503020204020204" pitchFamily="34" charset="-122"/>
+              </a:rPr>
+              <a:t>Ex1</a:t>
+            </a:r>
+            <a:r>
+              <a:rPr lang="en-US" altLang="zh-CN" dirty="0">
+                <a:latin typeface="微软雅黑" panose="020B0503020204020204" pitchFamily="34" charset="-122"/>
+              </a:rPr>
+              <a:t>.1</a:t>
+            </a:r>
+            <a:r>
+              <a:rPr lang="zh-CN" altLang="en-US" dirty="0">
+                <a:latin typeface="微软雅黑" panose="020B0503020204020204" pitchFamily="34" charset="-122"/>
+              </a:rPr>
+              <a:t>程序有一些修改：</a:t>
+            </a:r>
+            <a:endParaRPr lang="en-US" altLang="zh-CN" sz="1800" dirty="0">
+              <a:latin typeface="微软雅黑" panose="020B0503020204020204" pitchFamily="34" charset="-122"/>
+            </a:endParaRPr>
+          </a:p>
+        </p:txBody>
+      </p:sp>
+      <p:pic>
+        <p:nvPicPr>
+          <p:cNvPr id="7" name="图片 6">
+            <a:extLst>
+              <a:ext uri="{FF2B5EF4-FFF2-40B4-BE49-F238E27FC236}">
+                <a16:creationId xmlns:a16="http://schemas.microsoft.com/office/drawing/2014/main" id="{357928A6-3169-408A-B48A-1A4885193C95}"/>
+              </a:ext>
+            </a:extLst>
+          </p:cNvPr>
+          <p:cNvPicPr>
+            <a:picLocks noChangeAspect="1"/>
+          </p:cNvPicPr>
+          <p:nvPr/>
+        </p:nvPicPr>
+        <p:blipFill>
+          <a:blip r:embed="rId2"/>
+          <a:stretch>
+            <a:fillRect/>
+          </a:stretch>
+        </p:blipFill>
+        <p:spPr>
+          <a:xfrm>
+            <a:off x="284421" y="1014005"/>
+            <a:ext cx="6292108" cy="4600216"/>
+          </a:xfrm>
+          <a:prstGeom prst="rect">
+            <a:avLst/>
+          </a:prstGeom>
+        </p:spPr>
+      </p:pic>
+      <p:sp>
+        <p:nvSpPr>
+          <p:cNvPr id="8" name="文本框 7">
+            <a:extLst>
+              <a:ext uri="{FF2B5EF4-FFF2-40B4-BE49-F238E27FC236}">
+                <a16:creationId xmlns:a16="http://schemas.microsoft.com/office/drawing/2014/main" id="{5ED6D562-043A-44CD-B705-771FBA662685}"/>
+              </a:ext>
+            </a:extLst>
+          </p:cNvPr>
+          <p:cNvSpPr txBox="1"/>
+          <p:nvPr/>
+        </p:nvSpPr>
+        <p:spPr>
+          <a:xfrm>
+            <a:off x="284421" y="5709913"/>
+            <a:ext cx="6097772" cy="369332"/>
+          </a:xfrm>
+          <a:prstGeom prst="rect">
+            <a:avLst/>
+          </a:prstGeom>
+          <a:noFill/>
+        </p:spPr>
+        <p:txBody>
+          <a:bodyPr wrap="square">
+            <a:spAutoFit/>
+          </a:bodyPr>
+          <a:lstStyle/>
+          <a:p>
+            <a:pPr>
+              <a:buFont typeface="Wingdings" pitchFamily="2" charset="2"/>
+              <a:buChar char="Ø"/>
+            </a:pPr>
+            <a:r>
+              <a:rPr lang="zh-CN" altLang="en-US" sz="1800" dirty="0">
+                <a:latin typeface="微软雅黑" panose="020B0503020204020204" pitchFamily="34" charset="-122"/>
+              </a:rPr>
+              <a:t>其中</a:t>
+            </a:r>
+            <a:r>
+              <a:rPr lang="en-US" altLang="zh-CN" sz="1800" dirty="0">
+                <a:latin typeface="微软雅黑" panose="020B0503020204020204" pitchFamily="34" charset="-122"/>
+              </a:rPr>
+              <a:t>Ex1</a:t>
+            </a:r>
+            <a:r>
+              <a:rPr lang="en-US" altLang="zh-CN" dirty="0">
+                <a:latin typeface="微软雅黑" panose="020B0503020204020204" pitchFamily="34" charset="-122"/>
+              </a:rPr>
+              <a:t>.2 1.3</a:t>
+            </a:r>
+            <a:r>
+              <a:rPr lang="zh-CN" altLang="en-US" dirty="0">
+                <a:latin typeface="微软雅黑" panose="020B0503020204020204" pitchFamily="34" charset="-122"/>
+              </a:rPr>
+              <a:t>试用文字回答</a:t>
+            </a:r>
+            <a:endParaRPr lang="en-US" altLang="zh-CN" sz="1800" dirty="0">
+              <a:latin typeface="微软雅黑" panose="020B0503020204020204" pitchFamily="34" charset="-122"/>
+            </a:endParaRPr>
+          </a:p>
+        </p:txBody>
+      </p:sp>
+      <p:pic>
+        <p:nvPicPr>
+          <p:cNvPr id="10" name="图片 9">
+            <a:extLst>
+              <a:ext uri="{FF2B5EF4-FFF2-40B4-BE49-F238E27FC236}">
+                <a16:creationId xmlns:a16="http://schemas.microsoft.com/office/drawing/2014/main" id="{9883DC6C-F4F6-40CC-B5C1-1DBC029B5C39}"/>
+              </a:ext>
+            </a:extLst>
+          </p:cNvPr>
+          <p:cNvPicPr>
+            <a:picLocks noChangeAspect="1"/>
+          </p:cNvPicPr>
+          <p:nvPr/>
+        </p:nvPicPr>
+        <p:blipFill>
+          <a:blip r:embed="rId3"/>
+          <a:stretch>
+            <a:fillRect/>
+          </a:stretch>
+        </p:blipFill>
+        <p:spPr>
+          <a:xfrm>
+            <a:off x="7405809" y="1869926"/>
+            <a:ext cx="1952381" cy="2180952"/>
+          </a:xfrm>
+          <a:prstGeom prst="rect">
+            <a:avLst/>
+          </a:prstGeom>
+        </p:spPr>
+      </p:pic>
+      <p:sp>
+        <p:nvSpPr>
+          <p:cNvPr id="11" name="文本框 10">
+            <a:extLst>
+              <a:ext uri="{FF2B5EF4-FFF2-40B4-BE49-F238E27FC236}">
+                <a16:creationId xmlns:a16="http://schemas.microsoft.com/office/drawing/2014/main" id="{D1889028-5168-4609-887D-3CA920E369C5}"/>
+              </a:ext>
+            </a:extLst>
+          </p:cNvPr>
+          <p:cNvSpPr txBox="1"/>
+          <p:nvPr/>
+        </p:nvSpPr>
+        <p:spPr>
+          <a:xfrm>
+            <a:off x="7014382" y="1131262"/>
+            <a:ext cx="1686680" cy="369332"/>
+          </a:xfrm>
+          <a:prstGeom prst="rect">
+            <a:avLst/>
+          </a:prstGeom>
+          <a:noFill/>
+          <a:ln>
+            <a:solidFill>
+              <a:schemeClr val="tx1"/>
+            </a:solidFill>
+          </a:ln>
+        </p:spPr>
+        <p:txBody>
+          <a:bodyPr wrap="none" rtlCol="0">
+            <a:spAutoFit/>
+          </a:bodyPr>
+          <a:lstStyle/>
+          <a:p>
+            <a:r>
+              <a:rPr lang="en-US" altLang="zh-CN" dirty="0"/>
+              <a:t>Sample Output</a:t>
+            </a:r>
+            <a:endParaRPr lang="zh-CN" altLang="en-US" dirty="0"/>
+          </a:p>
+        </p:txBody>
+      </p:sp>
+      <p:pic>
+        <p:nvPicPr>
+          <p:cNvPr id="13" name="图片 12">
+            <a:extLst>
+              <a:ext uri="{FF2B5EF4-FFF2-40B4-BE49-F238E27FC236}">
+                <a16:creationId xmlns:a16="http://schemas.microsoft.com/office/drawing/2014/main" id="{A3A6154B-CE5D-4A93-B3A6-356D3A4554F0}"/>
+              </a:ext>
+            </a:extLst>
+          </p:cNvPr>
+          <p:cNvPicPr>
+            <a:picLocks noChangeAspect="1"/>
+          </p:cNvPicPr>
+          <p:nvPr/>
+        </p:nvPicPr>
+        <p:blipFill>
+          <a:blip r:embed="rId4"/>
+          <a:stretch>
+            <a:fillRect/>
+          </a:stretch>
+        </p:blipFill>
+        <p:spPr>
+          <a:xfrm>
+            <a:off x="7405809" y="4600729"/>
+            <a:ext cx="2761905" cy="676190"/>
+          </a:xfrm>
+          <a:prstGeom prst="rect">
+            <a:avLst/>
+          </a:prstGeom>
+        </p:spPr>
+      </p:pic>
+    </p:spTree>
+    <p:extLst>
+      <p:ext uri="{BB962C8B-B14F-4D97-AF65-F5344CB8AC3E}">
+        <p14:creationId xmlns:p14="http://schemas.microsoft.com/office/powerpoint/2010/main" val="2164905950"/>
+      </p:ext>
+    </p:extLst>
+  </p:cSld>
+  <p:clrMapOvr>
+    <a:masterClrMapping/>
+  </p:clrMapOvr>
 </p:sld>
 </file>
 
